--- a/notes/csc402-ln020.pptx
+++ b/notes/csc402-ln020.pptx
@@ -5,20 +5,23 @@
     <p:sldMasterId id="2147483649" r:id="rId1"/>
   </p:sldMasterIdLst>
   <p:notesMasterIdLst>
-    <p:notesMasterId r:id="rId13"/>
+    <p:notesMasterId r:id="rId16"/>
   </p:notesMasterIdLst>
   <p:sldIdLst>
     <p:sldId id="256" r:id="rId2"/>
     <p:sldId id="258" r:id="rId3"/>
     <p:sldId id="259" r:id="rId4"/>
-    <p:sldId id="263" r:id="rId5"/>
-    <p:sldId id="265" r:id="rId6"/>
-    <p:sldId id="271" r:id="rId7"/>
-    <p:sldId id="266" r:id="rId8"/>
-    <p:sldId id="267" r:id="rId9"/>
-    <p:sldId id="268" r:id="rId10"/>
-    <p:sldId id="269" r:id="rId11"/>
-    <p:sldId id="270" r:id="rId12"/>
+    <p:sldId id="266" r:id="rId5"/>
+    <p:sldId id="263" r:id="rId6"/>
+    <p:sldId id="265" r:id="rId7"/>
+    <p:sldId id="267" r:id="rId8"/>
+    <p:sldId id="268" r:id="rId9"/>
+    <p:sldId id="269" r:id="rId10"/>
+    <p:sldId id="270" r:id="rId11"/>
+    <p:sldId id="271" r:id="rId12"/>
+    <p:sldId id="272" r:id="rId13"/>
+    <p:sldId id="273" r:id="rId14"/>
+    <p:sldId id="274" r:id="rId15"/>
   </p:sldIdLst>
   <p:sldSz cx="9144000" cy="6858000" type="screen4x3"/>
   <p:notesSz cx="6858000" cy="9144000"/>
@@ -215,17 +218,17 @@
           </a:ln>
           <a:extLst>
             <a:ext uri="{FAA26D3D-D897-4be2-8F04-BA451C77F1D7}">
-              <ma14:placeholderFlag xmlns:ma14="http://schemas.microsoft.com/office/mac/drawingml/2011/main" val="1"/>
+              <ma14:placeholderFlag xmlns:ma14="http://schemas.microsoft.com/office/mac/drawingml/2011/main" xmlns="" val="1"/>
             </a:ext>
             <a:ext uri="{909E8E84-426E-40dd-AFC4-6F175D3DCCD1}">
-              <a14:hiddenFill xmlns:a14="http://schemas.microsoft.com/office/drawing/2010/main" xmlns="">
+              <a14:hiddenFill xmlns="" xmlns:a14="http://schemas.microsoft.com/office/drawing/2010/main">
                 <a:solidFill>
                   <a:schemeClr val="accent1"/>
                 </a:solidFill>
               </a14:hiddenFill>
             </a:ext>
             <a:ext uri="{91240B29-F687-4f45-9708-019B960494DF}">
-              <a14:hiddenLine xmlns:a14="http://schemas.microsoft.com/office/drawing/2010/main" xmlns="" w="9525">
+              <a14:hiddenLine xmlns="" xmlns:a14="http://schemas.microsoft.com/office/drawing/2010/main" w="9525">
                 <a:solidFill>
                   <a:schemeClr val="tx1"/>
                 </a:solidFill>
@@ -276,17 +279,17 @@
           </a:ln>
           <a:extLst>
             <a:ext uri="{FAA26D3D-D897-4be2-8F04-BA451C77F1D7}">
-              <ma14:placeholderFlag xmlns:ma14="http://schemas.microsoft.com/office/mac/drawingml/2011/main" val="1"/>
+              <ma14:placeholderFlag xmlns:ma14="http://schemas.microsoft.com/office/mac/drawingml/2011/main" xmlns="" val="1"/>
             </a:ext>
             <a:ext uri="{909E8E84-426E-40dd-AFC4-6F175D3DCCD1}">
-              <a14:hiddenFill xmlns:a14="http://schemas.microsoft.com/office/drawing/2010/main" xmlns="">
+              <a14:hiddenFill xmlns="" xmlns:a14="http://schemas.microsoft.com/office/drawing/2010/main">
                 <a:solidFill>
                   <a:schemeClr val="accent1"/>
                 </a:solidFill>
               </a14:hiddenFill>
             </a:ext>
             <a:ext uri="{91240B29-F687-4f45-9708-019B960494DF}">
-              <a14:hiddenLine xmlns:a14="http://schemas.microsoft.com/office/drawing/2010/main" xmlns="" w="9525">
+              <a14:hiddenLine xmlns="" xmlns:a14="http://schemas.microsoft.com/office/drawing/2010/main" w="9525">
                 <a:solidFill>
                   <a:schemeClr val="tx1"/>
                 </a:solidFill>
@@ -343,7 +346,7 @@
           <a:effectLst/>
           <a:extLst>
             <a:ext uri="{AF507438-7753-43e0-B8FC-AC1667EBCBE1}">
-              <a14:hiddenEffects xmlns:a14="http://schemas.microsoft.com/office/drawing/2010/main" xmlns="">
+              <a14:hiddenEffects xmlns="" xmlns:a14="http://schemas.microsoft.com/office/drawing/2010/main">
                 <a:effectLst>
                   <a:outerShdw blurRad="63500" dist="38099" dir="2700000" algn="ctr" rotWithShape="0">
                     <a:srgbClr val="000000">
@@ -354,7 +357,7 @@
               </a14:hiddenEffects>
             </a:ext>
             <a:ext uri="{53640926-AAD7-44d8-BBD7-CCE9431645EC}">
-              <a14:shadowObscured xmlns:a14="http://schemas.microsoft.com/office/drawing/2010/main" xmlns="" val="1"/>
+              <a14:shadowObscured xmlns="" xmlns:a14="http://schemas.microsoft.com/office/drawing/2010/main" val="1"/>
             </a:ext>
           </a:extLst>
         </p:spPr>
@@ -383,17 +386,17 @@
           </a:ln>
           <a:extLst>
             <a:ext uri="{FAA26D3D-D897-4be2-8F04-BA451C77F1D7}">
-              <ma14:placeholderFlag xmlns:ma14="http://schemas.microsoft.com/office/mac/drawingml/2011/main" val="1"/>
+              <ma14:placeholderFlag xmlns:ma14="http://schemas.microsoft.com/office/mac/drawingml/2011/main" xmlns="" val="1"/>
             </a:ext>
             <a:ext uri="{909E8E84-426E-40dd-AFC4-6F175D3DCCD1}">
-              <a14:hiddenFill xmlns:a14="http://schemas.microsoft.com/office/drawing/2010/main" xmlns="">
+              <a14:hiddenFill xmlns="" xmlns:a14="http://schemas.microsoft.com/office/drawing/2010/main">
                 <a:solidFill>
                   <a:schemeClr val="accent1"/>
                 </a:solidFill>
               </a14:hiddenFill>
             </a:ext>
             <a:ext uri="{91240B29-F687-4f45-9708-019B960494DF}">
-              <a14:hiddenLine xmlns:a14="http://schemas.microsoft.com/office/drawing/2010/main" xmlns="" w="9525">
+              <a14:hiddenLine xmlns="" xmlns:a14="http://schemas.microsoft.com/office/drawing/2010/main" w="9525">
                 <a:solidFill>
                   <a:schemeClr val="tx1"/>
                 </a:solidFill>
@@ -472,17 +475,17 @@
           </a:ln>
           <a:extLst>
             <a:ext uri="{FAA26D3D-D897-4be2-8F04-BA451C77F1D7}">
-              <ma14:placeholderFlag xmlns:ma14="http://schemas.microsoft.com/office/mac/drawingml/2011/main" val="1"/>
+              <ma14:placeholderFlag xmlns:ma14="http://schemas.microsoft.com/office/mac/drawingml/2011/main" xmlns="" val="1"/>
             </a:ext>
             <a:ext uri="{909E8E84-426E-40dd-AFC4-6F175D3DCCD1}">
-              <a14:hiddenFill xmlns:a14="http://schemas.microsoft.com/office/drawing/2010/main" xmlns="">
+              <a14:hiddenFill xmlns="" xmlns:a14="http://schemas.microsoft.com/office/drawing/2010/main">
                 <a:solidFill>
                   <a:schemeClr val="accent1"/>
                 </a:solidFill>
               </a14:hiddenFill>
             </a:ext>
             <a:ext uri="{91240B29-F687-4f45-9708-019B960494DF}">
-              <a14:hiddenLine xmlns:a14="http://schemas.microsoft.com/office/drawing/2010/main" xmlns="" w="9525">
+              <a14:hiddenLine xmlns="" xmlns:a14="http://schemas.microsoft.com/office/drawing/2010/main" w="9525">
                 <a:solidFill>
                   <a:schemeClr val="tx1"/>
                 </a:solidFill>
@@ -533,17 +536,17 @@
           </a:ln>
           <a:extLst>
             <a:ext uri="{FAA26D3D-D897-4be2-8F04-BA451C77F1D7}">
-              <ma14:placeholderFlag xmlns:ma14="http://schemas.microsoft.com/office/mac/drawingml/2011/main" val="1"/>
+              <ma14:placeholderFlag xmlns:ma14="http://schemas.microsoft.com/office/mac/drawingml/2011/main" xmlns="" val="1"/>
             </a:ext>
             <a:ext uri="{909E8E84-426E-40dd-AFC4-6F175D3DCCD1}">
-              <a14:hiddenFill xmlns:a14="http://schemas.microsoft.com/office/drawing/2010/main" xmlns="">
+              <a14:hiddenFill xmlns="" xmlns:a14="http://schemas.microsoft.com/office/drawing/2010/main">
                 <a:solidFill>
                   <a:schemeClr val="accent1"/>
                 </a:solidFill>
               </a14:hiddenFill>
             </a:ext>
             <a:ext uri="{91240B29-F687-4f45-9708-019B960494DF}">
-              <a14:hiddenLine xmlns:a14="http://schemas.microsoft.com/office/drawing/2010/main" xmlns="" w="9525">
+              <a14:hiddenLine xmlns="" xmlns:a14="http://schemas.microsoft.com/office/drawing/2010/main" w="9525">
                 <a:solidFill>
                   <a:schemeClr val="tx1"/>
                 </a:solidFill>
@@ -765,7 +768,7 @@
           <a:ln/>
           <a:extLst>
             <a:ext uri="{FAA26D3D-D897-4be2-8F04-BA451C77F1D7}">
-              <ma14:placeholderFlag xmlns:ma14="http://schemas.microsoft.com/office/mac/drawingml/2011/main" val="1"/>
+              <ma14:placeholderFlag xmlns:ma14="http://schemas.microsoft.com/office/mac/drawingml/2011/main" xmlns="" val="1"/>
             </a:ext>
           </a:extLst>
         </p:spPr>
@@ -781,225 +784,6 @@
           </p:nvPr>
         </p:nvSpPr>
         <p:spPr/>
-        <p:txBody>
-          <a:bodyPr/>
-          <a:lstStyle/>
-          <a:p>
-            <a:endParaRPr lang="en-US"/>
-          </a:p>
-        </p:txBody>
-      </p:sp>
-    </p:spTree>
-  </p:cSld>
-  <p:clrMapOvr>
-    <a:masterClrMapping/>
-  </p:clrMapOvr>
-</p:notes>
-</file>
-
-<file path=ppt/notesSlides/notesSlide10.xml><?xml version="1.0" encoding="utf-8"?>
-<p:notes xmlns:a="http://schemas.openxmlformats.org/drawingml/2006/main" xmlns:r="http://schemas.openxmlformats.org/officeDocument/2006/relationships" xmlns:p="http://schemas.openxmlformats.org/presentationml/2006/main">
-  <p:cSld>
-    <p:spTree>
-      <p:nvGrpSpPr>
-        <p:cNvPr id="1" name=""/>
-        <p:cNvGrpSpPr/>
-        <p:nvPr/>
-      </p:nvGrpSpPr>
-      <p:grpSpPr>
-        <a:xfrm>
-          <a:off x="0" y="0"/>
-          <a:ext cx="0" cy="0"/>
-          <a:chOff x="0" y="0"/>
-          <a:chExt cx="0" cy="0"/>
-        </a:xfrm>
-      </p:grpSpPr>
-      <p:sp>
-        <p:nvSpPr>
-          <p:cNvPr id="7" name="Rectangle 7"/>
-          <p:cNvSpPr>
-            <a:spLocks noGrp="1" noChangeArrowheads="1"/>
-          </p:cNvSpPr>
-          <p:nvPr>
-            <p:ph type="sldNum" sz="quarter" idx="5"/>
-          </p:nvPr>
-        </p:nvSpPr>
-        <p:spPr>
-          <a:ln/>
-        </p:spPr>
-        <p:txBody>
-          <a:bodyPr/>
-          <a:lstStyle/>
-          <a:p>
-            <a:fld id="{3427DBE9-5F7D-C144-A4A0-A8CEBD2EABDD}" type="slidenum">
-              <a:rPr lang="en-US"/>
-              <a:pPr/>
-              <a:t>10</a:t>
-            </a:fld>
-            <a:endParaRPr lang="en-US"/>
-          </a:p>
-        </p:txBody>
-      </p:sp>
-      <p:sp>
-        <p:nvSpPr>
-          <p:cNvPr id="36866" name="Rectangle 2"/>
-          <p:cNvSpPr>
-            <a:spLocks noGrp="1" noRot="1" noChangeAspect="1" noChangeArrowheads="1" noTextEdit="1"/>
-          </p:cNvSpPr>
-          <p:nvPr>
-            <p:ph type="sldImg"/>
-          </p:nvPr>
-        </p:nvSpPr>
-        <p:spPr>
-          <a:ln/>
-          <a:extLst>
-            <a:ext uri="{FAA26D3D-D897-4be2-8F04-BA451C77F1D7}">
-              <ma14:placeholderFlag xmlns:ma14="http://schemas.microsoft.com/office/mac/drawingml/2011/main" val="1"/>
-            </a:ext>
-          </a:extLst>
-        </p:spPr>
-      </p:sp>
-      <p:sp>
-        <p:nvSpPr>
-          <p:cNvPr id="36867" name="Rectangle 3"/>
-          <p:cNvSpPr>
-            <a:spLocks noGrp="1" noChangeArrowheads="1"/>
-          </p:cNvSpPr>
-          <p:nvPr>
-            <p:ph type="body" idx="1"/>
-          </p:nvPr>
-        </p:nvSpPr>
-        <p:spPr/>
-        <p:txBody>
-          <a:bodyPr/>
-          <a:lstStyle/>
-          <a:p>
-            <a:endParaRPr lang="en-US"/>
-          </a:p>
-        </p:txBody>
-      </p:sp>
-    </p:spTree>
-  </p:cSld>
-  <p:clrMapOvr>
-    <a:masterClrMapping/>
-  </p:clrMapOvr>
-</p:notes>
-</file>
-
-<file path=ppt/notesSlides/notesSlide11.xml><?xml version="1.0" encoding="utf-8"?>
-<p:notes xmlns:a="http://schemas.openxmlformats.org/drawingml/2006/main" xmlns:r="http://schemas.openxmlformats.org/officeDocument/2006/relationships" xmlns:p="http://schemas.openxmlformats.org/presentationml/2006/main">
-  <p:cSld>
-    <p:spTree>
-      <p:nvGrpSpPr>
-        <p:cNvPr id="1" name=""/>
-        <p:cNvGrpSpPr/>
-        <p:nvPr/>
-      </p:nvGrpSpPr>
-      <p:grpSpPr>
-        <a:xfrm>
-          <a:off x="0" y="0"/>
-          <a:ext cx="0" cy="0"/>
-          <a:chOff x="0" y="0"/>
-          <a:chExt cx="0" cy="0"/>
-        </a:xfrm>
-      </p:grpSpPr>
-      <p:sp>
-        <p:nvSpPr>
-          <p:cNvPr id="7" name="Rectangle 7"/>
-          <p:cNvSpPr>
-            <a:spLocks noGrp="1" noChangeArrowheads="1"/>
-          </p:cNvSpPr>
-          <p:nvPr>
-            <p:ph type="sldNum" sz="quarter" idx="5"/>
-          </p:nvPr>
-        </p:nvSpPr>
-        <p:spPr>
-          <a:ln/>
-        </p:spPr>
-        <p:txBody>
-          <a:bodyPr/>
-          <a:lstStyle/>
-          <a:p>
-            <a:fld id="{CA3B03DF-E176-1946-8CE5-622FE8C0FF4F}" type="slidenum">
-              <a:rPr lang="en-US"/>
-              <a:pPr/>
-              <a:t>11</a:t>
-            </a:fld>
-            <a:endParaRPr lang="en-US"/>
-          </a:p>
-        </p:txBody>
-      </p:sp>
-      <p:sp>
-        <p:nvSpPr>
-          <p:cNvPr id="24578" name="Rectangle 2"/>
-          <p:cNvSpPr>
-            <a:spLocks noGrp="1" noRot="1" noChangeAspect="1" noChangeArrowheads="1"/>
-          </p:cNvSpPr>
-          <p:nvPr>
-            <p:ph type="sldImg"/>
-          </p:nvPr>
-        </p:nvSpPr>
-        <p:spPr bwMode="auto">
-          <a:xfrm>
-            <a:off x="1143000" y="685800"/>
-            <a:ext cx="4572000" cy="3429000"/>
-          </a:xfrm>
-          <a:prstGeom prst="rect">
-            <a:avLst/>
-          </a:prstGeom>
-          <a:solidFill>
-            <a:srgbClr val="FFFFFF"/>
-          </a:solidFill>
-          <a:ln>
-            <a:solidFill>
-              <a:srgbClr val="000000"/>
-            </a:solidFill>
-            <a:miter lim="800000"/>
-            <a:headEnd/>
-            <a:tailEnd/>
-          </a:ln>
-          <a:extLst>
-            <a:ext uri="{FAA26D3D-D897-4be2-8F04-BA451C77F1D7}">
-              <ma14:placeholderFlag xmlns:ma14="http://schemas.microsoft.com/office/mac/drawingml/2011/main" val="1"/>
-            </a:ext>
-          </a:extLst>
-        </p:spPr>
-      </p:sp>
-      <p:sp>
-        <p:nvSpPr>
-          <p:cNvPr id="24579" name="Rectangle 3"/>
-          <p:cNvSpPr>
-            <a:spLocks noGrp="1" noChangeArrowheads="1"/>
-          </p:cNvSpPr>
-          <p:nvPr>
-            <p:ph type="body" idx="1"/>
-          </p:nvPr>
-        </p:nvSpPr>
-        <p:spPr bwMode="auto">
-          <a:xfrm>
-            <a:off x="914400" y="4343400"/>
-            <a:ext cx="5029200" cy="4114800"/>
-          </a:xfrm>
-          <a:prstGeom prst="rect">
-            <a:avLst/>
-          </a:prstGeom>
-          <a:solidFill>
-            <a:srgbClr val="FFFFFF"/>
-          </a:solidFill>
-          <a:ln>
-            <a:solidFill>
-              <a:srgbClr val="000000"/>
-            </a:solidFill>
-            <a:miter lim="800000"/>
-            <a:headEnd/>
-            <a:tailEnd/>
-          </a:ln>
-          <a:extLst>
-            <a:ext uri="{FAA26D3D-D897-4be2-8F04-BA451C77F1D7}">
-              <ma14:placeholderFlag xmlns:ma14="http://schemas.microsoft.com/office/mac/drawingml/2011/main" val="1"/>
-            </a:ext>
-          </a:extLst>
-        </p:spPr>
         <p:txBody>
           <a:bodyPr/>
           <a:lstStyle/>
@@ -1073,7 +857,7 @@
           <a:ln/>
           <a:extLst>
             <a:ext uri="{FAA26D3D-D897-4be2-8F04-BA451C77F1D7}">
-              <ma14:placeholderFlag xmlns:ma14="http://schemas.microsoft.com/office/mac/drawingml/2011/main" val="1"/>
+              <ma14:placeholderFlag xmlns:ma14="http://schemas.microsoft.com/office/mac/drawingml/2011/main" xmlns="" val="1"/>
             </a:ext>
           </a:extLst>
         </p:spPr>
@@ -1162,7 +946,7 @@
           <a:ln/>
           <a:extLst>
             <a:ext uri="{FAA26D3D-D897-4be2-8F04-BA451C77F1D7}">
-              <ma14:placeholderFlag xmlns:ma14="http://schemas.microsoft.com/office/mac/drawingml/2011/main" val="1"/>
+              <ma14:placeholderFlag xmlns:ma14="http://schemas.microsoft.com/office/mac/drawingml/2011/main" xmlns="" val="1"/>
             </a:ext>
           </a:extLst>
         </p:spPr>
@@ -1231,7 +1015,7 @@
             <a:fld id="{AC8294D1-7C93-4243-B5C2-9900D5DB7866}" type="slidenum">
               <a:rPr lang="en-US"/>
               <a:pPr/>
-              <a:t>4</a:t>
+              <a:t>5</a:t>
             </a:fld>
             <a:endParaRPr lang="en-US"/>
           </a:p>
@@ -1251,7 +1035,7 @@
           <a:ln/>
           <a:extLst>
             <a:ext uri="{FAA26D3D-D897-4be2-8F04-BA451C77F1D7}">
-              <ma14:placeholderFlag xmlns:ma14="http://schemas.microsoft.com/office/mac/drawingml/2011/main" val="1"/>
+              <ma14:placeholderFlag xmlns:ma14="http://schemas.microsoft.com/office/mac/drawingml/2011/main" xmlns="" val="1"/>
             </a:ext>
           </a:extLst>
         </p:spPr>
@@ -1320,7 +1104,7 @@
             <a:fld id="{B3D7284B-982C-5842-989B-A9154B1F32DD}" type="slidenum">
               <a:rPr lang="en-US"/>
               <a:pPr/>
-              <a:t>5</a:t>
+              <a:t>6</a:t>
             </a:fld>
             <a:endParaRPr lang="en-US"/>
           </a:p>
@@ -1340,7 +1124,7 @@
           <a:ln/>
           <a:extLst>
             <a:ext uri="{FAA26D3D-D897-4be2-8F04-BA451C77F1D7}">
-              <ma14:placeholderFlag xmlns:ma14="http://schemas.microsoft.com/office/mac/drawingml/2011/main" val="1"/>
+              <ma14:placeholderFlag xmlns:ma14="http://schemas.microsoft.com/office/mac/drawingml/2011/main" xmlns="" val="1"/>
             </a:ext>
           </a:extLst>
         </p:spPr>
@@ -1348,367 +1132,6 @@
       <p:sp>
         <p:nvSpPr>
           <p:cNvPr id="31747" name="Rectangle 3"/>
-          <p:cNvSpPr>
-            <a:spLocks noGrp="1" noChangeArrowheads="1"/>
-          </p:cNvSpPr>
-          <p:nvPr>
-            <p:ph type="body" idx="1"/>
-          </p:nvPr>
-        </p:nvSpPr>
-        <p:spPr/>
-        <p:txBody>
-          <a:bodyPr/>
-          <a:lstStyle/>
-          <a:p>
-            <a:endParaRPr lang="en-US"/>
-          </a:p>
-        </p:txBody>
-      </p:sp>
-    </p:spTree>
-  </p:cSld>
-  <p:clrMapOvr>
-    <a:masterClrMapping/>
-  </p:clrMapOvr>
-</p:notes>
-</file>
-
-<file path=ppt/notesSlides/notesSlide6.xml><?xml version="1.0" encoding="utf-8"?>
-<p:notes xmlns:a="http://schemas.openxmlformats.org/drawingml/2006/main" xmlns:r="http://schemas.openxmlformats.org/officeDocument/2006/relationships" xmlns:p="http://schemas.openxmlformats.org/presentationml/2006/main">
-  <p:cSld>
-    <p:spTree>
-      <p:nvGrpSpPr>
-        <p:cNvPr id="1" name=""/>
-        <p:cNvGrpSpPr/>
-        <p:nvPr/>
-      </p:nvGrpSpPr>
-      <p:grpSpPr>
-        <a:xfrm>
-          <a:off x="0" y="0"/>
-          <a:ext cx="0" cy="0"/>
-          <a:chOff x="0" y="0"/>
-          <a:chExt cx="0" cy="0"/>
-        </a:xfrm>
-      </p:grpSpPr>
-      <p:sp>
-        <p:nvSpPr>
-          <p:cNvPr id="7" name="Rectangle 7"/>
-          <p:cNvSpPr>
-            <a:spLocks noGrp="1" noChangeArrowheads="1"/>
-          </p:cNvSpPr>
-          <p:nvPr>
-            <p:ph type="sldNum" sz="quarter" idx="5"/>
-          </p:nvPr>
-        </p:nvSpPr>
-        <p:spPr>
-          <a:ln/>
-        </p:spPr>
-        <p:txBody>
-          <a:bodyPr/>
-          <a:lstStyle/>
-          <a:p>
-            <a:fld id="{B3D7284B-982C-5842-989B-A9154B1F32DD}" type="slidenum">
-              <a:rPr lang="en-US"/>
-              <a:pPr/>
-              <a:t>6</a:t>
-            </a:fld>
-            <a:endParaRPr lang="en-US"/>
-          </a:p>
-        </p:txBody>
-      </p:sp>
-      <p:sp>
-        <p:nvSpPr>
-          <p:cNvPr id="31746" name="Rectangle 2"/>
-          <p:cNvSpPr>
-            <a:spLocks noGrp="1" noRot="1" noChangeAspect="1" noChangeArrowheads="1" noTextEdit="1"/>
-          </p:cNvSpPr>
-          <p:nvPr>
-            <p:ph type="sldImg"/>
-          </p:nvPr>
-        </p:nvSpPr>
-        <p:spPr>
-          <a:ln/>
-          <a:extLst>
-            <a:ext uri="{FAA26D3D-D897-4be2-8F04-BA451C77F1D7}">
-              <ma14:placeholderFlag xmlns:ma14="http://schemas.microsoft.com/office/mac/drawingml/2011/main" val="1"/>
-            </a:ext>
-          </a:extLst>
-        </p:spPr>
-      </p:sp>
-      <p:sp>
-        <p:nvSpPr>
-          <p:cNvPr id="31747" name="Rectangle 3"/>
-          <p:cNvSpPr>
-            <a:spLocks noGrp="1" noChangeArrowheads="1"/>
-          </p:cNvSpPr>
-          <p:nvPr>
-            <p:ph type="body" idx="1"/>
-          </p:nvPr>
-        </p:nvSpPr>
-        <p:spPr/>
-        <p:txBody>
-          <a:bodyPr/>
-          <a:lstStyle/>
-          <a:p>
-            <a:endParaRPr lang="en-US"/>
-          </a:p>
-        </p:txBody>
-      </p:sp>
-    </p:spTree>
-    <p:extLst>
-      <p:ext uri="{BB962C8B-B14F-4D97-AF65-F5344CB8AC3E}">
-        <p14:creationId xmlns:p14="http://schemas.microsoft.com/office/powerpoint/2010/main" val="1504315888"/>
-      </p:ext>
-    </p:extLst>
-  </p:cSld>
-  <p:clrMapOvr>
-    <a:masterClrMapping/>
-  </p:clrMapOvr>
-</p:notes>
-</file>
-
-<file path=ppt/notesSlides/notesSlide7.xml><?xml version="1.0" encoding="utf-8"?>
-<p:notes xmlns:a="http://schemas.openxmlformats.org/drawingml/2006/main" xmlns:r="http://schemas.openxmlformats.org/officeDocument/2006/relationships" xmlns:p="http://schemas.openxmlformats.org/presentationml/2006/main">
-  <p:cSld>
-    <p:spTree>
-      <p:nvGrpSpPr>
-        <p:cNvPr id="1" name=""/>
-        <p:cNvGrpSpPr/>
-        <p:nvPr/>
-      </p:nvGrpSpPr>
-      <p:grpSpPr>
-        <a:xfrm>
-          <a:off x="0" y="0"/>
-          <a:ext cx="0" cy="0"/>
-          <a:chOff x="0" y="0"/>
-          <a:chExt cx="0" cy="0"/>
-        </a:xfrm>
-      </p:grpSpPr>
-      <p:sp>
-        <p:nvSpPr>
-          <p:cNvPr id="7" name="Rectangle 7"/>
-          <p:cNvSpPr>
-            <a:spLocks noGrp="1" noChangeArrowheads="1"/>
-          </p:cNvSpPr>
-          <p:nvPr>
-            <p:ph type="sldNum" sz="quarter" idx="5"/>
-          </p:nvPr>
-        </p:nvSpPr>
-        <p:spPr>
-          <a:ln/>
-        </p:spPr>
-        <p:txBody>
-          <a:bodyPr/>
-          <a:lstStyle/>
-          <a:p>
-            <a:fld id="{152E2DA8-1D4C-5048-9D33-AD75390A95CF}" type="slidenum">
-              <a:rPr lang="en-US"/>
-              <a:pPr/>
-              <a:t>7</a:t>
-            </a:fld>
-            <a:endParaRPr lang="en-US"/>
-          </a:p>
-        </p:txBody>
-      </p:sp>
-      <p:sp>
-        <p:nvSpPr>
-          <p:cNvPr id="33794" name="Rectangle 2"/>
-          <p:cNvSpPr>
-            <a:spLocks noGrp="1" noRot="1" noChangeAspect="1" noChangeArrowheads="1" noTextEdit="1"/>
-          </p:cNvSpPr>
-          <p:nvPr>
-            <p:ph type="sldImg"/>
-          </p:nvPr>
-        </p:nvSpPr>
-        <p:spPr>
-          <a:ln/>
-          <a:extLst>
-            <a:ext uri="{FAA26D3D-D897-4be2-8F04-BA451C77F1D7}">
-              <ma14:placeholderFlag xmlns:ma14="http://schemas.microsoft.com/office/mac/drawingml/2011/main" val="1"/>
-            </a:ext>
-          </a:extLst>
-        </p:spPr>
-      </p:sp>
-      <p:sp>
-        <p:nvSpPr>
-          <p:cNvPr id="33795" name="Rectangle 3"/>
-          <p:cNvSpPr>
-            <a:spLocks noGrp="1" noChangeArrowheads="1"/>
-          </p:cNvSpPr>
-          <p:nvPr>
-            <p:ph type="body" idx="1"/>
-          </p:nvPr>
-        </p:nvSpPr>
-        <p:spPr/>
-        <p:txBody>
-          <a:bodyPr/>
-          <a:lstStyle/>
-          <a:p>
-            <a:endParaRPr lang="en-US"/>
-          </a:p>
-        </p:txBody>
-      </p:sp>
-    </p:spTree>
-  </p:cSld>
-  <p:clrMapOvr>
-    <a:masterClrMapping/>
-  </p:clrMapOvr>
-</p:notes>
-</file>
-
-<file path=ppt/notesSlides/notesSlide8.xml><?xml version="1.0" encoding="utf-8"?>
-<p:notes xmlns:a="http://schemas.openxmlformats.org/drawingml/2006/main" xmlns:r="http://schemas.openxmlformats.org/officeDocument/2006/relationships" xmlns:p="http://schemas.openxmlformats.org/presentationml/2006/main">
-  <p:cSld>
-    <p:spTree>
-      <p:nvGrpSpPr>
-        <p:cNvPr id="1" name=""/>
-        <p:cNvGrpSpPr/>
-        <p:nvPr/>
-      </p:nvGrpSpPr>
-      <p:grpSpPr>
-        <a:xfrm>
-          <a:off x="0" y="0"/>
-          <a:ext cx="0" cy="0"/>
-          <a:chOff x="0" y="0"/>
-          <a:chExt cx="0" cy="0"/>
-        </a:xfrm>
-      </p:grpSpPr>
-      <p:sp>
-        <p:nvSpPr>
-          <p:cNvPr id="7" name="Rectangle 7"/>
-          <p:cNvSpPr>
-            <a:spLocks noGrp="1" noChangeArrowheads="1"/>
-          </p:cNvSpPr>
-          <p:nvPr>
-            <p:ph type="sldNum" sz="quarter" idx="5"/>
-          </p:nvPr>
-        </p:nvSpPr>
-        <p:spPr>
-          <a:ln/>
-        </p:spPr>
-        <p:txBody>
-          <a:bodyPr/>
-          <a:lstStyle/>
-          <a:p>
-            <a:fld id="{5D8ADAA5-7533-E242-90C1-354505953C8F}" type="slidenum">
-              <a:rPr lang="en-US"/>
-              <a:pPr/>
-              <a:t>8</a:t>
-            </a:fld>
-            <a:endParaRPr lang="en-US"/>
-          </a:p>
-        </p:txBody>
-      </p:sp>
-      <p:sp>
-        <p:nvSpPr>
-          <p:cNvPr id="34818" name="Rectangle 2"/>
-          <p:cNvSpPr>
-            <a:spLocks noGrp="1" noRot="1" noChangeAspect="1" noChangeArrowheads="1" noTextEdit="1"/>
-          </p:cNvSpPr>
-          <p:nvPr>
-            <p:ph type="sldImg"/>
-          </p:nvPr>
-        </p:nvSpPr>
-        <p:spPr>
-          <a:ln/>
-          <a:extLst>
-            <a:ext uri="{FAA26D3D-D897-4be2-8F04-BA451C77F1D7}">
-              <ma14:placeholderFlag xmlns:ma14="http://schemas.microsoft.com/office/mac/drawingml/2011/main" val="1"/>
-            </a:ext>
-          </a:extLst>
-        </p:spPr>
-      </p:sp>
-      <p:sp>
-        <p:nvSpPr>
-          <p:cNvPr id="34819" name="Rectangle 3"/>
-          <p:cNvSpPr>
-            <a:spLocks noGrp="1" noChangeArrowheads="1"/>
-          </p:cNvSpPr>
-          <p:nvPr>
-            <p:ph type="body" idx="1"/>
-          </p:nvPr>
-        </p:nvSpPr>
-        <p:spPr/>
-        <p:txBody>
-          <a:bodyPr/>
-          <a:lstStyle/>
-          <a:p>
-            <a:endParaRPr lang="en-US"/>
-          </a:p>
-        </p:txBody>
-      </p:sp>
-    </p:spTree>
-  </p:cSld>
-  <p:clrMapOvr>
-    <a:masterClrMapping/>
-  </p:clrMapOvr>
-</p:notes>
-</file>
-
-<file path=ppt/notesSlides/notesSlide9.xml><?xml version="1.0" encoding="utf-8"?>
-<p:notes xmlns:a="http://schemas.openxmlformats.org/drawingml/2006/main" xmlns:r="http://schemas.openxmlformats.org/officeDocument/2006/relationships" xmlns:p="http://schemas.openxmlformats.org/presentationml/2006/main">
-  <p:cSld>
-    <p:spTree>
-      <p:nvGrpSpPr>
-        <p:cNvPr id="1" name=""/>
-        <p:cNvGrpSpPr/>
-        <p:nvPr/>
-      </p:nvGrpSpPr>
-      <p:grpSpPr>
-        <a:xfrm>
-          <a:off x="0" y="0"/>
-          <a:ext cx="0" cy="0"/>
-          <a:chOff x="0" y="0"/>
-          <a:chExt cx="0" cy="0"/>
-        </a:xfrm>
-      </p:grpSpPr>
-      <p:sp>
-        <p:nvSpPr>
-          <p:cNvPr id="7" name="Rectangle 7"/>
-          <p:cNvSpPr>
-            <a:spLocks noGrp="1" noChangeArrowheads="1"/>
-          </p:cNvSpPr>
-          <p:nvPr>
-            <p:ph type="sldNum" sz="quarter" idx="5"/>
-          </p:nvPr>
-        </p:nvSpPr>
-        <p:spPr>
-          <a:ln/>
-        </p:spPr>
-        <p:txBody>
-          <a:bodyPr/>
-          <a:lstStyle/>
-          <a:p>
-            <a:fld id="{B1D4E15D-8BD7-F342-9771-221DEF3FE95C}" type="slidenum">
-              <a:rPr lang="en-US"/>
-              <a:pPr/>
-              <a:t>9</a:t>
-            </a:fld>
-            <a:endParaRPr lang="en-US"/>
-          </a:p>
-        </p:txBody>
-      </p:sp>
-      <p:sp>
-        <p:nvSpPr>
-          <p:cNvPr id="35842" name="Rectangle 2"/>
-          <p:cNvSpPr>
-            <a:spLocks noGrp="1" noRot="1" noChangeAspect="1" noChangeArrowheads="1" noTextEdit="1"/>
-          </p:cNvSpPr>
-          <p:nvPr>
-            <p:ph type="sldImg"/>
-          </p:nvPr>
-        </p:nvSpPr>
-        <p:spPr>
-          <a:ln/>
-          <a:extLst>
-            <a:ext uri="{FAA26D3D-D897-4be2-8F04-BA451C77F1D7}">
-              <ma14:placeholderFlag xmlns:ma14="http://schemas.microsoft.com/office/mac/drawingml/2011/main" val="1"/>
-            </a:ext>
-          </a:extLst>
-        </p:spPr>
-      </p:sp>
-      <p:sp>
-        <p:nvSpPr>
-          <p:cNvPr id="35843" name="Rectangle 3"/>
           <p:cNvSpPr>
             <a:spLocks noGrp="1" noChangeArrowheads="1"/>
           </p:cNvSpPr>
@@ -1778,12 +1201,12 @@
           <a:effectLst/>
           <a:extLst>
             <a:ext uri="{909E8E84-426E-40dd-AFC4-6F175D3DCCD1}">
-              <a14:hiddenFill xmlns:a14="http://schemas.microsoft.com/office/drawing/2010/main" xmlns="">
+              <a14:hiddenFill xmlns="" xmlns:a14="http://schemas.microsoft.com/office/drawing/2010/main">
                 <a:noFill/>
               </a14:hiddenFill>
             </a:ext>
             <a:ext uri="{AF507438-7753-43e0-B8FC-AC1667EBCBE1}">
-              <a14:hiddenEffects xmlns:a14="http://schemas.microsoft.com/office/drawing/2010/main" xmlns="">
+              <a14:hiddenEffects xmlns="" xmlns:a14="http://schemas.microsoft.com/office/drawing/2010/main">
                 <a:effectLst>
                   <a:outerShdw blurRad="63500" dist="38099" dir="2700000" algn="ctr" rotWithShape="0">
                     <a:schemeClr val="bg2">
@@ -1829,7 +1252,7 @@
           <a:p>
             <a:pPr lvl="0"/>
             <a:r>
-              <a:rPr lang="en-US" noProof="0" smtClean="0"/>
+              <a:rPr lang="en-US" noProof="0"/>
               <a:t>Click to edit Master title style</a:t>
             </a:r>
           </a:p>
@@ -1863,7 +1286,7 @@
           <a:p>
             <a:pPr lvl="0"/>
             <a:r>
-              <a:rPr lang="en-US" noProof="0" smtClean="0"/>
+              <a:rPr lang="en-US" noProof="0"/>
               <a:t>Click to edit Master subtitle style</a:t>
             </a:r>
           </a:p>
@@ -1984,7 +1407,7 @@
             <a:effectLst/>
             <a:extLst>
               <a:ext uri="{91240B29-F687-4f45-9708-019B960494DF}">
-                <a14:hiddenLine xmlns:a14="http://schemas.microsoft.com/office/drawing/2010/main" xmlns="" w="9525">
+                <a14:hiddenLine xmlns="" xmlns:a14="http://schemas.microsoft.com/office/drawing/2010/main" w="9525">
                   <a:solidFill>
                     <a:schemeClr val="tx1"/>
                   </a:solidFill>
@@ -1994,7 +1417,7 @@
                 </a14:hiddenLine>
               </a:ext>
               <a:ext uri="{AF507438-7753-43e0-B8FC-AC1667EBCBE1}">
-                <a14:hiddenEffects xmlns:a14="http://schemas.microsoft.com/office/drawing/2010/main" xmlns="">
+                <a14:hiddenEffects xmlns="" xmlns:a14="http://schemas.microsoft.com/office/drawing/2010/main">
                   <a:effectLst>
                     <a:outerShdw blurRad="63500" dist="38099" dir="2700000" algn="ctr" rotWithShape="0">
                       <a:schemeClr val="bg2">
@@ -2039,7 +1462,7 @@
             <a:effectLst/>
             <a:extLst>
               <a:ext uri="{91240B29-F687-4f45-9708-019B960494DF}">
-                <a14:hiddenLine xmlns:a14="http://schemas.microsoft.com/office/drawing/2010/main" xmlns="" w="9525">
+                <a14:hiddenLine xmlns="" xmlns:a14="http://schemas.microsoft.com/office/drawing/2010/main" w="9525">
                   <a:solidFill>
                     <a:schemeClr val="tx1"/>
                   </a:solidFill>
@@ -2049,7 +1472,7 @@
                 </a14:hiddenLine>
               </a:ext>
               <a:ext uri="{AF507438-7753-43e0-B8FC-AC1667EBCBE1}">
-                <a14:hiddenEffects xmlns:a14="http://schemas.microsoft.com/office/drawing/2010/main" xmlns="">
+                <a14:hiddenEffects xmlns="" xmlns:a14="http://schemas.microsoft.com/office/drawing/2010/main">
                   <a:effectLst>
                     <a:outerShdw blurRad="63500" dist="38099" dir="2700000" algn="ctr" rotWithShape="0">
                       <a:schemeClr val="bg2">
@@ -2094,7 +1517,7 @@
             <a:effectLst/>
             <a:extLst>
               <a:ext uri="{91240B29-F687-4f45-9708-019B960494DF}">
-                <a14:hiddenLine xmlns:a14="http://schemas.microsoft.com/office/drawing/2010/main" xmlns="" w="9525">
+                <a14:hiddenLine xmlns="" xmlns:a14="http://schemas.microsoft.com/office/drawing/2010/main" w="9525">
                   <a:solidFill>
                     <a:schemeClr val="tx1"/>
                   </a:solidFill>
@@ -2104,7 +1527,7 @@
                 </a14:hiddenLine>
               </a:ext>
               <a:ext uri="{AF507438-7753-43e0-B8FC-AC1667EBCBE1}">
-                <a14:hiddenEffects xmlns:a14="http://schemas.microsoft.com/office/drawing/2010/main" xmlns="">
+                <a14:hiddenEffects xmlns="" xmlns:a14="http://schemas.microsoft.com/office/drawing/2010/main">
                   <a:effectLst>
                     <a:outerShdw blurRad="63500" dist="38099" dir="2700000" algn="ctr" rotWithShape="0">
                       <a:schemeClr val="bg2">
@@ -2149,7 +1572,7 @@
             <a:effectLst/>
             <a:extLst>
               <a:ext uri="{91240B29-F687-4f45-9708-019B960494DF}">
-                <a14:hiddenLine xmlns:a14="http://schemas.microsoft.com/office/drawing/2010/main" xmlns="" w="9525">
+                <a14:hiddenLine xmlns="" xmlns:a14="http://schemas.microsoft.com/office/drawing/2010/main" w="9525">
                   <a:solidFill>
                     <a:schemeClr val="tx1"/>
                   </a:solidFill>
@@ -2159,7 +1582,7 @@
                 </a14:hiddenLine>
               </a:ext>
               <a:ext uri="{AF507438-7753-43e0-B8FC-AC1667EBCBE1}">
-                <a14:hiddenEffects xmlns:a14="http://schemas.microsoft.com/office/drawing/2010/main" xmlns="">
+                <a14:hiddenEffects xmlns="" xmlns:a14="http://schemas.microsoft.com/office/drawing/2010/main">
                   <a:effectLst>
                     <a:outerShdw blurRad="63500" dist="38099" dir="2700000" algn="ctr" rotWithShape="0">
                       <a:schemeClr val="bg2">
@@ -2204,7 +1627,7 @@
             <a:effectLst/>
             <a:extLst>
               <a:ext uri="{91240B29-F687-4f45-9708-019B960494DF}">
-                <a14:hiddenLine xmlns:a14="http://schemas.microsoft.com/office/drawing/2010/main" xmlns="" w="9525">
+                <a14:hiddenLine xmlns="" xmlns:a14="http://schemas.microsoft.com/office/drawing/2010/main" w="9525">
                   <a:solidFill>
                     <a:schemeClr val="tx1"/>
                   </a:solidFill>
@@ -2214,7 +1637,7 @@
                 </a14:hiddenLine>
               </a:ext>
               <a:ext uri="{AF507438-7753-43e0-B8FC-AC1667EBCBE1}">
-                <a14:hiddenEffects xmlns:a14="http://schemas.microsoft.com/office/drawing/2010/main" xmlns="">
+                <a14:hiddenEffects xmlns="" xmlns:a14="http://schemas.microsoft.com/office/drawing/2010/main">
                   <a:effectLst>
                     <a:outerShdw blurRad="63500" dist="38099" dir="2700000" algn="ctr" rotWithShape="0">
                       <a:schemeClr val="bg2">
@@ -2259,7 +1682,7 @@
             <a:effectLst/>
             <a:extLst>
               <a:ext uri="{91240B29-F687-4f45-9708-019B960494DF}">
-                <a14:hiddenLine xmlns:a14="http://schemas.microsoft.com/office/drawing/2010/main" xmlns="" w="9525">
+                <a14:hiddenLine xmlns="" xmlns:a14="http://schemas.microsoft.com/office/drawing/2010/main" w="9525">
                   <a:solidFill>
                     <a:schemeClr val="tx1"/>
                   </a:solidFill>
@@ -2269,7 +1692,7 @@
                 </a14:hiddenLine>
               </a:ext>
               <a:ext uri="{AF507438-7753-43e0-B8FC-AC1667EBCBE1}">
-                <a14:hiddenEffects xmlns:a14="http://schemas.microsoft.com/office/drawing/2010/main" xmlns="">
+                <a14:hiddenEffects xmlns="" xmlns:a14="http://schemas.microsoft.com/office/drawing/2010/main">
                   <a:effectLst>
                     <a:outerShdw blurRad="63500" dist="38099" dir="2700000" algn="ctr" rotWithShape="0">
                       <a:schemeClr val="bg2">
@@ -2314,7 +1737,7 @@
             <a:effectLst/>
             <a:extLst>
               <a:ext uri="{91240B29-F687-4f45-9708-019B960494DF}">
-                <a14:hiddenLine xmlns:a14="http://schemas.microsoft.com/office/drawing/2010/main" xmlns="" w="9525">
+                <a14:hiddenLine xmlns="" xmlns:a14="http://schemas.microsoft.com/office/drawing/2010/main" w="9525">
                   <a:solidFill>
                     <a:schemeClr val="tx1"/>
                   </a:solidFill>
@@ -2324,7 +1747,7 @@
                 </a14:hiddenLine>
               </a:ext>
               <a:ext uri="{AF507438-7753-43e0-B8FC-AC1667EBCBE1}">
-                <a14:hiddenEffects xmlns:a14="http://schemas.microsoft.com/office/drawing/2010/main" xmlns="">
+                <a14:hiddenEffects xmlns="" xmlns:a14="http://schemas.microsoft.com/office/drawing/2010/main">
                   <a:effectLst>
                     <a:outerShdw blurRad="63500" dist="38099" dir="2700000" algn="ctr" rotWithShape="0">
                       <a:schemeClr val="bg2">
@@ -2369,7 +1792,7 @@
             <a:effectLst/>
             <a:extLst>
               <a:ext uri="{91240B29-F687-4f45-9708-019B960494DF}">
-                <a14:hiddenLine xmlns:a14="http://schemas.microsoft.com/office/drawing/2010/main" xmlns="" w="9525">
+                <a14:hiddenLine xmlns="" xmlns:a14="http://schemas.microsoft.com/office/drawing/2010/main" w="9525">
                   <a:solidFill>
                     <a:schemeClr val="tx1"/>
                   </a:solidFill>
@@ -2379,7 +1802,7 @@
                 </a14:hiddenLine>
               </a:ext>
               <a:ext uri="{AF507438-7753-43e0-B8FC-AC1667EBCBE1}">
-                <a14:hiddenEffects xmlns:a14="http://schemas.microsoft.com/office/drawing/2010/main" xmlns="">
+                <a14:hiddenEffects xmlns="" xmlns:a14="http://schemas.microsoft.com/office/drawing/2010/main">
                   <a:effectLst>
                     <a:outerShdw blurRad="63500" dist="38099" dir="2700000" algn="ctr" rotWithShape="0">
                       <a:schemeClr val="bg2">
@@ -2424,7 +1847,7 @@
             <a:effectLst/>
             <a:extLst>
               <a:ext uri="{91240B29-F687-4f45-9708-019B960494DF}">
-                <a14:hiddenLine xmlns:a14="http://schemas.microsoft.com/office/drawing/2010/main" xmlns="" w="9525">
+                <a14:hiddenLine xmlns="" xmlns:a14="http://schemas.microsoft.com/office/drawing/2010/main" w="9525">
                   <a:solidFill>
                     <a:schemeClr val="tx1"/>
                   </a:solidFill>
@@ -2434,7 +1857,7 @@
                 </a14:hiddenLine>
               </a:ext>
               <a:ext uri="{AF507438-7753-43e0-B8FC-AC1667EBCBE1}">
-                <a14:hiddenEffects xmlns:a14="http://schemas.microsoft.com/office/drawing/2010/main" xmlns="">
+                <a14:hiddenEffects xmlns="" xmlns:a14="http://schemas.microsoft.com/office/drawing/2010/main">
                   <a:effectLst>
                     <a:outerShdw blurRad="63500" dist="38099" dir="2700000" algn="ctr" rotWithShape="0">
                       <a:schemeClr val="bg2">
@@ -2479,7 +1902,7 @@
             <a:effectLst/>
             <a:extLst>
               <a:ext uri="{91240B29-F687-4f45-9708-019B960494DF}">
-                <a14:hiddenLine xmlns:a14="http://schemas.microsoft.com/office/drawing/2010/main" xmlns="" w="9525">
+                <a14:hiddenLine xmlns="" xmlns:a14="http://schemas.microsoft.com/office/drawing/2010/main" w="9525">
                   <a:solidFill>
                     <a:schemeClr val="tx1"/>
                   </a:solidFill>
@@ -2489,7 +1912,7 @@
                 </a14:hiddenLine>
               </a:ext>
               <a:ext uri="{AF507438-7753-43e0-B8FC-AC1667EBCBE1}">
-                <a14:hiddenEffects xmlns:a14="http://schemas.microsoft.com/office/drawing/2010/main" xmlns="">
+                <a14:hiddenEffects xmlns="" xmlns:a14="http://schemas.microsoft.com/office/drawing/2010/main">
                   <a:effectLst>
                     <a:outerShdw blurRad="63500" dist="38099" dir="2700000" algn="ctr" rotWithShape="0">
                       <a:schemeClr val="bg2">
@@ -2534,7 +1957,7 @@
             <a:effectLst/>
             <a:extLst>
               <a:ext uri="{91240B29-F687-4f45-9708-019B960494DF}">
-                <a14:hiddenLine xmlns:a14="http://schemas.microsoft.com/office/drawing/2010/main" xmlns="" w="9525">
+                <a14:hiddenLine xmlns="" xmlns:a14="http://schemas.microsoft.com/office/drawing/2010/main" w="9525">
                   <a:solidFill>
                     <a:schemeClr val="tx1"/>
                   </a:solidFill>
@@ -2544,7 +1967,7 @@
                 </a14:hiddenLine>
               </a:ext>
               <a:ext uri="{AF507438-7753-43e0-B8FC-AC1667EBCBE1}">
-                <a14:hiddenEffects xmlns:a14="http://schemas.microsoft.com/office/drawing/2010/main" xmlns="">
+                <a14:hiddenEffects xmlns="" xmlns:a14="http://schemas.microsoft.com/office/drawing/2010/main">
                   <a:effectLst>
                     <a:outerShdw blurRad="63500" dist="38099" dir="2700000" algn="ctr" rotWithShape="0">
                       <a:schemeClr val="bg2">
@@ -2589,7 +2012,7 @@
             <a:effectLst/>
             <a:extLst>
               <a:ext uri="{91240B29-F687-4f45-9708-019B960494DF}">
-                <a14:hiddenLine xmlns:a14="http://schemas.microsoft.com/office/drawing/2010/main" xmlns="" w="9525">
+                <a14:hiddenLine xmlns="" xmlns:a14="http://schemas.microsoft.com/office/drawing/2010/main" w="9525">
                   <a:solidFill>
                     <a:schemeClr val="tx1"/>
                   </a:solidFill>
@@ -2599,7 +2022,7 @@
                 </a14:hiddenLine>
               </a:ext>
               <a:ext uri="{AF507438-7753-43e0-B8FC-AC1667EBCBE1}">
-                <a14:hiddenEffects xmlns:a14="http://schemas.microsoft.com/office/drawing/2010/main" xmlns="">
+                <a14:hiddenEffects xmlns="" xmlns:a14="http://schemas.microsoft.com/office/drawing/2010/main">
                   <a:effectLst>
                     <a:outerShdw blurRad="63500" dist="38099" dir="2700000" algn="ctr" rotWithShape="0">
                       <a:schemeClr val="bg2">
@@ -2644,7 +2067,7 @@
             <a:effectLst/>
             <a:extLst>
               <a:ext uri="{91240B29-F687-4f45-9708-019B960494DF}">
-                <a14:hiddenLine xmlns:a14="http://schemas.microsoft.com/office/drawing/2010/main" xmlns="" w="9525">
+                <a14:hiddenLine xmlns="" xmlns:a14="http://schemas.microsoft.com/office/drawing/2010/main" w="9525">
                   <a:solidFill>
                     <a:schemeClr val="tx1"/>
                   </a:solidFill>
@@ -2654,7 +2077,7 @@
                 </a14:hiddenLine>
               </a:ext>
               <a:ext uri="{AF507438-7753-43e0-B8FC-AC1667EBCBE1}">
-                <a14:hiddenEffects xmlns:a14="http://schemas.microsoft.com/office/drawing/2010/main" xmlns="">
+                <a14:hiddenEffects xmlns="" xmlns:a14="http://schemas.microsoft.com/office/drawing/2010/main">
                   <a:effectLst>
                     <a:outerShdw blurRad="63500" dist="38099" dir="2700000" algn="ctr" rotWithShape="0">
                       <a:schemeClr val="bg2">
@@ -2699,7 +2122,7 @@
             <a:effectLst/>
             <a:extLst>
               <a:ext uri="{91240B29-F687-4f45-9708-019B960494DF}">
-                <a14:hiddenLine xmlns:a14="http://schemas.microsoft.com/office/drawing/2010/main" xmlns="" w="9525">
+                <a14:hiddenLine xmlns="" xmlns:a14="http://schemas.microsoft.com/office/drawing/2010/main" w="9525">
                   <a:solidFill>
                     <a:schemeClr val="tx1"/>
                   </a:solidFill>
@@ -2709,7 +2132,7 @@
                 </a14:hiddenLine>
               </a:ext>
               <a:ext uri="{AF507438-7753-43e0-B8FC-AC1667EBCBE1}">
-                <a14:hiddenEffects xmlns:a14="http://schemas.microsoft.com/office/drawing/2010/main" xmlns="">
+                <a14:hiddenEffects xmlns="" xmlns:a14="http://schemas.microsoft.com/office/drawing/2010/main">
                   <a:effectLst>
                     <a:outerShdw blurRad="63500" dist="38099" dir="2700000" algn="ctr" rotWithShape="0">
                       <a:schemeClr val="bg2">
@@ -2754,7 +2177,7 @@
             <a:effectLst/>
             <a:extLst>
               <a:ext uri="{91240B29-F687-4f45-9708-019B960494DF}">
-                <a14:hiddenLine xmlns:a14="http://schemas.microsoft.com/office/drawing/2010/main" xmlns="" w="9525">
+                <a14:hiddenLine xmlns="" xmlns:a14="http://schemas.microsoft.com/office/drawing/2010/main" w="9525">
                   <a:solidFill>
                     <a:schemeClr val="tx1"/>
                   </a:solidFill>
@@ -2764,7 +2187,7 @@
                 </a14:hiddenLine>
               </a:ext>
               <a:ext uri="{AF507438-7753-43e0-B8FC-AC1667EBCBE1}">
-                <a14:hiddenEffects xmlns:a14="http://schemas.microsoft.com/office/drawing/2010/main" xmlns="">
+                <a14:hiddenEffects xmlns="" xmlns:a14="http://schemas.microsoft.com/office/drawing/2010/main">
                   <a:effectLst>
                     <a:outerShdw blurRad="63500" dist="38099" dir="2700000" algn="ctr" rotWithShape="0">
                       <a:schemeClr val="bg2">
@@ -2809,7 +2232,7 @@
             <a:effectLst/>
             <a:extLst>
               <a:ext uri="{91240B29-F687-4f45-9708-019B960494DF}">
-                <a14:hiddenLine xmlns:a14="http://schemas.microsoft.com/office/drawing/2010/main" xmlns="" w="9525">
+                <a14:hiddenLine xmlns="" xmlns:a14="http://schemas.microsoft.com/office/drawing/2010/main" w="9525">
                   <a:solidFill>
                     <a:schemeClr val="tx1"/>
                   </a:solidFill>
@@ -2819,7 +2242,7 @@
                 </a14:hiddenLine>
               </a:ext>
               <a:ext uri="{AF507438-7753-43e0-B8FC-AC1667EBCBE1}">
-                <a14:hiddenEffects xmlns:a14="http://schemas.microsoft.com/office/drawing/2010/main" xmlns="">
+                <a14:hiddenEffects xmlns="" xmlns:a14="http://schemas.microsoft.com/office/drawing/2010/main">
                   <a:effectLst>
                     <a:outerShdw blurRad="63500" dist="38099" dir="2700000" algn="ctr" rotWithShape="0">
                       <a:schemeClr val="bg2">
@@ -2864,7 +2287,7 @@
             <a:effectLst/>
             <a:extLst>
               <a:ext uri="{91240B29-F687-4f45-9708-019B960494DF}">
-                <a14:hiddenLine xmlns:a14="http://schemas.microsoft.com/office/drawing/2010/main" xmlns="" w="9525">
+                <a14:hiddenLine xmlns="" xmlns:a14="http://schemas.microsoft.com/office/drawing/2010/main" w="9525">
                   <a:solidFill>
                     <a:schemeClr val="tx1"/>
                   </a:solidFill>
@@ -2874,7 +2297,7 @@
                 </a14:hiddenLine>
               </a:ext>
               <a:ext uri="{AF507438-7753-43e0-B8FC-AC1667EBCBE1}">
-                <a14:hiddenEffects xmlns:a14="http://schemas.microsoft.com/office/drawing/2010/main" xmlns="">
+                <a14:hiddenEffects xmlns="" xmlns:a14="http://schemas.microsoft.com/office/drawing/2010/main">
                   <a:effectLst>
                     <a:outerShdw blurRad="63500" dist="38099" dir="2700000" algn="ctr" rotWithShape="0">
                       <a:schemeClr val="bg2">
@@ -2919,7 +2342,7 @@
             <a:effectLst/>
             <a:extLst>
               <a:ext uri="{91240B29-F687-4f45-9708-019B960494DF}">
-                <a14:hiddenLine xmlns:a14="http://schemas.microsoft.com/office/drawing/2010/main" xmlns="" w="9525">
+                <a14:hiddenLine xmlns="" xmlns:a14="http://schemas.microsoft.com/office/drawing/2010/main" w="9525">
                   <a:solidFill>
                     <a:schemeClr val="tx1"/>
                   </a:solidFill>
@@ -2929,7 +2352,7 @@
                 </a14:hiddenLine>
               </a:ext>
               <a:ext uri="{AF507438-7753-43e0-B8FC-AC1667EBCBE1}">
-                <a14:hiddenEffects xmlns:a14="http://schemas.microsoft.com/office/drawing/2010/main" xmlns="">
+                <a14:hiddenEffects xmlns="" xmlns:a14="http://schemas.microsoft.com/office/drawing/2010/main">
                   <a:effectLst>
                     <a:outerShdw blurRad="63500" dist="38099" dir="2700000" algn="ctr" rotWithShape="0">
                       <a:schemeClr val="bg2">
@@ -2974,7 +2397,7 @@
             <a:effectLst/>
             <a:extLst>
               <a:ext uri="{91240B29-F687-4f45-9708-019B960494DF}">
-                <a14:hiddenLine xmlns:a14="http://schemas.microsoft.com/office/drawing/2010/main" xmlns="" w="9525">
+                <a14:hiddenLine xmlns="" xmlns:a14="http://schemas.microsoft.com/office/drawing/2010/main" w="9525">
                   <a:solidFill>
                     <a:schemeClr val="tx1"/>
                   </a:solidFill>
@@ -2984,7 +2407,7 @@
                 </a14:hiddenLine>
               </a:ext>
               <a:ext uri="{AF507438-7753-43e0-B8FC-AC1667EBCBE1}">
-                <a14:hiddenEffects xmlns:a14="http://schemas.microsoft.com/office/drawing/2010/main" xmlns="">
+                <a14:hiddenEffects xmlns="" xmlns:a14="http://schemas.microsoft.com/office/drawing/2010/main">
                   <a:effectLst>
                     <a:outerShdw blurRad="63500" dist="38099" dir="2700000" algn="ctr" rotWithShape="0">
                       <a:schemeClr val="bg2">
@@ -3029,7 +2452,7 @@
             <a:effectLst/>
             <a:extLst>
               <a:ext uri="{91240B29-F687-4f45-9708-019B960494DF}">
-                <a14:hiddenLine xmlns:a14="http://schemas.microsoft.com/office/drawing/2010/main" xmlns="" w="9525">
+                <a14:hiddenLine xmlns="" xmlns:a14="http://schemas.microsoft.com/office/drawing/2010/main" w="9525">
                   <a:solidFill>
                     <a:schemeClr val="tx1"/>
                   </a:solidFill>
@@ -3039,7 +2462,7 @@
                 </a14:hiddenLine>
               </a:ext>
               <a:ext uri="{AF507438-7753-43e0-B8FC-AC1667EBCBE1}">
-                <a14:hiddenEffects xmlns:a14="http://schemas.microsoft.com/office/drawing/2010/main" xmlns="">
+                <a14:hiddenEffects xmlns="" xmlns:a14="http://schemas.microsoft.com/office/drawing/2010/main">
                   <a:effectLst>
                     <a:outerShdw blurRad="63500" dist="38099" dir="2700000" algn="ctr" rotWithShape="0">
                       <a:schemeClr val="bg2">
@@ -3084,7 +2507,7 @@
             <a:effectLst/>
             <a:extLst>
               <a:ext uri="{91240B29-F687-4f45-9708-019B960494DF}">
-                <a14:hiddenLine xmlns:a14="http://schemas.microsoft.com/office/drawing/2010/main" xmlns="" w="9525">
+                <a14:hiddenLine xmlns="" xmlns:a14="http://schemas.microsoft.com/office/drawing/2010/main" w="9525">
                   <a:solidFill>
                     <a:schemeClr val="tx1"/>
                   </a:solidFill>
@@ -3094,7 +2517,7 @@
                 </a14:hiddenLine>
               </a:ext>
               <a:ext uri="{AF507438-7753-43e0-B8FC-AC1667EBCBE1}">
-                <a14:hiddenEffects xmlns:a14="http://schemas.microsoft.com/office/drawing/2010/main" xmlns="">
+                <a14:hiddenEffects xmlns="" xmlns:a14="http://schemas.microsoft.com/office/drawing/2010/main">
                   <a:effectLst>
                     <a:outerShdw blurRad="63500" dist="38099" dir="2700000" algn="ctr" rotWithShape="0">
                       <a:schemeClr val="bg2">
@@ -3139,7 +2562,7 @@
             <a:effectLst/>
             <a:extLst>
               <a:ext uri="{91240B29-F687-4f45-9708-019B960494DF}">
-                <a14:hiddenLine xmlns:a14="http://schemas.microsoft.com/office/drawing/2010/main" xmlns="" w="9525">
+                <a14:hiddenLine xmlns="" xmlns:a14="http://schemas.microsoft.com/office/drawing/2010/main" w="9525">
                   <a:solidFill>
                     <a:schemeClr val="tx1"/>
                   </a:solidFill>
@@ -3149,7 +2572,7 @@
                 </a14:hiddenLine>
               </a:ext>
               <a:ext uri="{AF507438-7753-43e0-B8FC-AC1667EBCBE1}">
-                <a14:hiddenEffects xmlns:a14="http://schemas.microsoft.com/office/drawing/2010/main" xmlns="">
+                <a14:hiddenEffects xmlns="" xmlns:a14="http://schemas.microsoft.com/office/drawing/2010/main">
                   <a:effectLst>
                     <a:outerShdw blurRad="63500" dist="38099" dir="2700000" algn="ctr" rotWithShape="0">
                       <a:schemeClr val="bg2">
@@ -3194,7 +2617,7 @@
             <a:effectLst/>
             <a:extLst>
               <a:ext uri="{91240B29-F687-4f45-9708-019B960494DF}">
-                <a14:hiddenLine xmlns:a14="http://schemas.microsoft.com/office/drawing/2010/main" xmlns="" w="9525">
+                <a14:hiddenLine xmlns="" xmlns:a14="http://schemas.microsoft.com/office/drawing/2010/main" w="9525">
                   <a:solidFill>
                     <a:schemeClr val="tx1"/>
                   </a:solidFill>
@@ -3204,7 +2627,7 @@
                 </a14:hiddenLine>
               </a:ext>
               <a:ext uri="{AF507438-7753-43e0-B8FC-AC1667EBCBE1}">
-                <a14:hiddenEffects xmlns:a14="http://schemas.microsoft.com/office/drawing/2010/main" xmlns="">
+                <a14:hiddenEffects xmlns="" xmlns:a14="http://schemas.microsoft.com/office/drawing/2010/main">
                   <a:effectLst>
                     <a:outerShdw blurRad="63500" dist="38099" dir="2700000" algn="ctr" rotWithShape="0">
                       <a:schemeClr val="bg2">
@@ -3249,7 +2672,7 @@
             <a:effectLst/>
             <a:extLst>
               <a:ext uri="{91240B29-F687-4f45-9708-019B960494DF}">
-                <a14:hiddenLine xmlns:a14="http://schemas.microsoft.com/office/drawing/2010/main" xmlns="" w="9525">
+                <a14:hiddenLine xmlns="" xmlns:a14="http://schemas.microsoft.com/office/drawing/2010/main" w="9525">
                   <a:solidFill>
                     <a:schemeClr val="tx1"/>
                   </a:solidFill>
@@ -3259,7 +2682,7 @@
                 </a14:hiddenLine>
               </a:ext>
               <a:ext uri="{AF507438-7753-43e0-B8FC-AC1667EBCBE1}">
-                <a14:hiddenEffects xmlns:a14="http://schemas.microsoft.com/office/drawing/2010/main" xmlns="">
+                <a14:hiddenEffects xmlns="" xmlns:a14="http://schemas.microsoft.com/office/drawing/2010/main">
                   <a:effectLst>
                     <a:outerShdw blurRad="63500" dist="38099" dir="2700000" algn="ctr" rotWithShape="0">
                       <a:schemeClr val="bg2">
@@ -3304,7 +2727,7 @@
             <a:effectLst/>
             <a:extLst>
               <a:ext uri="{91240B29-F687-4f45-9708-019B960494DF}">
-                <a14:hiddenLine xmlns:a14="http://schemas.microsoft.com/office/drawing/2010/main" xmlns="" w="9525">
+                <a14:hiddenLine xmlns="" xmlns:a14="http://schemas.microsoft.com/office/drawing/2010/main" w="9525">
                   <a:solidFill>
                     <a:schemeClr val="tx1"/>
                   </a:solidFill>
@@ -3314,7 +2737,7 @@
                 </a14:hiddenLine>
               </a:ext>
               <a:ext uri="{AF507438-7753-43e0-B8FC-AC1667EBCBE1}">
-                <a14:hiddenEffects xmlns:a14="http://schemas.microsoft.com/office/drawing/2010/main" xmlns="">
+                <a14:hiddenEffects xmlns="" xmlns:a14="http://schemas.microsoft.com/office/drawing/2010/main">
                   <a:effectLst>
                     <a:outerShdw blurRad="63500" dist="38099" dir="2700000" algn="ctr" rotWithShape="0">
                       <a:schemeClr val="bg2">
@@ -3359,7 +2782,7 @@
             <a:effectLst/>
             <a:extLst>
               <a:ext uri="{91240B29-F687-4f45-9708-019B960494DF}">
-                <a14:hiddenLine xmlns:a14="http://schemas.microsoft.com/office/drawing/2010/main" xmlns="" w="9525">
+                <a14:hiddenLine xmlns="" xmlns:a14="http://schemas.microsoft.com/office/drawing/2010/main" w="9525">
                   <a:solidFill>
                     <a:schemeClr val="tx1"/>
                   </a:solidFill>
@@ -3369,7 +2792,7 @@
                 </a14:hiddenLine>
               </a:ext>
               <a:ext uri="{AF507438-7753-43e0-B8FC-AC1667EBCBE1}">
-                <a14:hiddenEffects xmlns:a14="http://schemas.microsoft.com/office/drawing/2010/main" xmlns="">
+                <a14:hiddenEffects xmlns="" xmlns:a14="http://schemas.microsoft.com/office/drawing/2010/main">
                   <a:effectLst>
                     <a:outerShdw blurRad="63500" dist="38099" dir="2700000" algn="ctr" rotWithShape="0">
                       <a:schemeClr val="bg2">
@@ -3414,7 +2837,7 @@
             <a:effectLst/>
             <a:extLst>
               <a:ext uri="{91240B29-F687-4f45-9708-019B960494DF}">
-                <a14:hiddenLine xmlns:a14="http://schemas.microsoft.com/office/drawing/2010/main" xmlns="" w="9525">
+                <a14:hiddenLine xmlns="" xmlns:a14="http://schemas.microsoft.com/office/drawing/2010/main" w="9525">
                   <a:solidFill>
                     <a:schemeClr val="tx1"/>
                   </a:solidFill>
@@ -3424,7 +2847,7 @@
                 </a14:hiddenLine>
               </a:ext>
               <a:ext uri="{AF507438-7753-43e0-B8FC-AC1667EBCBE1}">
-                <a14:hiddenEffects xmlns:a14="http://schemas.microsoft.com/office/drawing/2010/main" xmlns="">
+                <a14:hiddenEffects xmlns="" xmlns:a14="http://schemas.microsoft.com/office/drawing/2010/main">
                   <a:effectLst>
                     <a:outerShdw blurRad="63500" dist="38099" dir="2700000" algn="ctr" rotWithShape="0">
                       <a:schemeClr val="bg2">
@@ -3469,7 +2892,7 @@
             <a:effectLst/>
             <a:extLst>
               <a:ext uri="{91240B29-F687-4f45-9708-019B960494DF}">
-                <a14:hiddenLine xmlns:a14="http://schemas.microsoft.com/office/drawing/2010/main" xmlns="" w="9525">
+                <a14:hiddenLine xmlns="" xmlns:a14="http://schemas.microsoft.com/office/drawing/2010/main" w="9525">
                   <a:solidFill>
                     <a:schemeClr val="tx1"/>
                   </a:solidFill>
@@ -3479,7 +2902,7 @@
                 </a14:hiddenLine>
               </a:ext>
               <a:ext uri="{AF507438-7753-43e0-B8FC-AC1667EBCBE1}">
-                <a14:hiddenEffects xmlns:a14="http://schemas.microsoft.com/office/drawing/2010/main" xmlns="">
+                <a14:hiddenEffects xmlns="" xmlns:a14="http://schemas.microsoft.com/office/drawing/2010/main">
                   <a:effectLst>
                     <a:outerShdw blurRad="63500" dist="38099" dir="2700000" algn="ctr" rotWithShape="0">
                       <a:schemeClr val="bg2">
@@ -3524,7 +2947,7 @@
             <a:effectLst/>
             <a:extLst>
               <a:ext uri="{91240B29-F687-4f45-9708-019B960494DF}">
-                <a14:hiddenLine xmlns:a14="http://schemas.microsoft.com/office/drawing/2010/main" xmlns="" w="9525">
+                <a14:hiddenLine xmlns="" xmlns:a14="http://schemas.microsoft.com/office/drawing/2010/main" w="9525">
                   <a:solidFill>
                     <a:schemeClr val="tx1"/>
                   </a:solidFill>
@@ -3534,7 +2957,7 @@
                 </a14:hiddenLine>
               </a:ext>
               <a:ext uri="{AF507438-7753-43e0-B8FC-AC1667EBCBE1}">
-                <a14:hiddenEffects xmlns:a14="http://schemas.microsoft.com/office/drawing/2010/main" xmlns="">
+                <a14:hiddenEffects xmlns="" xmlns:a14="http://schemas.microsoft.com/office/drawing/2010/main">
                   <a:effectLst>
                     <a:outerShdw blurRad="63500" dist="38099" dir="2700000" algn="ctr" rotWithShape="0">
                       <a:schemeClr val="bg2">
@@ -3579,7 +3002,7 @@
             <a:effectLst/>
             <a:extLst>
               <a:ext uri="{91240B29-F687-4f45-9708-019B960494DF}">
-                <a14:hiddenLine xmlns:a14="http://schemas.microsoft.com/office/drawing/2010/main" xmlns="" w="9525">
+                <a14:hiddenLine xmlns="" xmlns:a14="http://schemas.microsoft.com/office/drawing/2010/main" w="9525">
                   <a:solidFill>
                     <a:schemeClr val="tx1"/>
                   </a:solidFill>
@@ -3589,7 +3012,7 @@
                 </a14:hiddenLine>
               </a:ext>
               <a:ext uri="{AF507438-7753-43e0-B8FC-AC1667EBCBE1}">
-                <a14:hiddenEffects xmlns:a14="http://schemas.microsoft.com/office/drawing/2010/main" xmlns="">
+                <a14:hiddenEffects xmlns="" xmlns:a14="http://schemas.microsoft.com/office/drawing/2010/main">
                   <a:effectLst>
                     <a:outerShdw blurRad="63500" dist="38099" dir="2700000" algn="ctr" rotWithShape="0">
                       <a:schemeClr val="bg2">
@@ -3634,7 +3057,7 @@
             <a:effectLst/>
             <a:extLst>
               <a:ext uri="{91240B29-F687-4f45-9708-019B960494DF}">
-                <a14:hiddenLine xmlns:a14="http://schemas.microsoft.com/office/drawing/2010/main" xmlns="" w="9525">
+                <a14:hiddenLine xmlns="" xmlns:a14="http://schemas.microsoft.com/office/drawing/2010/main" w="9525">
                   <a:solidFill>
                     <a:schemeClr val="tx1"/>
                   </a:solidFill>
@@ -3644,7 +3067,7 @@
                 </a14:hiddenLine>
               </a:ext>
               <a:ext uri="{AF507438-7753-43e0-B8FC-AC1667EBCBE1}">
-                <a14:hiddenEffects xmlns:a14="http://schemas.microsoft.com/office/drawing/2010/main" xmlns="">
+                <a14:hiddenEffects xmlns="" xmlns:a14="http://schemas.microsoft.com/office/drawing/2010/main">
                   <a:effectLst>
                     <a:outerShdw blurRad="63500" dist="38099" dir="2700000" algn="ctr" rotWithShape="0">
                       <a:schemeClr val="bg2">
@@ -3693,12 +3116,12 @@
           <a:effectLst/>
           <a:extLst>
             <a:ext uri="{909E8E84-426E-40dd-AFC4-6F175D3DCCD1}">
-              <a14:hiddenFill xmlns:a14="http://schemas.microsoft.com/office/drawing/2010/main" xmlns="">
+              <a14:hiddenFill xmlns="" xmlns:a14="http://schemas.microsoft.com/office/drawing/2010/main">
                 <a:noFill/>
               </a14:hiddenFill>
             </a:ext>
             <a:ext uri="{AF507438-7753-43e0-B8FC-AC1667EBCBE1}">
-              <a14:hiddenEffects xmlns:a14="http://schemas.microsoft.com/office/drawing/2010/main" xmlns="">
+              <a14:hiddenEffects xmlns="" xmlns:a14="http://schemas.microsoft.com/office/drawing/2010/main">
                 <a:effectLst>
                   <a:outerShdw blurRad="63500" dist="38099" dir="2700000" algn="ctr" rotWithShape="0">
                     <a:schemeClr val="bg2">
@@ -3723,13 +3146,6 @@
   <p:clrMapOvr>
     <a:masterClrMapping/>
   </p:clrMapOvr>
-  <p:timing>
-    <p:tnLst>
-      <p:par>
-        <p:cTn id="1" dur="indefinite" restart="never" nodeType="tmRoot"/>
-      </p:par>
-    </p:tnLst>
-  </p:timing>
 </p:sldLayout>
 </file>
 
@@ -3766,10 +3182,9 @@
           <a:lstStyle/>
           <a:p>
             <a:r>
-              <a:rPr lang="en-US" smtClean="0"/>
+              <a:rPr lang="en-US"/>
               <a:t>Click to edit Master title style</a:t>
             </a:r>
-            <a:endParaRPr lang="en-US"/>
           </a:p>
         </p:txBody>
       </p:sp>
@@ -3790,38 +3205,37 @@
           <a:p>
             <a:pPr lvl="0"/>
             <a:r>
-              <a:rPr lang="en-US" smtClean="0"/>
+              <a:rPr lang="en-US"/>
               <a:t>Click to edit Master text styles</a:t>
             </a:r>
           </a:p>
           <a:p>
             <a:pPr lvl="1"/>
             <a:r>
-              <a:rPr lang="en-US" smtClean="0"/>
+              <a:rPr lang="en-US"/>
               <a:t>Second level</a:t>
             </a:r>
           </a:p>
           <a:p>
             <a:pPr lvl="2"/>
             <a:r>
-              <a:rPr lang="en-US" smtClean="0"/>
+              <a:rPr lang="en-US"/>
               <a:t>Third level</a:t>
             </a:r>
           </a:p>
           <a:p>
             <a:pPr lvl="3"/>
             <a:r>
-              <a:rPr lang="en-US" smtClean="0"/>
+              <a:rPr lang="en-US"/>
               <a:t>Fourth level</a:t>
             </a:r>
           </a:p>
           <a:p>
             <a:pPr lvl="4"/>
             <a:r>
-              <a:rPr lang="en-US" smtClean="0"/>
+              <a:rPr lang="en-US"/>
               <a:t>Fifth level</a:t>
             </a:r>
-            <a:endParaRPr lang="en-US"/>
           </a:p>
         </p:txBody>
       </p:sp>
@@ -3950,10 +3364,9 @@
           <a:lstStyle/>
           <a:p>
             <a:r>
-              <a:rPr lang="en-US" smtClean="0"/>
+              <a:rPr lang="en-US"/>
               <a:t>Click to edit Master title style</a:t>
             </a:r>
-            <a:endParaRPr lang="en-US"/>
           </a:p>
         </p:txBody>
       </p:sp>
@@ -3979,38 +3392,37 @@
           <a:p>
             <a:pPr lvl="0"/>
             <a:r>
-              <a:rPr lang="en-US" smtClean="0"/>
+              <a:rPr lang="en-US"/>
               <a:t>Click to edit Master text styles</a:t>
             </a:r>
           </a:p>
           <a:p>
             <a:pPr lvl="1"/>
             <a:r>
-              <a:rPr lang="en-US" smtClean="0"/>
+              <a:rPr lang="en-US"/>
               <a:t>Second level</a:t>
             </a:r>
           </a:p>
           <a:p>
             <a:pPr lvl="2"/>
             <a:r>
-              <a:rPr lang="en-US" smtClean="0"/>
+              <a:rPr lang="en-US"/>
               <a:t>Third level</a:t>
             </a:r>
           </a:p>
           <a:p>
             <a:pPr lvl="3"/>
             <a:r>
-              <a:rPr lang="en-US" smtClean="0"/>
+              <a:rPr lang="en-US"/>
               <a:t>Fourth level</a:t>
             </a:r>
           </a:p>
           <a:p>
             <a:pPr lvl="4"/>
             <a:r>
-              <a:rPr lang="en-US" smtClean="0"/>
+              <a:rPr lang="en-US"/>
               <a:t>Fifth level</a:t>
             </a:r>
-            <a:endParaRPr lang="en-US"/>
           </a:p>
         </p:txBody>
       </p:sp>
@@ -4134,10 +3546,9 @@
           <a:lstStyle/>
           <a:p>
             <a:r>
-              <a:rPr lang="en-US" smtClean="0"/>
+              <a:rPr lang="en-US"/>
               <a:t>Click to edit Master title style</a:t>
             </a:r>
-            <a:endParaRPr lang="en-US"/>
           </a:p>
         </p:txBody>
       </p:sp>
@@ -4158,38 +3569,37 @@
           <a:p>
             <a:pPr lvl="0"/>
             <a:r>
-              <a:rPr lang="en-US" smtClean="0"/>
+              <a:rPr lang="en-US"/>
               <a:t>Click to edit Master text styles</a:t>
             </a:r>
           </a:p>
           <a:p>
             <a:pPr lvl="1"/>
             <a:r>
-              <a:rPr lang="en-US" smtClean="0"/>
+              <a:rPr lang="en-US"/>
               <a:t>Second level</a:t>
             </a:r>
           </a:p>
           <a:p>
             <a:pPr lvl="2"/>
             <a:r>
-              <a:rPr lang="en-US" smtClean="0"/>
+              <a:rPr lang="en-US"/>
               <a:t>Third level</a:t>
             </a:r>
           </a:p>
           <a:p>
             <a:pPr lvl="3"/>
             <a:r>
-              <a:rPr lang="en-US" smtClean="0"/>
+              <a:rPr lang="en-US"/>
               <a:t>Fourth level</a:t>
             </a:r>
           </a:p>
           <a:p>
             <a:pPr lvl="4"/>
             <a:r>
-              <a:rPr lang="en-US" smtClean="0"/>
+              <a:rPr lang="en-US"/>
               <a:t>Fifth level</a:t>
             </a:r>
-            <a:endParaRPr lang="en-US"/>
           </a:p>
         </p:txBody>
       </p:sp>
@@ -4322,10 +3732,9 @@
           </a:lstStyle>
           <a:p>
             <a:r>
-              <a:rPr lang="en-US" smtClean="0"/>
+              <a:rPr lang="en-US"/>
               <a:t>Click to edit Master title style</a:t>
             </a:r>
-            <a:endParaRPr lang="en-US"/>
           </a:p>
         </p:txBody>
       </p:sp>
@@ -4388,7 +3797,7 @@
           <a:p>
             <a:pPr lvl="0"/>
             <a:r>
-              <a:rPr lang="en-US" smtClean="0"/>
+              <a:rPr lang="en-US"/>
               <a:t>Click to edit Master text styles</a:t>
             </a:r>
           </a:p>
@@ -4514,10 +3923,9 @@
           <a:lstStyle/>
           <a:p>
             <a:r>
-              <a:rPr lang="en-US" smtClean="0"/>
+              <a:rPr lang="en-US"/>
               <a:t>Click to edit Master title style</a:t>
             </a:r>
-            <a:endParaRPr lang="en-US"/>
           </a:p>
         </p:txBody>
       </p:sp>
@@ -4571,38 +3979,37 @@
           <a:p>
             <a:pPr lvl="0"/>
             <a:r>
-              <a:rPr lang="en-US" smtClean="0"/>
+              <a:rPr lang="en-US"/>
               <a:t>Click to edit Master text styles</a:t>
             </a:r>
           </a:p>
           <a:p>
             <a:pPr lvl="1"/>
             <a:r>
-              <a:rPr lang="en-US" smtClean="0"/>
+              <a:rPr lang="en-US"/>
               <a:t>Second level</a:t>
             </a:r>
           </a:p>
           <a:p>
             <a:pPr lvl="2"/>
             <a:r>
-              <a:rPr lang="en-US" smtClean="0"/>
+              <a:rPr lang="en-US"/>
               <a:t>Third level</a:t>
             </a:r>
           </a:p>
           <a:p>
             <a:pPr lvl="3"/>
             <a:r>
-              <a:rPr lang="en-US" smtClean="0"/>
+              <a:rPr lang="en-US"/>
               <a:t>Fourth level</a:t>
             </a:r>
           </a:p>
           <a:p>
             <a:pPr lvl="4"/>
             <a:r>
-              <a:rPr lang="en-US" smtClean="0"/>
+              <a:rPr lang="en-US"/>
               <a:t>Fifth level</a:t>
             </a:r>
-            <a:endParaRPr lang="en-US"/>
           </a:p>
         </p:txBody>
       </p:sp>
@@ -4656,38 +4063,37 @@
           <a:p>
             <a:pPr lvl="0"/>
             <a:r>
-              <a:rPr lang="en-US" smtClean="0"/>
+              <a:rPr lang="en-US"/>
               <a:t>Click to edit Master text styles</a:t>
             </a:r>
           </a:p>
           <a:p>
             <a:pPr lvl="1"/>
             <a:r>
-              <a:rPr lang="en-US" smtClean="0"/>
+              <a:rPr lang="en-US"/>
               <a:t>Second level</a:t>
             </a:r>
           </a:p>
           <a:p>
             <a:pPr lvl="2"/>
             <a:r>
-              <a:rPr lang="en-US" smtClean="0"/>
+              <a:rPr lang="en-US"/>
               <a:t>Third level</a:t>
             </a:r>
           </a:p>
           <a:p>
             <a:pPr lvl="3"/>
             <a:r>
-              <a:rPr lang="en-US" smtClean="0"/>
+              <a:rPr lang="en-US"/>
               <a:t>Fourth level</a:t>
             </a:r>
           </a:p>
           <a:p>
             <a:pPr lvl="4"/>
             <a:r>
-              <a:rPr lang="en-US" smtClean="0"/>
+              <a:rPr lang="en-US"/>
               <a:t>Fifth level</a:t>
             </a:r>
-            <a:endParaRPr lang="en-US"/>
           </a:p>
         </p:txBody>
       </p:sp>
@@ -4820,10 +4226,9 @@
           </a:lstStyle>
           <a:p>
             <a:r>
-              <a:rPr lang="en-US" smtClean="0"/>
+              <a:rPr lang="en-US"/>
               <a:t>Click to edit Master title style</a:t>
             </a:r>
-            <a:endParaRPr lang="en-US"/>
           </a:p>
         </p:txBody>
       </p:sp>
@@ -4886,7 +4291,7 @@
           <a:p>
             <a:pPr lvl="0"/>
             <a:r>
-              <a:rPr lang="en-US" smtClean="0"/>
+              <a:rPr lang="en-US"/>
               <a:t>Click to edit Master text styles</a:t>
             </a:r>
           </a:p>
@@ -4942,38 +4347,37 @@
           <a:p>
             <a:pPr lvl="0"/>
             <a:r>
-              <a:rPr lang="en-US" smtClean="0"/>
+              <a:rPr lang="en-US"/>
               <a:t>Click to edit Master text styles</a:t>
             </a:r>
           </a:p>
           <a:p>
             <a:pPr lvl="1"/>
             <a:r>
-              <a:rPr lang="en-US" smtClean="0"/>
+              <a:rPr lang="en-US"/>
               <a:t>Second level</a:t>
             </a:r>
           </a:p>
           <a:p>
             <a:pPr lvl="2"/>
             <a:r>
-              <a:rPr lang="en-US" smtClean="0"/>
+              <a:rPr lang="en-US"/>
               <a:t>Third level</a:t>
             </a:r>
           </a:p>
           <a:p>
             <a:pPr lvl="3"/>
             <a:r>
-              <a:rPr lang="en-US" smtClean="0"/>
+              <a:rPr lang="en-US"/>
               <a:t>Fourth level</a:t>
             </a:r>
           </a:p>
           <a:p>
             <a:pPr lvl="4"/>
             <a:r>
-              <a:rPr lang="en-US" smtClean="0"/>
+              <a:rPr lang="en-US"/>
               <a:t>Fifth level</a:t>
             </a:r>
-            <a:endParaRPr lang="en-US"/>
           </a:p>
         </p:txBody>
       </p:sp>
@@ -5036,7 +4440,7 @@
           <a:p>
             <a:pPr lvl="0"/>
             <a:r>
-              <a:rPr lang="en-US" smtClean="0"/>
+              <a:rPr lang="en-US"/>
               <a:t>Click to edit Master text styles</a:t>
             </a:r>
           </a:p>
@@ -5092,38 +4496,37 @@
           <a:p>
             <a:pPr lvl="0"/>
             <a:r>
-              <a:rPr lang="en-US" smtClean="0"/>
+              <a:rPr lang="en-US"/>
               <a:t>Click to edit Master text styles</a:t>
             </a:r>
           </a:p>
           <a:p>
             <a:pPr lvl="1"/>
             <a:r>
-              <a:rPr lang="en-US" smtClean="0"/>
+              <a:rPr lang="en-US"/>
               <a:t>Second level</a:t>
             </a:r>
           </a:p>
           <a:p>
             <a:pPr lvl="2"/>
             <a:r>
-              <a:rPr lang="en-US" smtClean="0"/>
+              <a:rPr lang="en-US"/>
               <a:t>Third level</a:t>
             </a:r>
           </a:p>
           <a:p>
             <a:pPr lvl="3"/>
             <a:r>
-              <a:rPr lang="en-US" smtClean="0"/>
+              <a:rPr lang="en-US"/>
               <a:t>Fourth level</a:t>
             </a:r>
           </a:p>
           <a:p>
             <a:pPr lvl="4"/>
             <a:r>
-              <a:rPr lang="en-US" smtClean="0"/>
+              <a:rPr lang="en-US"/>
               <a:t>Fifth level</a:t>
             </a:r>
-            <a:endParaRPr lang="en-US"/>
           </a:p>
         </p:txBody>
       </p:sp>
@@ -5247,10 +4650,9 @@
           <a:lstStyle/>
           <a:p>
             <a:r>
-              <a:rPr lang="en-US" smtClean="0"/>
+              <a:rPr lang="en-US"/>
               <a:t>Click to edit Master title style</a:t>
             </a:r>
-            <a:endParaRPr lang="en-US"/>
           </a:p>
         </p:txBody>
       </p:sp>
@@ -5487,10 +4889,9 @@
           </a:lstStyle>
           <a:p>
             <a:r>
-              <a:rPr lang="en-US" smtClean="0"/>
+              <a:rPr lang="en-US"/>
               <a:t>Click to edit Master title style</a:t>
             </a:r>
-            <a:endParaRPr lang="en-US"/>
           </a:p>
         </p:txBody>
       </p:sp>
@@ -5544,38 +4945,37 @@
           <a:p>
             <a:pPr lvl="0"/>
             <a:r>
-              <a:rPr lang="en-US" smtClean="0"/>
+              <a:rPr lang="en-US"/>
               <a:t>Click to edit Master text styles</a:t>
             </a:r>
           </a:p>
           <a:p>
             <a:pPr lvl="1"/>
             <a:r>
-              <a:rPr lang="en-US" smtClean="0"/>
+              <a:rPr lang="en-US"/>
               <a:t>Second level</a:t>
             </a:r>
           </a:p>
           <a:p>
             <a:pPr lvl="2"/>
             <a:r>
-              <a:rPr lang="en-US" smtClean="0"/>
+              <a:rPr lang="en-US"/>
               <a:t>Third level</a:t>
             </a:r>
           </a:p>
           <a:p>
             <a:pPr lvl="3"/>
             <a:r>
-              <a:rPr lang="en-US" smtClean="0"/>
+              <a:rPr lang="en-US"/>
               <a:t>Fourth level</a:t>
             </a:r>
           </a:p>
           <a:p>
             <a:pPr lvl="4"/>
             <a:r>
-              <a:rPr lang="en-US" smtClean="0"/>
+              <a:rPr lang="en-US"/>
               <a:t>Fifth level</a:t>
             </a:r>
-            <a:endParaRPr lang="en-US"/>
           </a:p>
         </p:txBody>
       </p:sp>
@@ -5638,7 +5038,7 @@
           <a:p>
             <a:pPr lvl="0"/>
             <a:r>
-              <a:rPr lang="en-US" smtClean="0"/>
+              <a:rPr lang="en-US"/>
               <a:t>Click to edit Master text styles</a:t>
             </a:r>
           </a:p>
@@ -5773,10 +5173,9 @@
           </a:lstStyle>
           <a:p>
             <a:r>
-              <a:rPr lang="en-US" smtClean="0"/>
+              <a:rPr lang="en-US"/>
               <a:t>Click to edit Master title style</a:t>
             </a:r>
-            <a:endParaRPr lang="en-US"/>
           </a:p>
         </p:txBody>
       </p:sp>
@@ -5900,7 +5299,7 @@
           <a:p>
             <a:pPr lvl="0"/>
             <a:r>
-              <a:rPr lang="en-US" smtClean="0"/>
+              <a:rPr lang="en-US"/>
               <a:t>Click to edit Master text styles</a:t>
             </a:r>
           </a:p>
@@ -6046,12 +5445,12 @@
           <a:effectLst/>
           <a:extLst>
             <a:ext uri="{909E8E84-426E-40dd-AFC4-6F175D3DCCD1}">
-              <a14:hiddenFill xmlns:a14="http://schemas.microsoft.com/office/drawing/2010/main" xmlns="">
+              <a14:hiddenFill xmlns="" xmlns:a14="http://schemas.microsoft.com/office/drawing/2010/main">
                 <a:noFill/>
               </a14:hiddenFill>
             </a:ext>
             <a:ext uri="{AF507438-7753-43e0-B8FC-AC1667EBCBE1}">
-              <a14:hiddenEffects xmlns:a14="http://schemas.microsoft.com/office/drawing/2010/main" xmlns="">
+              <a14:hiddenEffects xmlns="" xmlns:a14="http://schemas.microsoft.com/office/drawing/2010/main">
                 <a:effectLst>
                   <a:outerShdw blurRad="63500" dist="38099" dir="2700000" algn="ctr" rotWithShape="0">
                     <a:schemeClr val="bg2">
@@ -6096,17 +5495,17 @@
           <a:effectLst/>
           <a:extLst>
             <a:ext uri="{FAA26D3D-D897-4be2-8F04-BA451C77F1D7}">
-              <ma14:placeholderFlag xmlns:ma14="http://schemas.microsoft.com/office/mac/drawingml/2011/main" val="1"/>
+              <ma14:placeholderFlag xmlns:ma14="http://schemas.microsoft.com/office/mac/drawingml/2011/main" xmlns="" val="1"/>
             </a:ext>
             <a:ext uri="{909E8E84-426E-40dd-AFC4-6F175D3DCCD1}">
-              <a14:hiddenFill xmlns:a14="http://schemas.microsoft.com/office/drawing/2010/main" xmlns="">
+              <a14:hiddenFill xmlns="" xmlns:a14="http://schemas.microsoft.com/office/drawing/2010/main">
                 <a:solidFill>
                   <a:schemeClr val="accent1"/>
                 </a:solidFill>
               </a14:hiddenFill>
             </a:ext>
             <a:ext uri="{91240B29-F687-4f45-9708-019B960494DF}">
-              <a14:hiddenLine xmlns:a14="http://schemas.microsoft.com/office/drawing/2010/main" xmlns="" w="9525">
+              <a14:hiddenLine xmlns="" xmlns:a14="http://schemas.microsoft.com/office/drawing/2010/main" w="9525">
                 <a:solidFill>
                   <a:schemeClr val="tx1"/>
                 </a:solidFill>
@@ -6116,7 +5515,7 @@
               </a14:hiddenLine>
             </a:ext>
             <a:ext uri="{AF507438-7753-43e0-B8FC-AC1667EBCBE1}">
-              <a14:hiddenEffects xmlns:a14="http://schemas.microsoft.com/office/drawing/2010/main" xmlns="">
+              <a14:hiddenEffects xmlns="" xmlns:a14="http://schemas.microsoft.com/office/drawing/2010/main">
                 <a:effectLst>
                   <a:outerShdw blurRad="63500" dist="38099" dir="2700000" algn="ctr" rotWithShape="0">
                     <a:schemeClr val="bg2">
@@ -6169,17 +5568,17 @@
           <a:effectLst/>
           <a:extLst>
             <a:ext uri="{FAA26D3D-D897-4be2-8F04-BA451C77F1D7}">
-              <ma14:placeholderFlag xmlns:ma14="http://schemas.microsoft.com/office/mac/drawingml/2011/main" val="1"/>
+              <ma14:placeholderFlag xmlns:ma14="http://schemas.microsoft.com/office/mac/drawingml/2011/main" xmlns="" val="1"/>
             </a:ext>
             <a:ext uri="{909E8E84-426E-40dd-AFC4-6F175D3DCCD1}">
-              <a14:hiddenFill xmlns:a14="http://schemas.microsoft.com/office/drawing/2010/main" xmlns="">
+              <a14:hiddenFill xmlns="" xmlns:a14="http://schemas.microsoft.com/office/drawing/2010/main">
                 <a:solidFill>
                   <a:schemeClr val="accent1"/>
                 </a:solidFill>
               </a14:hiddenFill>
             </a:ext>
             <a:ext uri="{91240B29-F687-4f45-9708-019B960494DF}">
-              <a14:hiddenLine xmlns:a14="http://schemas.microsoft.com/office/drawing/2010/main" xmlns="" w="9525">
+              <a14:hiddenLine xmlns="" xmlns:a14="http://schemas.microsoft.com/office/drawing/2010/main" w="9525">
                 <a:solidFill>
                   <a:schemeClr val="tx1"/>
                 </a:solidFill>
@@ -6189,7 +5588,7 @@
               </a14:hiddenLine>
             </a:ext>
             <a:ext uri="{AF507438-7753-43e0-B8FC-AC1667EBCBE1}">
-              <a14:hiddenEffects xmlns:a14="http://schemas.microsoft.com/office/drawing/2010/main" xmlns="">
+              <a14:hiddenEffects xmlns="" xmlns:a14="http://schemas.microsoft.com/office/drawing/2010/main">
                 <a:effectLst>
                   <a:outerShdw blurRad="63500" dist="38099" dir="2700000" algn="ctr" rotWithShape="0">
                     <a:schemeClr val="bg2">
@@ -6270,17 +5669,17 @@
           <a:effectLst/>
           <a:extLst>
             <a:ext uri="{FAA26D3D-D897-4be2-8F04-BA451C77F1D7}">
-              <ma14:placeholderFlag xmlns:ma14="http://schemas.microsoft.com/office/mac/drawingml/2011/main" val="1"/>
+              <ma14:placeholderFlag xmlns:ma14="http://schemas.microsoft.com/office/mac/drawingml/2011/main" xmlns="" val="1"/>
             </a:ext>
             <a:ext uri="{909E8E84-426E-40dd-AFC4-6F175D3DCCD1}">
-              <a14:hiddenFill xmlns:a14="http://schemas.microsoft.com/office/drawing/2010/main" xmlns="">
+              <a14:hiddenFill xmlns="" xmlns:a14="http://schemas.microsoft.com/office/drawing/2010/main">
                 <a:solidFill>
                   <a:schemeClr val="accent1"/>
                 </a:solidFill>
               </a14:hiddenFill>
             </a:ext>
             <a:ext uri="{91240B29-F687-4f45-9708-019B960494DF}">
-              <a14:hiddenLine xmlns:a14="http://schemas.microsoft.com/office/drawing/2010/main" xmlns="" w="9525">
+              <a14:hiddenLine xmlns="" xmlns:a14="http://schemas.microsoft.com/office/drawing/2010/main" w="9525">
                 <a:solidFill>
                   <a:schemeClr val="tx1"/>
                 </a:solidFill>
@@ -6290,7 +5689,7 @@
               </a14:hiddenLine>
             </a:ext>
             <a:ext uri="{AF507438-7753-43e0-B8FC-AC1667EBCBE1}">
-              <a14:hiddenEffects xmlns:a14="http://schemas.microsoft.com/office/drawing/2010/main" xmlns="">
+              <a14:hiddenEffects xmlns="" xmlns:a14="http://schemas.microsoft.com/office/drawing/2010/main">
                 <a:effectLst>
                   <a:outerShdw blurRad="63500" dist="38099" dir="2700000" algn="ctr" rotWithShape="0">
                     <a:schemeClr val="bg2">
@@ -6343,17 +5742,17 @@
           <a:effectLst/>
           <a:extLst>
             <a:ext uri="{FAA26D3D-D897-4be2-8F04-BA451C77F1D7}">
-              <ma14:placeholderFlag xmlns:ma14="http://schemas.microsoft.com/office/mac/drawingml/2011/main" val="1"/>
+              <ma14:placeholderFlag xmlns:ma14="http://schemas.microsoft.com/office/mac/drawingml/2011/main" xmlns="" val="1"/>
             </a:ext>
             <a:ext uri="{909E8E84-426E-40dd-AFC4-6F175D3DCCD1}">
-              <a14:hiddenFill xmlns:a14="http://schemas.microsoft.com/office/drawing/2010/main" xmlns="">
+              <a14:hiddenFill xmlns="" xmlns:a14="http://schemas.microsoft.com/office/drawing/2010/main">
                 <a:solidFill>
                   <a:schemeClr val="accent1"/>
                 </a:solidFill>
               </a14:hiddenFill>
             </a:ext>
             <a:ext uri="{91240B29-F687-4f45-9708-019B960494DF}">
-              <a14:hiddenLine xmlns:a14="http://schemas.microsoft.com/office/drawing/2010/main" xmlns="" w="9525">
+              <a14:hiddenLine xmlns="" xmlns:a14="http://schemas.microsoft.com/office/drawing/2010/main" w="9525">
                 <a:solidFill>
                   <a:schemeClr val="tx1"/>
                 </a:solidFill>
@@ -6363,7 +5762,7 @@
               </a14:hiddenLine>
             </a:ext>
             <a:ext uri="{AF507438-7753-43e0-B8FC-AC1667EBCBE1}">
-              <a14:hiddenEffects xmlns:a14="http://schemas.microsoft.com/office/drawing/2010/main" xmlns="">
+              <a14:hiddenEffects xmlns="" xmlns:a14="http://schemas.microsoft.com/office/drawing/2010/main">
                 <a:effectLst>
                   <a:outerShdw blurRad="63500" dist="38099" dir="2700000" algn="ctr" rotWithShape="0">
                     <a:schemeClr val="bg2">
@@ -6416,17 +5815,17 @@
           <a:effectLst/>
           <a:extLst>
             <a:ext uri="{FAA26D3D-D897-4be2-8F04-BA451C77F1D7}">
-              <ma14:placeholderFlag xmlns:ma14="http://schemas.microsoft.com/office/mac/drawingml/2011/main" val="1"/>
+              <ma14:placeholderFlag xmlns:ma14="http://schemas.microsoft.com/office/mac/drawingml/2011/main" xmlns="" val="1"/>
             </a:ext>
             <a:ext uri="{909E8E84-426E-40dd-AFC4-6F175D3DCCD1}">
-              <a14:hiddenFill xmlns:a14="http://schemas.microsoft.com/office/drawing/2010/main" xmlns="">
+              <a14:hiddenFill xmlns="" xmlns:a14="http://schemas.microsoft.com/office/drawing/2010/main">
                 <a:solidFill>
                   <a:schemeClr val="accent1"/>
                 </a:solidFill>
               </a14:hiddenFill>
             </a:ext>
             <a:ext uri="{91240B29-F687-4f45-9708-019B960494DF}">
-              <a14:hiddenLine xmlns:a14="http://schemas.microsoft.com/office/drawing/2010/main" xmlns="" w="9525">
+              <a14:hiddenLine xmlns="" xmlns:a14="http://schemas.microsoft.com/office/drawing/2010/main" w="9525">
                 <a:solidFill>
                   <a:schemeClr val="tx1"/>
                 </a:solidFill>
@@ -6436,7 +5835,7 @@
               </a14:hiddenLine>
             </a:ext>
             <a:ext uri="{AF507438-7753-43e0-B8FC-AC1667EBCBE1}">
-              <a14:hiddenEffects xmlns:a14="http://schemas.microsoft.com/office/drawing/2010/main" xmlns="">
+              <a14:hiddenEffects xmlns="" xmlns:a14="http://schemas.microsoft.com/office/drawing/2010/main">
                 <a:effectLst>
                   <a:outerShdw blurRad="63500" dist="38099" dir="2700000" algn="ctr" rotWithShape="0">
                     <a:schemeClr val="bg2">
@@ -6510,7 +5909,7 @@
             <a:effectLst/>
             <a:extLst>
               <a:ext uri="{91240B29-F687-4f45-9708-019B960494DF}">
-                <a14:hiddenLine xmlns:a14="http://schemas.microsoft.com/office/drawing/2010/main" xmlns="" w="9525">
+                <a14:hiddenLine xmlns="" xmlns:a14="http://schemas.microsoft.com/office/drawing/2010/main" w="9525">
                   <a:solidFill>
                     <a:schemeClr val="tx1"/>
                   </a:solidFill>
@@ -6520,7 +5919,7 @@
                 </a14:hiddenLine>
               </a:ext>
               <a:ext uri="{AF507438-7753-43e0-B8FC-AC1667EBCBE1}">
-                <a14:hiddenEffects xmlns:a14="http://schemas.microsoft.com/office/drawing/2010/main" xmlns="">
+                <a14:hiddenEffects xmlns="" xmlns:a14="http://schemas.microsoft.com/office/drawing/2010/main">
                   <a:effectLst>
                     <a:outerShdw blurRad="63500" dist="38099" dir="2700000" algn="ctr" rotWithShape="0">
                       <a:schemeClr val="bg2">
@@ -6565,7 +5964,7 @@
             <a:effectLst/>
             <a:extLst>
               <a:ext uri="{91240B29-F687-4f45-9708-019B960494DF}">
-                <a14:hiddenLine xmlns:a14="http://schemas.microsoft.com/office/drawing/2010/main" xmlns="" w="9525">
+                <a14:hiddenLine xmlns="" xmlns:a14="http://schemas.microsoft.com/office/drawing/2010/main" w="9525">
                   <a:solidFill>
                     <a:schemeClr val="tx1"/>
                   </a:solidFill>
@@ -6575,7 +5974,7 @@
                 </a14:hiddenLine>
               </a:ext>
               <a:ext uri="{AF507438-7753-43e0-B8FC-AC1667EBCBE1}">
-                <a14:hiddenEffects xmlns:a14="http://schemas.microsoft.com/office/drawing/2010/main" xmlns="">
+                <a14:hiddenEffects xmlns="" xmlns:a14="http://schemas.microsoft.com/office/drawing/2010/main">
                   <a:effectLst>
                     <a:outerShdw blurRad="63500" dist="38099" dir="2700000" algn="ctr" rotWithShape="0">
                       <a:schemeClr val="bg2">
@@ -6620,7 +6019,7 @@
             <a:effectLst/>
             <a:extLst>
               <a:ext uri="{91240B29-F687-4f45-9708-019B960494DF}">
-                <a14:hiddenLine xmlns:a14="http://schemas.microsoft.com/office/drawing/2010/main" xmlns="" w="9525">
+                <a14:hiddenLine xmlns="" xmlns:a14="http://schemas.microsoft.com/office/drawing/2010/main" w="9525">
                   <a:solidFill>
                     <a:schemeClr val="tx1"/>
                   </a:solidFill>
@@ -6630,7 +6029,7 @@
                 </a14:hiddenLine>
               </a:ext>
               <a:ext uri="{AF507438-7753-43e0-B8FC-AC1667EBCBE1}">
-                <a14:hiddenEffects xmlns:a14="http://schemas.microsoft.com/office/drawing/2010/main" xmlns="">
+                <a14:hiddenEffects xmlns="" xmlns:a14="http://schemas.microsoft.com/office/drawing/2010/main">
                   <a:effectLst>
                     <a:outerShdw blurRad="63500" dist="38099" dir="2700000" algn="ctr" rotWithShape="0">
                       <a:schemeClr val="bg2">
@@ -6675,7 +6074,7 @@
             <a:effectLst/>
             <a:extLst>
               <a:ext uri="{91240B29-F687-4f45-9708-019B960494DF}">
-                <a14:hiddenLine xmlns:a14="http://schemas.microsoft.com/office/drawing/2010/main" xmlns="" w="9525">
+                <a14:hiddenLine xmlns="" xmlns:a14="http://schemas.microsoft.com/office/drawing/2010/main" w="9525">
                   <a:solidFill>
                     <a:schemeClr val="tx1"/>
                   </a:solidFill>
@@ -6685,7 +6084,7 @@
                 </a14:hiddenLine>
               </a:ext>
               <a:ext uri="{AF507438-7753-43e0-B8FC-AC1667EBCBE1}">
-                <a14:hiddenEffects xmlns:a14="http://schemas.microsoft.com/office/drawing/2010/main" xmlns="">
+                <a14:hiddenEffects xmlns="" xmlns:a14="http://schemas.microsoft.com/office/drawing/2010/main">
                   <a:effectLst>
                     <a:outerShdw blurRad="63500" dist="38099" dir="2700000" algn="ctr" rotWithShape="0">
                       <a:schemeClr val="bg2">
@@ -6730,7 +6129,7 @@
             <a:effectLst/>
             <a:extLst>
               <a:ext uri="{91240B29-F687-4f45-9708-019B960494DF}">
-                <a14:hiddenLine xmlns:a14="http://schemas.microsoft.com/office/drawing/2010/main" xmlns="" w="9525">
+                <a14:hiddenLine xmlns="" xmlns:a14="http://schemas.microsoft.com/office/drawing/2010/main" w="9525">
                   <a:solidFill>
                     <a:schemeClr val="tx1"/>
                   </a:solidFill>
@@ -6740,7 +6139,7 @@
                 </a14:hiddenLine>
               </a:ext>
               <a:ext uri="{AF507438-7753-43e0-B8FC-AC1667EBCBE1}">
-                <a14:hiddenEffects xmlns:a14="http://schemas.microsoft.com/office/drawing/2010/main" xmlns="">
+                <a14:hiddenEffects xmlns="" xmlns:a14="http://schemas.microsoft.com/office/drawing/2010/main">
                   <a:effectLst>
                     <a:outerShdw blurRad="63500" dist="38099" dir="2700000" algn="ctr" rotWithShape="0">
                       <a:schemeClr val="bg2">
@@ -6785,7 +6184,7 @@
             <a:effectLst/>
             <a:extLst>
               <a:ext uri="{91240B29-F687-4f45-9708-019B960494DF}">
-                <a14:hiddenLine xmlns:a14="http://schemas.microsoft.com/office/drawing/2010/main" xmlns="" w="9525">
+                <a14:hiddenLine xmlns="" xmlns:a14="http://schemas.microsoft.com/office/drawing/2010/main" w="9525">
                   <a:solidFill>
                     <a:schemeClr val="tx1"/>
                   </a:solidFill>
@@ -6795,7 +6194,7 @@
                 </a14:hiddenLine>
               </a:ext>
               <a:ext uri="{AF507438-7753-43e0-B8FC-AC1667EBCBE1}">
-                <a14:hiddenEffects xmlns:a14="http://schemas.microsoft.com/office/drawing/2010/main" xmlns="">
+                <a14:hiddenEffects xmlns="" xmlns:a14="http://schemas.microsoft.com/office/drawing/2010/main">
                   <a:effectLst>
                     <a:outerShdw blurRad="63500" dist="38099" dir="2700000" algn="ctr" rotWithShape="0">
                       <a:schemeClr val="bg2">
@@ -6840,7 +6239,7 @@
             <a:effectLst/>
             <a:extLst>
               <a:ext uri="{91240B29-F687-4f45-9708-019B960494DF}">
-                <a14:hiddenLine xmlns:a14="http://schemas.microsoft.com/office/drawing/2010/main" xmlns="" w="9525">
+                <a14:hiddenLine xmlns="" xmlns:a14="http://schemas.microsoft.com/office/drawing/2010/main" w="9525">
                   <a:solidFill>
                     <a:schemeClr val="tx1"/>
                   </a:solidFill>
@@ -6850,7 +6249,7 @@
                 </a14:hiddenLine>
               </a:ext>
               <a:ext uri="{AF507438-7753-43e0-B8FC-AC1667EBCBE1}">
-                <a14:hiddenEffects xmlns:a14="http://schemas.microsoft.com/office/drawing/2010/main" xmlns="">
+                <a14:hiddenEffects xmlns="" xmlns:a14="http://schemas.microsoft.com/office/drawing/2010/main">
                   <a:effectLst>
                     <a:outerShdw blurRad="63500" dist="38099" dir="2700000" algn="ctr" rotWithShape="0">
                       <a:schemeClr val="bg2">
@@ -6895,7 +6294,7 @@
             <a:effectLst/>
             <a:extLst>
               <a:ext uri="{91240B29-F687-4f45-9708-019B960494DF}">
-                <a14:hiddenLine xmlns:a14="http://schemas.microsoft.com/office/drawing/2010/main" xmlns="" w="9525">
+                <a14:hiddenLine xmlns="" xmlns:a14="http://schemas.microsoft.com/office/drawing/2010/main" w="9525">
                   <a:solidFill>
                     <a:schemeClr val="tx1"/>
                   </a:solidFill>
@@ -6905,7 +6304,7 @@
                 </a14:hiddenLine>
               </a:ext>
               <a:ext uri="{AF507438-7753-43e0-B8FC-AC1667EBCBE1}">
-                <a14:hiddenEffects xmlns:a14="http://schemas.microsoft.com/office/drawing/2010/main" xmlns="">
+                <a14:hiddenEffects xmlns="" xmlns:a14="http://schemas.microsoft.com/office/drawing/2010/main">
                   <a:effectLst>
                     <a:outerShdw blurRad="63500" dist="38099" dir="2700000" algn="ctr" rotWithShape="0">
                       <a:schemeClr val="bg2">
@@ -6950,7 +6349,7 @@
             <a:effectLst/>
             <a:extLst>
               <a:ext uri="{91240B29-F687-4f45-9708-019B960494DF}">
-                <a14:hiddenLine xmlns:a14="http://schemas.microsoft.com/office/drawing/2010/main" xmlns="" w="9525">
+                <a14:hiddenLine xmlns="" xmlns:a14="http://schemas.microsoft.com/office/drawing/2010/main" w="9525">
                   <a:solidFill>
                     <a:schemeClr val="tx1"/>
                   </a:solidFill>
@@ -6960,7 +6359,7 @@
                 </a14:hiddenLine>
               </a:ext>
               <a:ext uri="{AF507438-7753-43e0-B8FC-AC1667EBCBE1}">
-                <a14:hiddenEffects xmlns:a14="http://schemas.microsoft.com/office/drawing/2010/main" xmlns="">
+                <a14:hiddenEffects xmlns="" xmlns:a14="http://schemas.microsoft.com/office/drawing/2010/main">
                   <a:effectLst>
                     <a:outerShdw blurRad="63500" dist="38099" dir="2700000" algn="ctr" rotWithShape="0">
                       <a:schemeClr val="bg2">
@@ -7005,7 +6404,7 @@
             <a:effectLst/>
             <a:extLst>
               <a:ext uri="{91240B29-F687-4f45-9708-019B960494DF}">
-                <a14:hiddenLine xmlns:a14="http://schemas.microsoft.com/office/drawing/2010/main" xmlns="" w="9525">
+                <a14:hiddenLine xmlns="" xmlns:a14="http://schemas.microsoft.com/office/drawing/2010/main" w="9525">
                   <a:solidFill>
                     <a:schemeClr val="tx1"/>
                   </a:solidFill>
@@ -7015,7 +6414,7 @@
                 </a14:hiddenLine>
               </a:ext>
               <a:ext uri="{AF507438-7753-43e0-B8FC-AC1667EBCBE1}">
-                <a14:hiddenEffects xmlns:a14="http://schemas.microsoft.com/office/drawing/2010/main" xmlns="">
+                <a14:hiddenEffects xmlns="" xmlns:a14="http://schemas.microsoft.com/office/drawing/2010/main">
                   <a:effectLst>
                     <a:outerShdw blurRad="63500" dist="38099" dir="2700000" algn="ctr" rotWithShape="0">
                       <a:schemeClr val="bg2">
@@ -7060,7 +6459,7 @@
             <a:effectLst/>
             <a:extLst>
               <a:ext uri="{91240B29-F687-4f45-9708-019B960494DF}">
-                <a14:hiddenLine xmlns:a14="http://schemas.microsoft.com/office/drawing/2010/main" xmlns="" w="9525">
+                <a14:hiddenLine xmlns="" xmlns:a14="http://schemas.microsoft.com/office/drawing/2010/main" w="9525">
                   <a:solidFill>
                     <a:schemeClr val="tx1"/>
                   </a:solidFill>
@@ -7070,7 +6469,7 @@
                 </a14:hiddenLine>
               </a:ext>
               <a:ext uri="{AF507438-7753-43e0-B8FC-AC1667EBCBE1}">
-                <a14:hiddenEffects xmlns:a14="http://schemas.microsoft.com/office/drawing/2010/main" xmlns="">
+                <a14:hiddenEffects xmlns="" xmlns:a14="http://schemas.microsoft.com/office/drawing/2010/main">
                   <a:effectLst>
                     <a:outerShdw blurRad="63500" dist="38099" dir="2700000" algn="ctr" rotWithShape="0">
                       <a:schemeClr val="bg2">
@@ -7115,7 +6514,7 @@
             <a:effectLst/>
             <a:extLst>
               <a:ext uri="{91240B29-F687-4f45-9708-019B960494DF}">
-                <a14:hiddenLine xmlns:a14="http://schemas.microsoft.com/office/drawing/2010/main" xmlns="" w="9525">
+                <a14:hiddenLine xmlns="" xmlns:a14="http://schemas.microsoft.com/office/drawing/2010/main" w="9525">
                   <a:solidFill>
                     <a:schemeClr val="tx1"/>
                   </a:solidFill>
@@ -7125,7 +6524,7 @@
                 </a14:hiddenLine>
               </a:ext>
               <a:ext uri="{AF507438-7753-43e0-B8FC-AC1667EBCBE1}">
-                <a14:hiddenEffects xmlns:a14="http://schemas.microsoft.com/office/drawing/2010/main" xmlns="">
+                <a14:hiddenEffects xmlns="" xmlns:a14="http://schemas.microsoft.com/office/drawing/2010/main">
                   <a:effectLst>
                     <a:outerShdw blurRad="63500" dist="38099" dir="2700000" algn="ctr" rotWithShape="0">
                       <a:schemeClr val="bg2">
@@ -7170,7 +6569,7 @@
             <a:effectLst/>
             <a:extLst>
               <a:ext uri="{91240B29-F687-4f45-9708-019B960494DF}">
-                <a14:hiddenLine xmlns:a14="http://schemas.microsoft.com/office/drawing/2010/main" xmlns="" w="9525">
+                <a14:hiddenLine xmlns="" xmlns:a14="http://schemas.microsoft.com/office/drawing/2010/main" w="9525">
                   <a:solidFill>
                     <a:schemeClr val="tx1"/>
                   </a:solidFill>
@@ -7180,7 +6579,7 @@
                 </a14:hiddenLine>
               </a:ext>
               <a:ext uri="{AF507438-7753-43e0-B8FC-AC1667EBCBE1}">
-                <a14:hiddenEffects xmlns:a14="http://schemas.microsoft.com/office/drawing/2010/main" xmlns="">
+                <a14:hiddenEffects xmlns="" xmlns:a14="http://schemas.microsoft.com/office/drawing/2010/main">
                   <a:effectLst>
                     <a:outerShdw blurRad="63500" dist="38099" dir="2700000" algn="ctr" rotWithShape="0">
                       <a:schemeClr val="bg2">
@@ -7225,7 +6624,7 @@
             <a:effectLst/>
             <a:extLst>
               <a:ext uri="{91240B29-F687-4f45-9708-019B960494DF}">
-                <a14:hiddenLine xmlns:a14="http://schemas.microsoft.com/office/drawing/2010/main" xmlns="" w="9525">
+                <a14:hiddenLine xmlns="" xmlns:a14="http://schemas.microsoft.com/office/drawing/2010/main" w="9525">
                   <a:solidFill>
                     <a:schemeClr val="tx1"/>
                   </a:solidFill>
@@ -7235,7 +6634,7 @@
                 </a14:hiddenLine>
               </a:ext>
               <a:ext uri="{AF507438-7753-43e0-B8FC-AC1667EBCBE1}">
-                <a14:hiddenEffects xmlns:a14="http://schemas.microsoft.com/office/drawing/2010/main" xmlns="">
+                <a14:hiddenEffects xmlns="" xmlns:a14="http://schemas.microsoft.com/office/drawing/2010/main">
                   <a:effectLst>
                     <a:outerShdw blurRad="63500" dist="38099" dir="2700000" algn="ctr" rotWithShape="0">
                       <a:schemeClr val="bg2">
@@ -7280,7 +6679,7 @@
             <a:effectLst/>
             <a:extLst>
               <a:ext uri="{91240B29-F687-4f45-9708-019B960494DF}">
-                <a14:hiddenLine xmlns:a14="http://schemas.microsoft.com/office/drawing/2010/main" xmlns="" w="9525">
+                <a14:hiddenLine xmlns="" xmlns:a14="http://schemas.microsoft.com/office/drawing/2010/main" w="9525">
                   <a:solidFill>
                     <a:schemeClr val="tx1"/>
                   </a:solidFill>
@@ -7290,7 +6689,7 @@
                 </a14:hiddenLine>
               </a:ext>
               <a:ext uri="{AF507438-7753-43e0-B8FC-AC1667EBCBE1}">
-                <a14:hiddenEffects xmlns:a14="http://schemas.microsoft.com/office/drawing/2010/main" xmlns="">
+                <a14:hiddenEffects xmlns="" xmlns:a14="http://schemas.microsoft.com/office/drawing/2010/main">
                   <a:effectLst>
                     <a:outerShdw blurRad="63500" dist="38099" dir="2700000" algn="ctr" rotWithShape="0">
                       <a:schemeClr val="bg2">
@@ -7335,7 +6734,7 @@
             <a:effectLst/>
             <a:extLst>
               <a:ext uri="{91240B29-F687-4f45-9708-019B960494DF}">
-                <a14:hiddenLine xmlns:a14="http://schemas.microsoft.com/office/drawing/2010/main" xmlns="" w="9525">
+                <a14:hiddenLine xmlns="" xmlns:a14="http://schemas.microsoft.com/office/drawing/2010/main" w="9525">
                   <a:solidFill>
                     <a:schemeClr val="tx1"/>
                   </a:solidFill>
@@ -7345,7 +6744,7 @@
                 </a14:hiddenLine>
               </a:ext>
               <a:ext uri="{AF507438-7753-43e0-B8FC-AC1667EBCBE1}">
-                <a14:hiddenEffects xmlns:a14="http://schemas.microsoft.com/office/drawing/2010/main" xmlns="">
+                <a14:hiddenEffects xmlns="" xmlns:a14="http://schemas.microsoft.com/office/drawing/2010/main">
                   <a:effectLst>
                     <a:outerShdw blurRad="63500" dist="38099" dir="2700000" algn="ctr" rotWithShape="0">
                       <a:schemeClr val="bg2">
@@ -7390,7 +6789,7 @@
             <a:effectLst/>
             <a:extLst>
               <a:ext uri="{91240B29-F687-4f45-9708-019B960494DF}">
-                <a14:hiddenLine xmlns:a14="http://schemas.microsoft.com/office/drawing/2010/main" xmlns="" w="9525">
+                <a14:hiddenLine xmlns="" xmlns:a14="http://schemas.microsoft.com/office/drawing/2010/main" w="9525">
                   <a:solidFill>
                     <a:schemeClr val="tx1"/>
                   </a:solidFill>
@@ -7400,7 +6799,7 @@
                 </a14:hiddenLine>
               </a:ext>
               <a:ext uri="{AF507438-7753-43e0-B8FC-AC1667EBCBE1}">
-                <a14:hiddenEffects xmlns:a14="http://schemas.microsoft.com/office/drawing/2010/main" xmlns="">
+                <a14:hiddenEffects xmlns="" xmlns:a14="http://schemas.microsoft.com/office/drawing/2010/main">
                   <a:effectLst>
                     <a:outerShdw blurRad="63500" dist="38099" dir="2700000" algn="ctr" rotWithShape="0">
                       <a:schemeClr val="bg2">
@@ -7445,7 +6844,7 @@
             <a:effectLst/>
             <a:extLst>
               <a:ext uri="{91240B29-F687-4f45-9708-019B960494DF}">
-                <a14:hiddenLine xmlns:a14="http://schemas.microsoft.com/office/drawing/2010/main" xmlns="" w="9525">
+                <a14:hiddenLine xmlns="" xmlns:a14="http://schemas.microsoft.com/office/drawing/2010/main" w="9525">
                   <a:solidFill>
                     <a:schemeClr val="tx1"/>
                   </a:solidFill>
@@ -7455,7 +6854,7 @@
                 </a14:hiddenLine>
               </a:ext>
               <a:ext uri="{AF507438-7753-43e0-B8FC-AC1667EBCBE1}">
-                <a14:hiddenEffects xmlns:a14="http://schemas.microsoft.com/office/drawing/2010/main" xmlns="">
+                <a14:hiddenEffects xmlns="" xmlns:a14="http://schemas.microsoft.com/office/drawing/2010/main">
                   <a:effectLst>
                     <a:outerShdw blurRad="63500" dist="38099" dir="2700000" algn="ctr" rotWithShape="0">
                       <a:schemeClr val="bg2">
@@ -7500,7 +6899,7 @@
             <a:effectLst/>
             <a:extLst>
               <a:ext uri="{91240B29-F687-4f45-9708-019B960494DF}">
-                <a14:hiddenLine xmlns:a14="http://schemas.microsoft.com/office/drawing/2010/main" xmlns="" w="9525">
+                <a14:hiddenLine xmlns="" xmlns:a14="http://schemas.microsoft.com/office/drawing/2010/main" w="9525">
                   <a:solidFill>
                     <a:schemeClr val="tx1"/>
                   </a:solidFill>
@@ -7510,7 +6909,7 @@
                 </a14:hiddenLine>
               </a:ext>
               <a:ext uri="{AF507438-7753-43e0-B8FC-AC1667EBCBE1}">
-                <a14:hiddenEffects xmlns:a14="http://schemas.microsoft.com/office/drawing/2010/main" xmlns="">
+                <a14:hiddenEffects xmlns="" xmlns:a14="http://schemas.microsoft.com/office/drawing/2010/main">
                   <a:effectLst>
                     <a:outerShdw blurRad="63500" dist="38099" dir="2700000" algn="ctr" rotWithShape="0">
                       <a:schemeClr val="bg2">
@@ -7555,7 +6954,7 @@
             <a:effectLst/>
             <a:extLst>
               <a:ext uri="{91240B29-F687-4f45-9708-019B960494DF}">
-                <a14:hiddenLine xmlns:a14="http://schemas.microsoft.com/office/drawing/2010/main" xmlns="" w="9525">
+                <a14:hiddenLine xmlns="" xmlns:a14="http://schemas.microsoft.com/office/drawing/2010/main" w="9525">
                   <a:solidFill>
                     <a:schemeClr val="tx1"/>
                   </a:solidFill>
@@ -7565,7 +6964,7 @@
                 </a14:hiddenLine>
               </a:ext>
               <a:ext uri="{AF507438-7753-43e0-B8FC-AC1667EBCBE1}">
-                <a14:hiddenEffects xmlns:a14="http://schemas.microsoft.com/office/drawing/2010/main" xmlns="">
+                <a14:hiddenEffects xmlns="" xmlns:a14="http://schemas.microsoft.com/office/drawing/2010/main">
                   <a:effectLst>
                     <a:outerShdw blurRad="63500" dist="38099" dir="2700000" algn="ctr" rotWithShape="0">
                       <a:schemeClr val="bg2">
@@ -7610,7 +7009,7 @@
             <a:effectLst/>
             <a:extLst>
               <a:ext uri="{91240B29-F687-4f45-9708-019B960494DF}">
-                <a14:hiddenLine xmlns:a14="http://schemas.microsoft.com/office/drawing/2010/main" xmlns="" w="9525">
+                <a14:hiddenLine xmlns="" xmlns:a14="http://schemas.microsoft.com/office/drawing/2010/main" w="9525">
                   <a:solidFill>
                     <a:schemeClr val="tx1"/>
                   </a:solidFill>
@@ -7620,7 +7019,7 @@
                 </a14:hiddenLine>
               </a:ext>
               <a:ext uri="{AF507438-7753-43e0-B8FC-AC1667EBCBE1}">
-                <a14:hiddenEffects xmlns:a14="http://schemas.microsoft.com/office/drawing/2010/main" xmlns="">
+                <a14:hiddenEffects xmlns="" xmlns:a14="http://schemas.microsoft.com/office/drawing/2010/main">
                   <a:effectLst>
                     <a:outerShdw blurRad="63500" dist="38099" dir="2700000" algn="ctr" rotWithShape="0">
                       <a:schemeClr val="bg2">
@@ -7665,7 +7064,7 @@
             <a:effectLst/>
             <a:extLst>
               <a:ext uri="{91240B29-F687-4f45-9708-019B960494DF}">
-                <a14:hiddenLine xmlns:a14="http://schemas.microsoft.com/office/drawing/2010/main" xmlns="" w="9525">
+                <a14:hiddenLine xmlns="" xmlns:a14="http://schemas.microsoft.com/office/drawing/2010/main" w="9525">
                   <a:solidFill>
                     <a:schemeClr val="tx1"/>
                   </a:solidFill>
@@ -7675,7 +7074,7 @@
                 </a14:hiddenLine>
               </a:ext>
               <a:ext uri="{AF507438-7753-43e0-B8FC-AC1667EBCBE1}">
-                <a14:hiddenEffects xmlns:a14="http://schemas.microsoft.com/office/drawing/2010/main" xmlns="">
+                <a14:hiddenEffects xmlns="" xmlns:a14="http://schemas.microsoft.com/office/drawing/2010/main">
                   <a:effectLst>
                     <a:outerShdw blurRad="63500" dist="38099" dir="2700000" algn="ctr" rotWithShape="0">
                       <a:schemeClr val="bg2">
@@ -7720,7 +7119,7 @@
             <a:effectLst/>
             <a:extLst>
               <a:ext uri="{91240B29-F687-4f45-9708-019B960494DF}">
-                <a14:hiddenLine xmlns:a14="http://schemas.microsoft.com/office/drawing/2010/main" xmlns="" w="9525">
+                <a14:hiddenLine xmlns="" xmlns:a14="http://schemas.microsoft.com/office/drawing/2010/main" w="9525">
                   <a:solidFill>
                     <a:schemeClr val="tx1"/>
                   </a:solidFill>
@@ -7730,7 +7129,7 @@
                 </a14:hiddenLine>
               </a:ext>
               <a:ext uri="{AF507438-7753-43e0-B8FC-AC1667EBCBE1}">
-                <a14:hiddenEffects xmlns:a14="http://schemas.microsoft.com/office/drawing/2010/main" xmlns="">
+                <a14:hiddenEffects xmlns="" xmlns:a14="http://schemas.microsoft.com/office/drawing/2010/main">
                   <a:effectLst>
                     <a:outerShdw blurRad="63500" dist="38099" dir="2700000" algn="ctr" rotWithShape="0">
                       <a:schemeClr val="bg2">
@@ -7775,7 +7174,7 @@
             <a:effectLst/>
             <a:extLst>
               <a:ext uri="{91240B29-F687-4f45-9708-019B960494DF}">
-                <a14:hiddenLine xmlns:a14="http://schemas.microsoft.com/office/drawing/2010/main" xmlns="" w="9525">
+                <a14:hiddenLine xmlns="" xmlns:a14="http://schemas.microsoft.com/office/drawing/2010/main" w="9525">
                   <a:solidFill>
                     <a:schemeClr val="tx1"/>
                   </a:solidFill>
@@ -7785,7 +7184,7 @@
                 </a14:hiddenLine>
               </a:ext>
               <a:ext uri="{AF507438-7753-43e0-B8FC-AC1667EBCBE1}">
-                <a14:hiddenEffects xmlns:a14="http://schemas.microsoft.com/office/drawing/2010/main" xmlns="">
+                <a14:hiddenEffects xmlns="" xmlns:a14="http://schemas.microsoft.com/office/drawing/2010/main">
                   <a:effectLst>
                     <a:outerShdw blurRad="63500" dist="38099" dir="2700000" algn="ctr" rotWithShape="0">
                       <a:schemeClr val="bg2">
@@ -7830,7 +7229,7 @@
             <a:effectLst/>
             <a:extLst>
               <a:ext uri="{91240B29-F687-4f45-9708-019B960494DF}">
-                <a14:hiddenLine xmlns:a14="http://schemas.microsoft.com/office/drawing/2010/main" xmlns="" w="9525">
+                <a14:hiddenLine xmlns="" xmlns:a14="http://schemas.microsoft.com/office/drawing/2010/main" w="9525">
                   <a:solidFill>
                     <a:schemeClr val="tx1"/>
                   </a:solidFill>
@@ -7840,7 +7239,7 @@
                 </a14:hiddenLine>
               </a:ext>
               <a:ext uri="{AF507438-7753-43e0-B8FC-AC1667EBCBE1}">
-                <a14:hiddenEffects xmlns:a14="http://schemas.microsoft.com/office/drawing/2010/main" xmlns="">
+                <a14:hiddenEffects xmlns="" xmlns:a14="http://schemas.microsoft.com/office/drawing/2010/main">
                   <a:effectLst>
                     <a:outerShdw blurRad="63500" dist="38099" dir="2700000" algn="ctr" rotWithShape="0">
                       <a:schemeClr val="bg2">
@@ -7885,7 +7284,7 @@
             <a:effectLst/>
             <a:extLst>
               <a:ext uri="{91240B29-F687-4f45-9708-019B960494DF}">
-                <a14:hiddenLine xmlns:a14="http://schemas.microsoft.com/office/drawing/2010/main" xmlns="" w="9525">
+                <a14:hiddenLine xmlns="" xmlns:a14="http://schemas.microsoft.com/office/drawing/2010/main" w="9525">
                   <a:solidFill>
                     <a:schemeClr val="tx1"/>
                   </a:solidFill>
@@ -7895,7 +7294,7 @@
                 </a14:hiddenLine>
               </a:ext>
               <a:ext uri="{AF507438-7753-43e0-B8FC-AC1667EBCBE1}">
-                <a14:hiddenEffects xmlns:a14="http://schemas.microsoft.com/office/drawing/2010/main" xmlns="">
+                <a14:hiddenEffects xmlns="" xmlns:a14="http://schemas.microsoft.com/office/drawing/2010/main">
                   <a:effectLst>
                     <a:outerShdw blurRad="63500" dist="38099" dir="2700000" algn="ctr" rotWithShape="0">
                       <a:schemeClr val="bg2">
@@ -7940,7 +7339,7 @@
             <a:effectLst/>
             <a:extLst>
               <a:ext uri="{91240B29-F687-4f45-9708-019B960494DF}">
-                <a14:hiddenLine xmlns:a14="http://schemas.microsoft.com/office/drawing/2010/main" xmlns="" w="9525">
+                <a14:hiddenLine xmlns="" xmlns:a14="http://schemas.microsoft.com/office/drawing/2010/main" w="9525">
                   <a:solidFill>
                     <a:schemeClr val="tx1"/>
                   </a:solidFill>
@@ -7950,7 +7349,7 @@
                 </a14:hiddenLine>
               </a:ext>
               <a:ext uri="{AF507438-7753-43e0-B8FC-AC1667EBCBE1}">
-                <a14:hiddenEffects xmlns:a14="http://schemas.microsoft.com/office/drawing/2010/main" xmlns="">
+                <a14:hiddenEffects xmlns="" xmlns:a14="http://schemas.microsoft.com/office/drawing/2010/main">
                   <a:effectLst>
                     <a:outerShdw blurRad="63500" dist="38099" dir="2700000" algn="ctr" rotWithShape="0">
                       <a:schemeClr val="bg2">
@@ -7995,7 +7394,7 @@
             <a:effectLst/>
             <a:extLst>
               <a:ext uri="{91240B29-F687-4f45-9708-019B960494DF}">
-                <a14:hiddenLine xmlns:a14="http://schemas.microsoft.com/office/drawing/2010/main" xmlns="" w="9525">
+                <a14:hiddenLine xmlns="" xmlns:a14="http://schemas.microsoft.com/office/drawing/2010/main" w="9525">
                   <a:solidFill>
                     <a:schemeClr val="tx1"/>
                   </a:solidFill>
@@ -8005,7 +7404,7 @@
                 </a14:hiddenLine>
               </a:ext>
               <a:ext uri="{AF507438-7753-43e0-B8FC-AC1667EBCBE1}">
-                <a14:hiddenEffects xmlns:a14="http://schemas.microsoft.com/office/drawing/2010/main" xmlns="">
+                <a14:hiddenEffects xmlns="" xmlns:a14="http://schemas.microsoft.com/office/drawing/2010/main">
                   <a:effectLst>
                     <a:outerShdw blurRad="63500" dist="38099" dir="2700000" algn="ctr" rotWithShape="0">
                       <a:schemeClr val="bg2">
@@ -8050,7 +7449,7 @@
             <a:effectLst/>
             <a:extLst>
               <a:ext uri="{91240B29-F687-4f45-9708-019B960494DF}">
-                <a14:hiddenLine xmlns:a14="http://schemas.microsoft.com/office/drawing/2010/main" xmlns="" w="9525">
+                <a14:hiddenLine xmlns="" xmlns:a14="http://schemas.microsoft.com/office/drawing/2010/main" w="9525">
                   <a:solidFill>
                     <a:schemeClr val="tx1"/>
                   </a:solidFill>
@@ -8060,7 +7459,7 @@
                 </a14:hiddenLine>
               </a:ext>
               <a:ext uri="{AF507438-7753-43e0-B8FC-AC1667EBCBE1}">
-                <a14:hiddenEffects xmlns:a14="http://schemas.microsoft.com/office/drawing/2010/main" xmlns="">
+                <a14:hiddenEffects xmlns="" xmlns:a14="http://schemas.microsoft.com/office/drawing/2010/main">
                   <a:effectLst>
                     <a:outerShdw blurRad="63500" dist="38099" dir="2700000" algn="ctr" rotWithShape="0">
                       <a:schemeClr val="bg2">
@@ -8105,7 +7504,7 @@
             <a:effectLst/>
             <a:extLst>
               <a:ext uri="{91240B29-F687-4f45-9708-019B960494DF}">
-                <a14:hiddenLine xmlns:a14="http://schemas.microsoft.com/office/drawing/2010/main" xmlns="" w="9525">
+                <a14:hiddenLine xmlns="" xmlns:a14="http://schemas.microsoft.com/office/drawing/2010/main" w="9525">
                   <a:solidFill>
                     <a:schemeClr val="tx1"/>
                   </a:solidFill>
@@ -8115,7 +7514,7 @@
                 </a14:hiddenLine>
               </a:ext>
               <a:ext uri="{AF507438-7753-43e0-B8FC-AC1667EBCBE1}">
-                <a14:hiddenEffects xmlns:a14="http://schemas.microsoft.com/office/drawing/2010/main" xmlns="">
+                <a14:hiddenEffects xmlns="" xmlns:a14="http://schemas.microsoft.com/office/drawing/2010/main">
                   <a:effectLst>
                     <a:outerShdw blurRad="63500" dist="38099" dir="2700000" algn="ctr" rotWithShape="0">
                       <a:schemeClr val="bg2">
@@ -8160,7 +7559,7 @@
             <a:effectLst/>
             <a:extLst>
               <a:ext uri="{91240B29-F687-4f45-9708-019B960494DF}">
-                <a14:hiddenLine xmlns:a14="http://schemas.microsoft.com/office/drawing/2010/main" xmlns="" w="9525">
+                <a14:hiddenLine xmlns="" xmlns:a14="http://schemas.microsoft.com/office/drawing/2010/main" w="9525">
                   <a:solidFill>
                     <a:schemeClr val="tx1"/>
                   </a:solidFill>
@@ -8170,7 +7569,7 @@
                 </a14:hiddenLine>
               </a:ext>
               <a:ext uri="{AF507438-7753-43e0-B8FC-AC1667EBCBE1}">
-                <a14:hiddenEffects xmlns:a14="http://schemas.microsoft.com/office/drawing/2010/main" xmlns="">
+                <a14:hiddenEffects xmlns="" xmlns:a14="http://schemas.microsoft.com/office/drawing/2010/main">
                   <a:effectLst>
                     <a:outerShdw blurRad="63500" dist="38099" dir="2700000" algn="ctr" rotWithShape="0">
                       <a:schemeClr val="bg2">
@@ -8207,13 +7606,6 @@
     <p:sldLayoutId id="2147483659" r:id="rId10"/>
     <p:sldLayoutId id="2147483660" r:id="rId11"/>
   </p:sldLayoutIdLst>
-  <p:timing>
-    <p:tnLst>
-      <p:par>
-        <p:cTn id="1" dur="indefinite" restart="never" nodeType="tmRoot"/>
-      </p:par>
-    </p:tnLst>
-  </p:timing>
   <p:txStyles>
     <p:titleStyle>
       <a:lvl1pPr algn="l" rtl="0" fontAlgn="base">
@@ -8713,15 +8105,7 @@
             </a:r>
             <a:r>
               <a:rPr lang="en-US" dirty="0"/>
-              <a:t> to some </a:t>
-            </a:r>
-            <a:r>
-              <a:rPr lang="en-US" dirty="0" smtClean="0"/>
-              <a:t>primitive type </a:t>
-            </a:r>
-            <a:r>
-              <a:rPr lang="en-US" dirty="0"/>
-              <a:t>such as </a:t>
+              <a:t> to some primitive type such as </a:t>
             </a:r>
             <a:r>
               <a:rPr lang="en-US" dirty="0" err="1"/>
@@ -8750,7 +8134,13 @@
       </p:sp>
       <p:pic>
         <p:nvPicPr>
-          <p:cNvPr id="2" name="Picture 1"/>
+          <p:cNvPr id="3" name="Picture 2">
+            <a:extLst>
+              <a:ext uri="{FF2B5EF4-FFF2-40B4-BE49-F238E27FC236}">
+                <a16:creationId xmlns:a16="http://schemas.microsoft.com/office/drawing/2014/main" id="{49AE8C2C-CF0C-1B47-89EE-7654645DC539}"/>
+              </a:ext>
+            </a:extLst>
+          </p:cNvPr>
           <p:cNvPicPr>
             <a:picLocks noChangeAspect="1"/>
           </p:cNvPicPr>
@@ -8764,8 +8154,8 @@
         </p:blipFill>
         <p:spPr>
           <a:xfrm>
-            <a:off x="1752600" y="4088971"/>
-            <a:ext cx="4724400" cy="1625600"/>
+            <a:off x="2514600" y="4572000"/>
+            <a:ext cx="3760424" cy="1219200"/>
           </a:xfrm>
           <a:prstGeom prst="rect">
             <a:avLst/>
@@ -8782,13 +8172,6 @@
   <p:clrMapOvr>
     <a:masterClrMapping/>
   </p:clrMapOvr>
-  <p:timing>
-    <p:tnLst>
-      <p:par>
-        <p:cTn id="1" dur="indefinite" restart="never" nodeType="tmRoot"/>
-      </p:par>
-    </p:tnLst>
-  </p:timing>
 </p:sld>
 </file>
 
@@ -8811,9 +8194,15 @@
       </p:grpSpPr>
       <p:sp>
         <p:nvSpPr>
-          <p:cNvPr id="22543" name="Rectangle 15"/>
+          <p:cNvPr id="2" name="Title 1">
+            <a:extLst>
+              <a:ext uri="{FF2B5EF4-FFF2-40B4-BE49-F238E27FC236}">
+                <a16:creationId xmlns:a16="http://schemas.microsoft.com/office/drawing/2014/main" id="{9256EDF0-DBBF-054E-95F9-FB2FC5A8C1EA}"/>
+              </a:ext>
+            </a:extLst>
+          </p:cNvPr>
           <p:cNvSpPr>
-            <a:spLocks noGrp="1" noChangeArrowheads="1"/>
+            <a:spLocks noGrp="1"/>
           </p:cNvSpPr>
           <p:nvPr>
             <p:ph type="title"/>
@@ -8825,157 +8214,92 @@
           <a:lstStyle/>
           <a:p>
             <a:r>
-              <a:rPr lang="en-US"/>
-              <a:t>Type Descriptors vs. Values</a:t>
+              <a:rPr lang="en-US" dirty="0"/>
+              <a:t>Type Checking</a:t>
             </a:r>
           </a:p>
         </p:txBody>
       </p:sp>
-      <p:sp>
-        <p:nvSpPr>
-          <p:cNvPr id="22544" name="Rectangle 16"/>
-          <p:cNvSpPr>
-            <a:spLocks noGrp="1" noChangeArrowheads="1"/>
-          </p:cNvSpPr>
-          <p:nvPr>
-            <p:ph type="body" idx="1"/>
-          </p:nvPr>
-        </p:nvSpPr>
-        <p:spPr/>
-        <p:txBody>
-          <a:bodyPr/>
-          <a:lstStyle/>
-          <a:p>
-            <a:pPr>
-              <a:lnSpc>
-                <a:spcPct val="90000"/>
-              </a:lnSpc>
-            </a:pPr>
-            <a:r>
-              <a:rPr lang="en-US" dirty="0"/>
-              <a:t>Type Descriptors are just structural descriptions of the type in the AST</a:t>
-            </a:r>
-          </a:p>
-          <a:p>
-            <a:pPr>
-              <a:lnSpc>
-                <a:spcPct val="90000"/>
-              </a:lnSpc>
-            </a:pPr>
-            <a:r>
-              <a:rPr lang="en-US" dirty="0"/>
-              <a:t>Values are object that can hold values that we can compute with:</a:t>
-            </a:r>
-          </a:p>
-          <a:p>
-            <a:pPr lvl="1">
-              <a:lnSpc>
-                <a:spcPct val="90000"/>
-              </a:lnSpc>
-            </a:pPr>
-            <a:r>
-              <a:rPr lang="en-US" dirty="0" err="1" smtClean="0"/>
-              <a:t>IntValue</a:t>
-            </a:r>
-            <a:r>
-              <a:rPr lang="en-US" dirty="0" smtClean="0"/>
-              <a:t> </a:t>
-            </a:r>
-            <a:r>
-              <a:rPr lang="en-US" dirty="0"/>
-              <a:t>- holds an integer value</a:t>
-            </a:r>
-          </a:p>
-          <a:p>
-            <a:pPr lvl="1">
-              <a:lnSpc>
-                <a:spcPct val="90000"/>
-              </a:lnSpc>
-            </a:pPr>
-            <a:r>
-              <a:rPr lang="en-US" dirty="0" err="1" smtClean="0"/>
-              <a:t>FloatValue</a:t>
-            </a:r>
-            <a:r>
-              <a:rPr lang="en-US" dirty="0" smtClean="0"/>
-              <a:t> </a:t>
-            </a:r>
-            <a:r>
-              <a:rPr lang="en-US" dirty="0"/>
-              <a:t>- holds a real value</a:t>
-            </a:r>
-          </a:p>
-          <a:p>
-            <a:pPr lvl="1">
-              <a:lnSpc>
-                <a:spcPct val="90000"/>
-              </a:lnSpc>
-            </a:pPr>
-            <a:r>
-              <a:rPr lang="en-US" dirty="0" err="1" smtClean="0"/>
-              <a:t>StringValue</a:t>
-            </a:r>
-            <a:r>
-              <a:rPr lang="en-US" dirty="0" smtClean="0"/>
-              <a:t> </a:t>
-            </a:r>
-            <a:r>
-              <a:rPr lang="en-US" dirty="0"/>
-              <a:t>- holds a string value</a:t>
-            </a:r>
-          </a:p>
-          <a:p>
-            <a:pPr lvl="1">
-              <a:lnSpc>
-                <a:spcPct val="90000"/>
-              </a:lnSpc>
-            </a:pPr>
-            <a:r>
-              <a:rPr lang="en-US" dirty="0" err="1" smtClean="0"/>
-              <a:t>ArrayValue</a:t>
-            </a:r>
-            <a:r>
-              <a:rPr lang="en-US" dirty="0" smtClean="0"/>
-              <a:t> </a:t>
-            </a:r>
-            <a:r>
-              <a:rPr lang="en-US" dirty="0"/>
-              <a:t>- holds the values of its elements with the appropriate element type</a:t>
-            </a:r>
-          </a:p>
-          <a:p>
-            <a:pPr lvl="1">
-              <a:lnSpc>
-                <a:spcPct val="90000"/>
-              </a:lnSpc>
-            </a:pPr>
-            <a:r>
-              <a:rPr lang="en-US" dirty="0" err="1" smtClean="0"/>
-              <a:t>FunctionValue</a:t>
-            </a:r>
-            <a:r>
-              <a:rPr lang="en-US" dirty="0" smtClean="0"/>
-              <a:t> </a:t>
-            </a:r>
-            <a:r>
-              <a:rPr lang="en-US" dirty="0"/>
-              <a:t>- holds a function value</a:t>
-            </a:r>
-          </a:p>
-        </p:txBody>
-      </p:sp>
+      <p:pic>
+        <p:nvPicPr>
+          <p:cNvPr id="3" name="Picture 2">
+            <a:extLst>
+              <a:ext uri="{FF2B5EF4-FFF2-40B4-BE49-F238E27FC236}">
+                <a16:creationId xmlns:a16="http://schemas.microsoft.com/office/drawing/2014/main" id="{5A5AE3C4-3737-A348-B479-E6C0E2E18DB4}"/>
+              </a:ext>
+            </a:extLst>
+          </p:cNvPr>
+          <p:cNvPicPr>
+            <a:picLocks noChangeAspect="1"/>
+          </p:cNvPicPr>
+          <p:nvPr/>
+        </p:nvPicPr>
+        <p:blipFill>
+          <a:blip r:embed="rId2"/>
+          <a:stretch>
+            <a:fillRect/>
+          </a:stretch>
+        </p:blipFill>
+        <p:spPr>
+          <a:xfrm>
+            <a:off x="457200" y="1676400"/>
+            <a:ext cx="5651500" cy="2203867"/>
+          </a:xfrm>
+          <a:prstGeom prst="rect">
+            <a:avLst/>
+          </a:prstGeom>
+          <a:ln>
+            <a:solidFill>
+              <a:schemeClr val="tx1"/>
+            </a:solidFill>
+          </a:ln>
+        </p:spPr>
+      </p:pic>
+      <p:pic>
+        <p:nvPicPr>
+          <p:cNvPr id="4" name="Picture 3">
+            <a:extLst>
+              <a:ext uri="{FF2B5EF4-FFF2-40B4-BE49-F238E27FC236}">
+                <a16:creationId xmlns:a16="http://schemas.microsoft.com/office/drawing/2014/main" id="{97579F58-DAC0-6242-9895-D22A64B560C0}"/>
+              </a:ext>
+            </a:extLst>
+          </p:cNvPr>
+          <p:cNvPicPr>
+            <a:picLocks noChangeAspect="1"/>
+          </p:cNvPicPr>
+          <p:nvPr/>
+        </p:nvPicPr>
+        <p:blipFill>
+          <a:blip r:embed="rId3"/>
+          <a:stretch>
+            <a:fillRect/>
+          </a:stretch>
+        </p:blipFill>
+        <p:spPr>
+          <a:xfrm>
+            <a:off x="3396773" y="3568700"/>
+            <a:ext cx="5302727" cy="2908300"/>
+          </a:xfrm>
+          <a:prstGeom prst="rect">
+            <a:avLst/>
+          </a:prstGeom>
+          <a:ln>
+            <a:solidFill>
+              <a:schemeClr val="tx1"/>
+            </a:solidFill>
+          </a:ln>
+        </p:spPr>
+      </p:pic>
     </p:spTree>
+    <p:extLst>
+      <p:ext uri="{BB962C8B-B14F-4D97-AF65-F5344CB8AC3E}">
+        <p14:creationId xmlns:p14="http://schemas.microsoft.com/office/powerpoint/2010/main" val="2892437257"/>
+      </p:ext>
+    </p:extLst>
   </p:cSld>
   <p:clrMapOvr>
     <a:masterClrMapping/>
   </p:clrMapOvr>
-  <p:timing>
-    <p:tnLst>
-      <p:par>
-        <p:cTn id="1" dur="indefinite" restart="never" nodeType="tmRoot"/>
-      </p:par>
-    </p:tnLst>
-  </p:timing>
 </p:sld>
 </file>
 
@@ -8998,52 +8322,15 @@
       </p:grpSpPr>
       <p:sp>
         <p:nvSpPr>
-          <p:cNvPr id="23554" name="Rectangle 2"/>
+          <p:cNvPr id="2" name="Title 1">
+            <a:extLst>
+              <a:ext uri="{FF2B5EF4-FFF2-40B4-BE49-F238E27FC236}">
+                <a16:creationId xmlns:a16="http://schemas.microsoft.com/office/drawing/2014/main" id="{EE3B4F71-053D-F249-8739-FC74626A218E}"/>
+              </a:ext>
+            </a:extLst>
+          </p:cNvPr>
           <p:cNvSpPr>
-            <a:spLocks noChangeArrowheads="1"/>
-          </p:cNvSpPr>
-          <p:nvPr/>
-        </p:nvSpPr>
-        <p:spPr bwMode="auto">
-          <a:xfrm>
-            <a:off x="381000" y="2146300"/>
-            <a:ext cx="4724400" cy="4267200"/>
-          </a:xfrm>
-          <a:prstGeom prst="rect">
-            <a:avLst/>
-          </a:prstGeom>
-          <a:noFill/>
-          <a:ln w="9525">
-            <a:solidFill>
-              <a:schemeClr val="tx1"/>
-            </a:solidFill>
-            <a:miter lim="800000"/>
-            <a:headEnd/>
-            <a:tailEnd/>
-          </a:ln>
-          <a:extLst>
-            <a:ext uri="{909E8E84-426E-40dd-AFC4-6F175D3DCCD1}">
-              <a14:hiddenFill xmlns:a14="http://schemas.microsoft.com/office/drawing/2010/main" xmlns="">
-                <a:solidFill>
-                  <a:schemeClr val="accent1"/>
-                </a:solidFill>
-              </a14:hiddenFill>
-            </a:ext>
-          </a:extLst>
-        </p:spPr>
-        <p:txBody>
-          <a:bodyPr wrap="none" anchor="ctr"/>
-          <a:lstStyle/>
-          <a:p>
-            <a:endParaRPr lang="en-US"/>
-          </a:p>
-        </p:txBody>
-      </p:sp>
-      <p:sp>
-        <p:nvSpPr>
-          <p:cNvPr id="23555" name="Rectangle 3"/>
-          <p:cNvSpPr>
-            <a:spLocks noGrp="1" noChangeArrowheads="1"/>
+            <a:spLocks noGrp="1"/>
           </p:cNvSpPr>
           <p:nvPr>
             <p:ph type="title"/>
@@ -9055,621 +8342,520 @@
           <a:lstStyle/>
           <a:p>
             <a:r>
-              <a:rPr lang="en-US"/>
-              <a:t>Type Descriptors vs Values</a:t>
+              <a:rPr lang="en-US" dirty="0"/>
+              <a:t>Interpretation</a:t>
+            </a:r>
+          </a:p>
+        </p:txBody>
+      </p:sp>
+      <p:pic>
+        <p:nvPicPr>
+          <p:cNvPr id="3" name="Picture 2">
+            <a:extLst>
+              <a:ext uri="{FF2B5EF4-FFF2-40B4-BE49-F238E27FC236}">
+                <a16:creationId xmlns:a16="http://schemas.microsoft.com/office/drawing/2014/main" id="{E57777DC-4886-D14E-89E4-D7EA118B8744}"/>
+              </a:ext>
+            </a:extLst>
+          </p:cNvPr>
+          <p:cNvPicPr>
+            <a:picLocks noChangeAspect="1"/>
+          </p:cNvPicPr>
+          <p:nvPr/>
+        </p:nvPicPr>
+        <p:blipFill>
+          <a:blip r:embed="rId2"/>
+          <a:stretch>
+            <a:fillRect/>
+          </a:stretch>
+        </p:blipFill>
+        <p:spPr>
+          <a:xfrm>
+            <a:off x="457200" y="1524000"/>
+            <a:ext cx="5372100" cy="3042033"/>
+          </a:xfrm>
+          <a:prstGeom prst="rect">
+            <a:avLst/>
+          </a:prstGeom>
+          <a:ln>
+            <a:solidFill>
+              <a:schemeClr val="tx1"/>
+            </a:solidFill>
+          </a:ln>
+        </p:spPr>
+      </p:pic>
+      <p:pic>
+        <p:nvPicPr>
+          <p:cNvPr id="4" name="Picture 3">
+            <a:extLst>
+              <a:ext uri="{FF2B5EF4-FFF2-40B4-BE49-F238E27FC236}">
+                <a16:creationId xmlns:a16="http://schemas.microsoft.com/office/drawing/2014/main" id="{95431493-D93C-4D4B-A06A-98C49D8797AB}"/>
+              </a:ext>
+            </a:extLst>
+          </p:cNvPr>
+          <p:cNvPicPr>
+            <a:picLocks noChangeAspect="1"/>
+          </p:cNvPicPr>
+          <p:nvPr/>
+        </p:nvPicPr>
+        <p:blipFill>
+          <a:blip r:embed="rId3"/>
+          <a:stretch>
+            <a:fillRect/>
+          </a:stretch>
+        </p:blipFill>
+        <p:spPr>
+          <a:xfrm>
+            <a:off x="5029200" y="3276600"/>
+            <a:ext cx="3175000" cy="1143000"/>
+          </a:xfrm>
+          <a:prstGeom prst="rect">
+            <a:avLst/>
+          </a:prstGeom>
+          <a:ln>
+            <a:solidFill>
+              <a:schemeClr val="tx1"/>
+            </a:solidFill>
+          </a:ln>
+        </p:spPr>
+      </p:pic>
+      <p:pic>
+        <p:nvPicPr>
+          <p:cNvPr id="5" name="Picture 4">
+            <a:extLst>
+              <a:ext uri="{FF2B5EF4-FFF2-40B4-BE49-F238E27FC236}">
+                <a16:creationId xmlns:a16="http://schemas.microsoft.com/office/drawing/2014/main" id="{4B6DEE96-DA0F-E44B-931E-428E7A47D230}"/>
+              </a:ext>
+            </a:extLst>
+          </p:cNvPr>
+          <p:cNvPicPr>
+            <a:picLocks noChangeAspect="1"/>
+          </p:cNvPicPr>
+          <p:nvPr/>
+        </p:nvPicPr>
+        <p:blipFill>
+          <a:blip r:embed="rId4"/>
+          <a:stretch>
+            <a:fillRect/>
+          </a:stretch>
+        </p:blipFill>
+        <p:spPr>
+          <a:xfrm>
+            <a:off x="1997075" y="4419600"/>
+            <a:ext cx="5149850" cy="2257926"/>
+          </a:xfrm>
+          <a:prstGeom prst="rect">
+            <a:avLst/>
+          </a:prstGeom>
+          <a:ln>
+            <a:solidFill>
+              <a:schemeClr val="tx1"/>
+            </a:solidFill>
+          </a:ln>
+        </p:spPr>
+      </p:pic>
+    </p:spTree>
+    <p:extLst>
+      <p:ext uri="{BB962C8B-B14F-4D97-AF65-F5344CB8AC3E}">
+        <p14:creationId xmlns:p14="http://schemas.microsoft.com/office/powerpoint/2010/main" val="1488942530"/>
+      </p:ext>
+    </p:extLst>
+  </p:cSld>
+  <p:clrMapOvr>
+    <a:masterClrMapping/>
+  </p:clrMapOvr>
+</p:sld>
+</file>
+
+<file path=ppt/slides/slide12.xml><?xml version="1.0" encoding="utf-8"?>
+<p:sld xmlns:a="http://schemas.openxmlformats.org/drawingml/2006/main" xmlns:r="http://schemas.openxmlformats.org/officeDocument/2006/relationships" xmlns:p="http://schemas.openxmlformats.org/presentationml/2006/main">
+  <p:cSld>
+    <p:spTree>
+      <p:nvGrpSpPr>
+        <p:cNvPr id="1" name=""/>
+        <p:cNvGrpSpPr/>
+        <p:nvPr/>
+      </p:nvGrpSpPr>
+      <p:grpSpPr>
+        <a:xfrm>
+          <a:off x="0" y="0"/>
+          <a:ext cx="0" cy="0"/>
+          <a:chOff x="0" y="0"/>
+          <a:chExt cx="0" cy="0"/>
+        </a:xfrm>
+      </p:grpSpPr>
+      <p:sp>
+        <p:nvSpPr>
+          <p:cNvPr id="2" name="Title 1">
+            <a:extLst>
+              <a:ext uri="{FF2B5EF4-FFF2-40B4-BE49-F238E27FC236}">
+                <a16:creationId xmlns:a16="http://schemas.microsoft.com/office/drawing/2014/main" id="{81E6BFBE-047F-C34F-9C64-AFB7D34CCBF6}"/>
+              </a:ext>
+            </a:extLst>
+          </p:cNvPr>
+          <p:cNvSpPr>
+            <a:spLocks noGrp="1"/>
+          </p:cNvSpPr>
+          <p:nvPr>
+            <p:ph type="title"/>
+          </p:nvPr>
+        </p:nvSpPr>
+        <p:spPr/>
+        <p:txBody>
+          <a:bodyPr/>
+          <a:lstStyle/>
+          <a:p>
+            <a:r>
+              <a:rPr lang="en-US" dirty="0" err="1"/>
+              <a:t>Storables</a:t>
+            </a:r>
+            <a:endParaRPr lang="en-US" dirty="0"/>
+          </a:p>
+        </p:txBody>
+      </p:sp>
+      <p:pic>
+        <p:nvPicPr>
+          <p:cNvPr id="3" name="Picture 2">
+            <a:extLst>
+              <a:ext uri="{FF2B5EF4-FFF2-40B4-BE49-F238E27FC236}">
+                <a16:creationId xmlns:a16="http://schemas.microsoft.com/office/drawing/2014/main" id="{E3E83BB5-E6DF-B749-9FA4-00994ADA11C4}"/>
+              </a:ext>
+            </a:extLst>
+          </p:cNvPr>
+          <p:cNvPicPr>
+            <a:picLocks noChangeAspect="1"/>
+          </p:cNvPicPr>
+          <p:nvPr/>
+        </p:nvPicPr>
+        <p:blipFill>
+          <a:blip r:embed="rId2"/>
+          <a:stretch>
+            <a:fillRect/>
+          </a:stretch>
+        </p:blipFill>
+        <p:spPr>
+          <a:xfrm>
+            <a:off x="4474753" y="46038"/>
+            <a:ext cx="4593047" cy="6735762"/>
+          </a:xfrm>
+          <a:prstGeom prst="rect">
+            <a:avLst/>
+          </a:prstGeom>
+          <a:ln>
+            <a:solidFill>
+              <a:schemeClr val="tx1"/>
+            </a:solidFill>
+          </a:ln>
+        </p:spPr>
+      </p:pic>
+      <p:pic>
+        <p:nvPicPr>
+          <p:cNvPr id="4" name="Picture 3">
+            <a:extLst>
+              <a:ext uri="{FF2B5EF4-FFF2-40B4-BE49-F238E27FC236}">
+                <a16:creationId xmlns:a16="http://schemas.microsoft.com/office/drawing/2014/main" id="{47480753-D108-4941-9FA8-4B3BFB3B8287}"/>
+              </a:ext>
+            </a:extLst>
+          </p:cNvPr>
+          <p:cNvPicPr>
+            <a:picLocks noChangeAspect="1"/>
+          </p:cNvPicPr>
+          <p:nvPr/>
+        </p:nvPicPr>
+        <p:blipFill>
+          <a:blip r:embed="rId3"/>
+          <a:stretch>
+            <a:fillRect/>
+          </a:stretch>
+        </p:blipFill>
+        <p:spPr>
+          <a:xfrm>
+            <a:off x="152400" y="2209800"/>
+            <a:ext cx="4495800" cy="2668408"/>
+          </a:xfrm>
+          <a:prstGeom prst="rect">
+            <a:avLst/>
+          </a:prstGeom>
+          <a:ln>
+            <a:solidFill>
+              <a:schemeClr val="tx1"/>
+            </a:solidFill>
+          </a:ln>
+        </p:spPr>
+      </p:pic>
+    </p:spTree>
+    <p:extLst>
+      <p:ext uri="{BB962C8B-B14F-4D97-AF65-F5344CB8AC3E}">
+        <p14:creationId xmlns:p14="http://schemas.microsoft.com/office/powerpoint/2010/main" val="3196587987"/>
+      </p:ext>
+    </p:extLst>
+  </p:cSld>
+  <p:clrMapOvr>
+    <a:masterClrMapping/>
+  </p:clrMapOvr>
+</p:sld>
+</file>
+
+<file path=ppt/slides/slide13.xml><?xml version="1.0" encoding="utf-8"?>
+<p:sld xmlns:a="http://schemas.openxmlformats.org/drawingml/2006/main" xmlns:r="http://schemas.openxmlformats.org/officeDocument/2006/relationships" xmlns:p="http://schemas.openxmlformats.org/presentationml/2006/main">
+  <p:cSld>
+    <p:spTree>
+      <p:nvGrpSpPr>
+        <p:cNvPr id="1" name=""/>
+        <p:cNvGrpSpPr/>
+        <p:nvPr/>
+      </p:nvGrpSpPr>
+      <p:grpSpPr>
+        <a:xfrm>
+          <a:off x="0" y="0"/>
+          <a:ext cx="0" cy="0"/>
+          <a:chOff x="0" y="0"/>
+          <a:chExt cx="0" cy="0"/>
+        </a:xfrm>
+      </p:grpSpPr>
+      <p:sp>
+        <p:nvSpPr>
+          <p:cNvPr id="2" name="Title 1">
+            <a:extLst>
+              <a:ext uri="{FF2B5EF4-FFF2-40B4-BE49-F238E27FC236}">
+                <a16:creationId xmlns:a16="http://schemas.microsoft.com/office/drawing/2014/main" id="{D904702F-F381-C548-9910-BF68EA866820}"/>
+              </a:ext>
+            </a:extLst>
+          </p:cNvPr>
+          <p:cNvSpPr>
+            <a:spLocks noGrp="1"/>
+          </p:cNvSpPr>
+          <p:nvPr>
+            <p:ph type="title"/>
+          </p:nvPr>
+        </p:nvSpPr>
+        <p:spPr/>
+        <p:txBody>
+          <a:bodyPr/>
+          <a:lstStyle/>
+          <a:p>
+            <a:r>
+              <a:rPr lang="en-US" dirty="0"/>
+              <a:t>Call-by-Reference</a:t>
             </a:r>
           </a:p>
         </p:txBody>
       </p:sp>
       <p:sp>
         <p:nvSpPr>
-          <p:cNvPr id="23556" name="Rectangle 4"/>
+          <p:cNvPr id="3" name="Content Placeholder 2">
+            <a:extLst>
+              <a:ext uri="{FF2B5EF4-FFF2-40B4-BE49-F238E27FC236}">
+                <a16:creationId xmlns:a16="http://schemas.microsoft.com/office/drawing/2014/main" id="{96A8FCA9-7629-4C44-8D32-0E50258E26F5}"/>
+              </a:ext>
+            </a:extLst>
+          </p:cNvPr>
           <p:cNvSpPr>
-            <a:spLocks noChangeArrowheads="1"/>
+            <a:spLocks noGrp="1"/>
           </p:cNvSpPr>
+          <p:nvPr>
+            <p:ph idx="1"/>
+          </p:nvPr>
+        </p:nvSpPr>
+        <p:spPr>
+          <a:xfrm>
+            <a:off x="457200" y="1719263"/>
+            <a:ext cx="8458200" cy="719137"/>
+          </a:xfrm>
+        </p:spPr>
+        <p:txBody>
+          <a:bodyPr>
+            <a:normAutofit fontScale="77500" lnSpcReduction="20000"/>
+          </a:bodyPr>
+          <a:lstStyle/>
+          <a:p>
+            <a:r>
+              <a:rPr lang="en-US" dirty="0"/>
+              <a:t>The call-by-reference for arrays is implemented in the </a:t>
+            </a:r>
+            <a:r>
+              <a:rPr lang="en-US" dirty="0" err="1"/>
+              <a:t>declare_formal_args</a:t>
+            </a:r>
+            <a:r>
+              <a:rPr lang="en-US" dirty="0"/>
+              <a:t> function</a:t>
+            </a:r>
+          </a:p>
+        </p:txBody>
+      </p:sp>
+      <p:pic>
+        <p:nvPicPr>
+          <p:cNvPr id="4" name="Picture 3">
+            <a:extLst>
+              <a:ext uri="{FF2B5EF4-FFF2-40B4-BE49-F238E27FC236}">
+                <a16:creationId xmlns:a16="http://schemas.microsoft.com/office/drawing/2014/main" id="{7A0026BC-3299-FC40-96D0-9BB906A4B153}"/>
+              </a:ext>
+            </a:extLst>
+          </p:cNvPr>
+          <p:cNvPicPr>
+            <a:picLocks noChangeAspect="1"/>
+          </p:cNvPicPr>
           <p:nvPr/>
-        </p:nvSpPr>
-        <p:spPr bwMode="auto">
+        </p:nvPicPr>
+        <p:blipFill>
+          <a:blip r:embed="rId2"/>
+          <a:stretch>
+            <a:fillRect/>
+          </a:stretch>
+        </p:blipFill>
+        <p:spPr>
           <a:xfrm>
-            <a:off x="701675" y="2527300"/>
-            <a:ext cx="1828800" cy="1371600"/>
+            <a:off x="1612900" y="3016251"/>
+            <a:ext cx="5918200" cy="3111500"/>
           </a:xfrm>
           <a:prstGeom prst="rect">
             <a:avLst/>
           </a:prstGeom>
-          <a:noFill/>
-          <a:ln w="9525">
+          <a:ln>
             <a:solidFill>
               <a:schemeClr val="tx1"/>
             </a:solidFill>
-            <a:miter lim="800000"/>
-            <a:headEnd/>
-            <a:tailEnd/>
           </a:ln>
-          <a:extLst>
-            <a:ext uri="{909E8E84-426E-40dd-AFC4-6F175D3DCCD1}">
-              <a14:hiddenFill xmlns:a14="http://schemas.microsoft.com/office/drawing/2010/main" xmlns="">
-                <a:solidFill>
-                  <a:schemeClr val="accent1"/>
-                </a:solidFill>
-              </a14:hiddenFill>
-            </a:ext>
-          </a:extLst>
         </p:spPr>
+      </p:pic>
+    </p:spTree>
+    <p:extLst>
+      <p:ext uri="{BB962C8B-B14F-4D97-AF65-F5344CB8AC3E}">
+        <p14:creationId xmlns:p14="http://schemas.microsoft.com/office/powerpoint/2010/main" val="3560538629"/>
+      </p:ext>
+    </p:extLst>
+  </p:cSld>
+  <p:clrMapOvr>
+    <a:masterClrMapping/>
+  </p:clrMapOvr>
+</p:sld>
+</file>
+
+<file path=ppt/slides/slide14.xml><?xml version="1.0" encoding="utf-8"?>
+<p:sld xmlns:a="http://schemas.openxmlformats.org/drawingml/2006/main" xmlns:r="http://schemas.openxmlformats.org/officeDocument/2006/relationships" xmlns:p="http://schemas.openxmlformats.org/presentationml/2006/main">
+  <p:cSld>
+    <p:spTree>
+      <p:nvGrpSpPr>
+        <p:cNvPr id="1" name=""/>
+        <p:cNvGrpSpPr/>
+        <p:nvPr/>
+      </p:nvGrpSpPr>
+      <p:grpSpPr>
+        <a:xfrm>
+          <a:off x="0" y="0"/>
+          <a:ext cx="0" cy="0"/>
+          <a:chOff x="0" y="0"/>
+          <a:chExt cx="0" cy="0"/>
+        </a:xfrm>
+      </p:grpSpPr>
+      <p:sp>
+        <p:nvSpPr>
+          <p:cNvPr id="4" name="Title 3">
+            <a:extLst>
+              <a:ext uri="{FF2B5EF4-FFF2-40B4-BE49-F238E27FC236}">
+                <a16:creationId xmlns:a16="http://schemas.microsoft.com/office/drawing/2014/main" id="{8624DFA1-ADA3-DD40-A169-4AC44A888946}"/>
+              </a:ext>
+            </a:extLst>
+          </p:cNvPr>
+          <p:cNvSpPr>
+            <a:spLocks noGrp="1"/>
+          </p:cNvSpPr>
+          <p:nvPr>
+            <p:ph type="title"/>
+          </p:nvPr>
+        </p:nvSpPr>
+        <p:spPr/>
         <p:txBody>
-          <a:bodyPr wrap="none" anchor="ctr"/>
+          <a:bodyPr/>
           <a:lstStyle/>
           <a:p>
-            <a:endParaRPr lang="en-US"/>
+            <a:r>
+              <a:rPr lang="en-US" dirty="0"/>
+              <a:t>Test Driving the Interpreter</a:t>
+            </a:r>
           </a:p>
         </p:txBody>
       </p:sp>
-      <p:sp>
-        <p:nvSpPr>
-          <p:cNvPr id="23557" name="Text Box 5"/>
-          <p:cNvSpPr txBox="1">
-            <a:spLocks noChangeArrowheads="1"/>
-          </p:cNvSpPr>
+      <p:pic>
+        <p:nvPicPr>
+          <p:cNvPr id="5" name="Picture 4">
+            <a:extLst>
+              <a:ext uri="{FF2B5EF4-FFF2-40B4-BE49-F238E27FC236}">
+                <a16:creationId xmlns:a16="http://schemas.microsoft.com/office/drawing/2014/main" id="{4C93EAD6-2F47-F045-8FFC-636223C60921}"/>
+              </a:ext>
+            </a:extLst>
+          </p:cNvPr>
+          <p:cNvPicPr>
+            <a:picLocks noChangeAspect="1"/>
+          </p:cNvPicPr>
           <p:nvPr/>
-        </p:nvSpPr>
-        <p:spPr bwMode="auto">
+        </p:nvPicPr>
+        <p:blipFill>
+          <a:blip r:embed="rId2"/>
+          <a:stretch>
+            <a:fillRect/>
+          </a:stretch>
+        </p:blipFill>
+        <p:spPr>
           <a:xfrm>
-            <a:off x="762000" y="2209800"/>
-            <a:ext cx="946150" cy="244475"/>
+            <a:off x="482600" y="1752600"/>
+            <a:ext cx="4394200" cy="2146300"/>
           </a:xfrm>
           <a:prstGeom prst="rect">
             <a:avLst/>
           </a:prstGeom>
-          <a:noFill/>
           <a:ln>
-            <a:noFill/>
+            <a:solidFill>
+              <a:schemeClr val="tx1"/>
+            </a:solidFill>
           </a:ln>
-          <a:extLst>
-            <a:ext uri="{909E8E84-426E-40dd-AFC4-6F175D3DCCD1}">
-              <a14:hiddenFill xmlns:a14="http://schemas.microsoft.com/office/drawing/2010/main" xmlns="">
-                <a:solidFill>
-                  <a:schemeClr val="accent1"/>
-                </a:solidFill>
-              </a14:hiddenFill>
-            </a:ext>
-            <a:ext uri="{91240B29-F687-4f45-9708-019B960494DF}">
-              <a14:hiddenLine xmlns:a14="http://schemas.microsoft.com/office/drawing/2010/main" xmlns="" w="9525">
-                <a:solidFill>
-                  <a:schemeClr val="tx1"/>
-                </a:solidFill>
-                <a:miter lim="800000"/>
-                <a:headEnd/>
-                <a:tailEnd/>
-              </a14:hiddenLine>
-            </a:ext>
-          </a:extLst>
         </p:spPr>
-        <p:txBody>
-          <a:bodyPr wrap="none">
-            <a:spAutoFit/>
-          </a:bodyPr>
-          <a:lstStyle/>
-          <a:p>
-            <a:r>
-              <a:rPr lang="en-US" sz="1000"/>
-              <a:t>Global Scope</a:t>
-            </a:r>
-          </a:p>
-        </p:txBody>
-      </p:sp>
-      <p:sp>
-        <p:nvSpPr>
-          <p:cNvPr id="23558" name="Text Box 6"/>
-          <p:cNvSpPr txBox="1">
-            <a:spLocks noChangeArrowheads="1"/>
-          </p:cNvSpPr>
+      </p:pic>
+      <p:pic>
+        <p:nvPicPr>
+          <p:cNvPr id="6" name="Picture 5">
+            <a:extLst>
+              <a:ext uri="{FF2B5EF4-FFF2-40B4-BE49-F238E27FC236}">
+                <a16:creationId xmlns:a16="http://schemas.microsoft.com/office/drawing/2014/main" id="{E9716161-DBEB-2944-A0C8-1721CAC4AA8C}"/>
+              </a:ext>
+            </a:extLst>
+          </p:cNvPr>
+          <p:cNvPicPr>
+            <a:picLocks noChangeAspect="1"/>
+          </p:cNvPicPr>
           <p:nvPr/>
-        </p:nvSpPr>
-        <p:spPr bwMode="auto">
+        </p:nvPicPr>
+        <p:blipFill>
+          <a:blip r:embed="rId3"/>
+          <a:stretch>
+            <a:fillRect/>
+          </a:stretch>
+        </p:blipFill>
+        <p:spPr>
           <a:xfrm>
-            <a:off x="3429000" y="2590800"/>
-            <a:ext cx="1450975" cy="254000"/>
+            <a:off x="4229100" y="3276600"/>
+            <a:ext cx="3632200" cy="3009900"/>
           </a:xfrm>
           <a:prstGeom prst="rect">
             <a:avLst/>
           </a:prstGeom>
-          <a:noFill/>
-          <a:ln w="9525">
+          <a:ln>
             <a:solidFill>
               <a:schemeClr val="tx1"/>
             </a:solidFill>
-            <a:miter lim="800000"/>
-            <a:headEnd/>
-            <a:tailEnd/>
-          </a:ln>
-          <a:extLst>
-            <a:ext uri="{909E8E84-426E-40dd-AFC4-6F175D3DCCD1}">
-              <a14:hiddenFill xmlns:a14="http://schemas.microsoft.com/office/drawing/2010/main" xmlns="">
-                <a:solidFill>
-                  <a:schemeClr val="accent1"/>
-                </a:solidFill>
-              </a14:hiddenFill>
-            </a:ext>
-          </a:extLst>
-        </p:spPr>
-        <p:txBody>
-          <a:bodyPr wrap="none">
-            <a:spAutoFit/>
-          </a:bodyPr>
-          <a:lstStyle/>
-          <a:p>
-            <a:r>
-              <a:rPr lang="en-US" sz="1000"/>
-              <a:t>Current Scope Pointer</a:t>
-            </a:r>
-          </a:p>
-        </p:txBody>
-      </p:sp>
-      <p:sp>
-        <p:nvSpPr>
-          <p:cNvPr id="23559" name="Text Box 7"/>
-          <p:cNvSpPr txBox="1">
-            <a:spLocks noChangeArrowheads="1"/>
-          </p:cNvSpPr>
-          <p:nvPr/>
-        </p:nvSpPr>
-        <p:spPr bwMode="auto">
-          <a:xfrm>
-            <a:off x="441325" y="1905000"/>
-            <a:ext cx="960438" cy="244475"/>
-          </a:xfrm>
-          <a:prstGeom prst="rect">
-            <a:avLst/>
-          </a:prstGeom>
-          <a:noFill/>
-          <a:ln>
-            <a:noFill/>
-          </a:ln>
-          <a:extLst>
-            <a:ext uri="{909E8E84-426E-40dd-AFC4-6F175D3DCCD1}">
-              <a14:hiddenFill xmlns:a14="http://schemas.microsoft.com/office/drawing/2010/main" xmlns="">
-                <a:solidFill>
-                  <a:schemeClr val="accent1"/>
-                </a:solidFill>
-              </a14:hiddenFill>
-            </a:ext>
-            <a:ext uri="{91240B29-F687-4f45-9708-019B960494DF}">
-              <a14:hiddenLine xmlns:a14="http://schemas.microsoft.com/office/drawing/2010/main" xmlns="" w="9525">
-                <a:solidFill>
-                  <a:schemeClr val="tx1"/>
-                </a:solidFill>
-                <a:miter lim="800000"/>
-                <a:headEnd/>
-                <a:tailEnd/>
-              </a14:hiddenLine>
-            </a:ext>
-          </a:extLst>
-        </p:spPr>
-        <p:txBody>
-          <a:bodyPr wrap="none">
-            <a:spAutoFit/>
-          </a:bodyPr>
-          <a:lstStyle/>
-          <a:p>
-            <a:r>
-              <a:rPr lang="en-US" sz="1000"/>
-              <a:t>Symbol Table</a:t>
-            </a:r>
-          </a:p>
-        </p:txBody>
-      </p:sp>
-      <p:cxnSp>
-        <p:nvCxnSpPr>
-          <p:cNvPr id="23560" name="AutoShape 8"/>
-          <p:cNvCxnSpPr>
-            <a:cxnSpLocks noChangeShapeType="1"/>
-            <a:stCxn id="23558" idx="1"/>
-            <a:endCxn id="23556" idx="3"/>
-          </p:cNvCxnSpPr>
-          <p:nvPr/>
-        </p:nvCxnSpPr>
-        <p:spPr bwMode="auto">
-          <a:xfrm rot="10800000" flipV="1">
-            <a:off x="2530475" y="2717800"/>
-            <a:ext cx="898525" cy="495300"/>
-          </a:xfrm>
-          <a:prstGeom prst="curvedConnector3">
-            <a:avLst>
-              <a:gd name="adj1" fmla="val 50000"/>
-            </a:avLst>
-          </a:prstGeom>
-          <a:noFill/>
-          <a:ln w="9525">
-            <a:solidFill>
-              <a:schemeClr val="tx1"/>
-            </a:solidFill>
-            <a:round/>
-            <a:headEnd/>
-            <a:tailEnd type="triangle" w="med" len="med"/>
-          </a:ln>
-          <a:extLst>
-            <a:ext uri="{909E8E84-426E-40dd-AFC4-6F175D3DCCD1}">
-              <a14:hiddenFill xmlns:a14="http://schemas.microsoft.com/office/drawing/2010/main" xmlns="">
-                <a:noFill/>
-              </a14:hiddenFill>
-            </a:ext>
-          </a:extLst>
-        </p:spPr>
-      </p:cxnSp>
-      <p:sp>
-        <p:nvSpPr>
-          <p:cNvPr id="23561" name="Text Box 9"/>
-          <p:cNvSpPr txBox="1">
-            <a:spLocks noChangeArrowheads="1"/>
-          </p:cNvSpPr>
-          <p:nvPr/>
-        </p:nvSpPr>
-        <p:spPr bwMode="auto">
-          <a:xfrm>
-            <a:off x="6065838" y="2305050"/>
-            <a:ext cx="2028825" cy="322263"/>
-          </a:xfrm>
-          <a:prstGeom prst="rect">
-            <a:avLst/>
-          </a:prstGeom>
-          <a:noFill/>
-          <a:ln w="9525">
-            <a:solidFill>
-              <a:schemeClr val="tx1"/>
-            </a:solidFill>
-            <a:miter lim="800000"/>
-            <a:headEnd/>
-            <a:tailEnd/>
-          </a:ln>
-          <a:extLst>
-            <a:ext uri="{909E8E84-426E-40dd-AFC4-6F175D3DCCD1}">
-              <a14:hiddenFill xmlns:a14="http://schemas.microsoft.com/office/drawing/2010/main" xmlns="">
-                <a:solidFill>
-                  <a:schemeClr val="accent1"/>
-                </a:solidFill>
-              </a14:hiddenFill>
-            </a:ext>
-          </a:extLst>
-        </p:spPr>
-        <p:txBody>
-          <a:bodyPr wrap="none">
-            <a:spAutoFit/>
-          </a:bodyPr>
-          <a:lstStyle/>
-          <a:p>
-            <a:pPr eaLnBrk="1" hangingPunct="1">
-              <a:lnSpc>
-                <a:spcPct val="90000"/>
-              </a:lnSpc>
-              <a:spcBef>
-                <a:spcPct val="20000"/>
-              </a:spcBef>
-              <a:buClr>
-                <a:schemeClr val="accent2"/>
-              </a:buClr>
-              <a:buSzPct val="70000"/>
-              <a:buFont typeface="Wingdings" charset="0"/>
-              <a:buNone/>
-            </a:pPr>
-            <a:r>
-              <a:rPr lang="en-US"/>
-              <a:t>int[3] a = { 3,-2,10 }; </a:t>
-            </a:r>
-          </a:p>
-        </p:txBody>
-      </p:sp>
-      <p:sp>
-        <p:nvSpPr>
-          <p:cNvPr id="23562" name="AutoShape 10"/>
-          <p:cNvSpPr>
-            <a:spLocks noChangeArrowheads="1"/>
-          </p:cNvSpPr>
-          <p:nvPr/>
-        </p:nvSpPr>
-        <p:spPr bwMode="auto">
-          <a:xfrm>
-            <a:off x="5638800" y="2286000"/>
-            <a:ext cx="457200" cy="304800"/>
-          </a:xfrm>
-          <a:prstGeom prst="rightArrow">
-            <a:avLst>
-              <a:gd name="adj1" fmla="val 50000"/>
-              <a:gd name="adj2" fmla="val 37500"/>
-            </a:avLst>
-          </a:prstGeom>
-          <a:solidFill>
-            <a:schemeClr val="accent1"/>
-          </a:solidFill>
-          <a:ln w="9525">
-            <a:solidFill>
-              <a:schemeClr val="tx1"/>
-            </a:solidFill>
-            <a:miter lim="800000"/>
-            <a:headEnd/>
-            <a:tailEnd/>
           </a:ln>
         </p:spPr>
-        <p:txBody>
-          <a:bodyPr wrap="none" anchor="ctr"/>
-          <a:lstStyle/>
-          <a:p>
-            <a:endParaRPr lang="en-US"/>
-          </a:p>
-        </p:txBody>
-      </p:sp>
-      <p:sp>
-        <p:nvSpPr>
-          <p:cNvPr id="23563" name="Text Box 11"/>
-          <p:cNvSpPr txBox="1">
-            <a:spLocks noChangeArrowheads="1"/>
-          </p:cNvSpPr>
-          <p:nvPr/>
-        </p:nvSpPr>
-        <p:spPr bwMode="auto">
-          <a:xfrm>
-            <a:off x="746125" y="2582863"/>
-            <a:ext cx="1692275" cy="244475"/>
-          </a:xfrm>
-          <a:prstGeom prst="rect">
-            <a:avLst/>
-          </a:prstGeom>
-          <a:noFill/>
-          <a:ln>
-            <a:noFill/>
-          </a:ln>
-          <a:extLst>
-            <a:ext uri="{909E8E84-426E-40dd-AFC4-6F175D3DCCD1}">
-              <a14:hiddenFill xmlns:a14="http://schemas.microsoft.com/office/drawing/2010/main" xmlns="">
-                <a:solidFill>
-                  <a:schemeClr val="accent1"/>
-                </a:solidFill>
-              </a14:hiddenFill>
-            </a:ext>
-            <a:ext uri="{91240B29-F687-4f45-9708-019B960494DF}">
-              <a14:hiddenLine xmlns:a14="http://schemas.microsoft.com/office/drawing/2010/main" xmlns="" w="9525">
-                <a:solidFill>
-                  <a:schemeClr val="tx1"/>
-                </a:solidFill>
-                <a:miter lim="800000"/>
-                <a:headEnd/>
-                <a:tailEnd/>
-              </a14:hiddenLine>
-            </a:ext>
-          </a:extLst>
-        </p:spPr>
-        <p:txBody>
-          <a:bodyPr>
-            <a:spAutoFit/>
-          </a:bodyPr>
-          <a:lstStyle/>
-          <a:p>
-            <a:r>
-              <a:rPr lang="en-US" sz="1000"/>
-              <a:t>a </a:t>
-            </a:r>
-            <a:r>
-              <a:rPr lang="en-US" sz="1000">
-                <a:sym typeface="Symbol" charset="0"/>
-              </a:rPr>
-              <a:t> Array int 3 </a:t>
-            </a:r>
-            <a:r>
-              <a:rPr lang="en-US" sz="1000">
-                <a:solidFill>
-                  <a:srgbClr val="FF0000"/>
-                </a:solidFill>
-                <a:sym typeface="Symbol" charset="0"/>
-              </a:rPr>
-              <a:t>{3,-2,10}</a:t>
-            </a:r>
-          </a:p>
-        </p:txBody>
-      </p:sp>
-      <p:sp>
-        <p:nvSpPr>
-          <p:cNvPr id="23564" name="AutoShape 12"/>
-          <p:cNvSpPr>
-            <a:spLocks/>
-          </p:cNvSpPr>
-          <p:nvPr/>
-        </p:nvSpPr>
-        <p:spPr bwMode="auto">
-          <a:xfrm rot="-5400000">
-            <a:off x="1600200" y="2286000"/>
-            <a:ext cx="152400" cy="1219200"/>
-          </a:xfrm>
-          <a:prstGeom prst="leftBrace">
-            <a:avLst>
-              <a:gd name="adj1" fmla="val 66667"/>
-              <a:gd name="adj2" fmla="val 50000"/>
-            </a:avLst>
-          </a:prstGeom>
-          <a:noFill/>
-          <a:ln w="9525">
-            <a:solidFill>
-              <a:schemeClr val="tx1"/>
-            </a:solidFill>
-            <a:round/>
-            <a:headEnd/>
-            <a:tailEnd/>
-          </a:ln>
-          <a:extLst>
-            <a:ext uri="{909E8E84-426E-40dd-AFC4-6F175D3DCCD1}">
-              <a14:hiddenFill xmlns:a14="http://schemas.microsoft.com/office/drawing/2010/main" xmlns="">
-                <a:solidFill>
-                  <a:schemeClr val="accent1"/>
-                </a:solidFill>
-              </a14:hiddenFill>
-            </a:ext>
-          </a:extLst>
-        </p:spPr>
-        <p:txBody>
-          <a:bodyPr wrap="none" anchor="ctr"/>
-          <a:lstStyle/>
-          <a:p>
-            <a:endParaRPr lang="en-US"/>
-          </a:p>
-        </p:txBody>
-      </p:sp>
-      <p:sp>
-        <p:nvSpPr>
-          <p:cNvPr id="23566" name="Text Box 14"/>
-          <p:cNvSpPr txBox="1">
-            <a:spLocks noChangeArrowheads="1"/>
-          </p:cNvSpPr>
-          <p:nvPr/>
-        </p:nvSpPr>
-        <p:spPr bwMode="auto">
-          <a:xfrm>
-            <a:off x="1425575" y="2987675"/>
-            <a:ext cx="509588" cy="244475"/>
-          </a:xfrm>
-          <a:prstGeom prst="rect">
-            <a:avLst/>
-          </a:prstGeom>
-          <a:noFill/>
-          <a:ln>
-            <a:noFill/>
-          </a:ln>
-          <a:extLst>
-            <a:ext uri="{909E8E84-426E-40dd-AFC4-6F175D3DCCD1}">
-              <a14:hiddenFill xmlns:a14="http://schemas.microsoft.com/office/drawing/2010/main" xmlns="">
-                <a:solidFill>
-                  <a:schemeClr val="accent1"/>
-                </a:solidFill>
-              </a14:hiddenFill>
-            </a:ext>
-            <a:ext uri="{91240B29-F687-4f45-9708-019B960494DF}">
-              <a14:hiddenLine xmlns:a14="http://schemas.microsoft.com/office/drawing/2010/main" xmlns="" w="9525">
-                <a:solidFill>
-                  <a:schemeClr val="tx1"/>
-                </a:solidFill>
-                <a:miter lim="800000"/>
-                <a:headEnd/>
-                <a:tailEnd/>
-              </a14:hiddenLine>
-            </a:ext>
-          </a:extLst>
-        </p:spPr>
-        <p:txBody>
-          <a:bodyPr wrap="none">
-            <a:spAutoFit/>
-          </a:bodyPr>
-          <a:lstStyle/>
-          <a:p>
-            <a:r>
-              <a:rPr lang="en-US" sz="1000"/>
-              <a:t>Value</a:t>
-            </a:r>
-          </a:p>
-        </p:txBody>
-      </p:sp>
-      <p:sp>
-        <p:nvSpPr>
-          <p:cNvPr id="23567" name="Line 15"/>
-          <p:cNvSpPr>
-            <a:spLocks noChangeShapeType="1"/>
-          </p:cNvSpPr>
-          <p:nvPr/>
-        </p:nvSpPr>
-        <p:spPr bwMode="auto">
-          <a:xfrm>
-            <a:off x="6324600" y="2667000"/>
-            <a:ext cx="228600" cy="762000"/>
-          </a:xfrm>
-          <a:prstGeom prst="line">
-            <a:avLst/>
-          </a:prstGeom>
-          <a:noFill/>
-          <a:ln w="9525">
-            <a:solidFill>
-              <a:schemeClr val="tx1"/>
-            </a:solidFill>
-            <a:round/>
-            <a:headEnd type="triangle" w="med" len="med"/>
-            <a:tailEnd/>
-          </a:ln>
-          <a:extLst>
-            <a:ext uri="{909E8E84-426E-40dd-AFC4-6F175D3DCCD1}">
-              <a14:hiddenFill xmlns:a14="http://schemas.microsoft.com/office/drawing/2010/main" xmlns="">
-                <a:noFill/>
-              </a14:hiddenFill>
-            </a:ext>
-          </a:extLst>
-        </p:spPr>
-        <p:txBody>
-          <a:bodyPr wrap="none" anchor="ctr"/>
-          <a:lstStyle/>
-          <a:p>
-            <a:endParaRPr lang="en-US"/>
-          </a:p>
-        </p:txBody>
-      </p:sp>
-      <p:sp>
-        <p:nvSpPr>
-          <p:cNvPr id="23568" name="Text Box 16"/>
-          <p:cNvSpPr txBox="1">
-            <a:spLocks noChangeArrowheads="1"/>
-          </p:cNvSpPr>
-          <p:nvPr/>
-        </p:nvSpPr>
-        <p:spPr bwMode="auto">
-          <a:xfrm>
-            <a:off x="5384800" y="3568700"/>
-            <a:ext cx="2844800" cy="244475"/>
-          </a:xfrm>
-          <a:prstGeom prst="rect">
-            <a:avLst/>
-          </a:prstGeom>
-          <a:noFill/>
-          <a:ln>
-            <a:noFill/>
-          </a:ln>
-          <a:extLst>
-            <a:ext uri="{909E8E84-426E-40dd-AFC4-6F175D3DCCD1}">
-              <a14:hiddenFill xmlns:a14="http://schemas.microsoft.com/office/drawing/2010/main" xmlns="">
-                <a:solidFill>
-                  <a:schemeClr val="accent1"/>
-                </a:solidFill>
-              </a14:hiddenFill>
-            </a:ext>
-            <a:ext uri="{91240B29-F687-4f45-9708-019B960494DF}">
-              <a14:hiddenLine xmlns:a14="http://schemas.microsoft.com/office/drawing/2010/main" xmlns="" w="9525">
-                <a:solidFill>
-                  <a:schemeClr val="tx1"/>
-                </a:solidFill>
-                <a:miter lim="800000"/>
-                <a:headEnd/>
-                <a:tailEnd/>
-              </a14:hiddenLine>
-            </a:ext>
-          </a:extLst>
-        </p:spPr>
-        <p:txBody>
-          <a:bodyPr wrap="none">
-            <a:spAutoFit/>
-          </a:bodyPr>
-          <a:lstStyle/>
-          <a:p>
-            <a:r>
-              <a:rPr lang="en-US" sz="1000"/>
-              <a:t>Type Descriptor: ArrayType(Type.INTEGER, 3)</a:t>
-            </a:r>
-          </a:p>
-        </p:txBody>
-      </p:sp>
+      </p:pic>
     </p:spTree>
+    <p:extLst>
+      <p:ext uri="{BB962C8B-B14F-4D97-AF65-F5344CB8AC3E}">
+        <p14:creationId xmlns:p14="http://schemas.microsoft.com/office/powerpoint/2010/main" val="1308321317"/>
+      </p:ext>
+    </p:extLst>
   </p:cSld>
   <p:clrMapOvr>
     <a:masterClrMapping/>
   </p:clrMapOvr>
-  <p:timing>
-    <p:tnLst>
-      <p:par>
-        <p:cTn id="1" dur="indefinite" restart="never" nodeType="tmRoot"/>
-      </p:par>
-    </p:tnLst>
-  </p:timing>
 </p:sld>
 </file>
 
@@ -9746,7 +8932,13 @@
       </p:sp>
       <p:pic>
         <p:nvPicPr>
-          <p:cNvPr id="2" name="Picture 1"/>
+          <p:cNvPr id="4" name="Picture 3">
+            <a:extLst>
+              <a:ext uri="{FF2B5EF4-FFF2-40B4-BE49-F238E27FC236}">
+                <a16:creationId xmlns:a16="http://schemas.microsoft.com/office/drawing/2014/main" id="{E2494532-0F8D-6448-B92B-1DAFA6363F8D}"/>
+              </a:ext>
+            </a:extLst>
+          </p:cNvPr>
           <p:cNvPicPr>
             <a:picLocks noChangeAspect="1"/>
           </p:cNvPicPr>
@@ -9760,8 +8952,8 @@
         </p:blipFill>
         <p:spPr>
           <a:xfrm>
-            <a:off x="368716" y="3154753"/>
-            <a:ext cx="4178300" cy="1991980"/>
+            <a:off x="457200" y="3200400"/>
+            <a:ext cx="5468338" cy="2133600"/>
           </a:xfrm>
           <a:prstGeom prst="rect">
             <a:avLst/>
@@ -9775,7 +8967,13 @@
       </p:pic>
       <p:pic>
         <p:nvPicPr>
-          <p:cNvPr id="3" name="Picture 2"/>
+          <p:cNvPr id="5" name="Picture 4">
+            <a:extLst>
+              <a:ext uri="{FF2B5EF4-FFF2-40B4-BE49-F238E27FC236}">
+                <a16:creationId xmlns:a16="http://schemas.microsoft.com/office/drawing/2014/main" id="{10C2FBDE-67D3-C44F-9399-6339471F2B95}"/>
+              </a:ext>
+            </a:extLst>
+          </p:cNvPr>
           <p:cNvPicPr>
             <a:picLocks noChangeAspect="1"/>
           </p:cNvPicPr>
@@ -9789,8 +8987,8 @@
         </p:blipFill>
         <p:spPr>
           <a:xfrm>
-            <a:off x="5121223" y="4724400"/>
-            <a:ext cx="3530600" cy="1587500"/>
+            <a:off x="4572000" y="5086350"/>
+            <a:ext cx="3642946" cy="628650"/>
           </a:xfrm>
           <a:prstGeom prst="rect">
             <a:avLst/>
@@ -9802,18 +9000,97 @@
           </a:ln>
         </p:spPr>
       </p:pic>
+      <p:sp>
+        <p:nvSpPr>
+          <p:cNvPr id="6" name="Left Arrow 5">
+            <a:extLst>
+              <a:ext uri="{FF2B5EF4-FFF2-40B4-BE49-F238E27FC236}">
+                <a16:creationId xmlns:a16="http://schemas.microsoft.com/office/drawing/2014/main" id="{35F4D3E6-5A64-F141-BC96-81AA9DE3F61F}"/>
+              </a:ext>
+            </a:extLst>
+          </p:cNvPr>
+          <p:cNvSpPr/>
+          <p:nvPr/>
+        </p:nvSpPr>
+        <p:spPr bwMode="auto">
+          <a:xfrm>
+            <a:off x="4343400" y="3429000"/>
+            <a:ext cx="381000" cy="228600"/>
+          </a:xfrm>
+          <a:prstGeom prst="leftArrow">
+            <a:avLst/>
+          </a:prstGeom>
+          <a:solidFill>
+            <a:srgbClr val="FF0000"/>
+          </a:solidFill>
+          <a:ln w="9525" cap="flat" cmpd="sng" algn="ctr">
+            <a:solidFill>
+              <a:schemeClr val="tx1"/>
+            </a:solidFill>
+            <a:prstDash val="solid"/>
+            <a:round/>
+            <a:headEnd type="none" w="med" len="med"/>
+            <a:tailEnd type="none" w="med" len="med"/>
+          </a:ln>
+          <a:effectLst/>
+          <a:extLst>
+            <a:ext uri="{AF507438-7753-43e0-B8FC-AC1667EBCBE1}">
+              <a14:hiddenEffects xmlns:a14="http://schemas.microsoft.com/office/drawing/2010/main" xmlns="">
+                <a:effectLst>
+                  <a:outerShdw blurRad="63500" dist="38099" dir="2700000" algn="ctr" rotWithShape="0">
+                    <a:schemeClr val="bg2">
+                      <a:alpha val="74998"/>
+                    </a:schemeClr>
+                  </a:outerShdw>
+                </a:effectLst>
+              </a14:hiddenEffects>
+            </a:ext>
+          </a:extLst>
+        </p:spPr>
+        <p:txBody>
+          <a:bodyPr vert="horz" wrap="square" lIns="91440" tIns="45720" rIns="91440" bIns="45720" numCol="1" rtlCol="0" anchor="t" anchorCtr="0" compatLnSpc="1">
+            <a:prstTxWarp prst="textNoShape">
+              <a:avLst/>
+            </a:prstTxWarp>
+          </a:bodyPr>
+          <a:lstStyle/>
+          <a:p>
+            <a:pPr marL="0" marR="0" indent="0" algn="l" defTabSz="914400" rtl="0" eaLnBrk="0" fontAlgn="base" latinLnBrk="0" hangingPunct="0">
+              <a:lnSpc>
+                <a:spcPct val="100000"/>
+              </a:lnSpc>
+              <a:spcBef>
+                <a:spcPct val="0"/>
+              </a:spcBef>
+              <a:spcAft>
+                <a:spcPct val="0"/>
+              </a:spcAft>
+              <a:buClrTx/>
+              <a:buSzTx/>
+              <a:buFontTx/>
+              <a:buNone/>
+              <a:tabLst/>
+            </a:pPr>
+            <a:endParaRPr kumimoji="0" lang="en-US" sz="2400" b="0" i="0" u="none" strike="noStrike" cap="none" normalizeH="0" baseline="0">
+              <a:ln>
+                <a:noFill/>
+              </a:ln>
+              <a:solidFill>
+                <a:srgbClr val="000000"/>
+              </a:solidFill>
+              <a:effectLst/>
+              <a:latin typeface="Arial" charset="0"/>
+              <a:ea typeface="ＭＳ Ｐゴシック" charset="0"/>
+              <a:cs typeface="ＭＳ Ｐゴシック" charset="0"/>
+            </a:endParaRPr>
+          </a:p>
+        </p:txBody>
+      </p:sp>
     </p:spTree>
   </p:cSld>
   <p:clrMapOvr>
     <a:masterClrMapping/>
   </p:clrMapOvr>
-  <p:timing>
-    <p:tnLst>
-      <p:par>
-        <p:cTn id="1" dur="indefinite" restart="never" nodeType="tmRoot"/>
-      </p:par>
-    </p:tnLst>
-  </p:timing>
 </p:sld>
 </file>
 
@@ -9915,7 +9192,13 @@
       </p:sp>
       <p:pic>
         <p:nvPicPr>
-          <p:cNvPr id="5" name="Picture 4"/>
+          <p:cNvPr id="7" name="Picture 6">
+            <a:extLst>
+              <a:ext uri="{FF2B5EF4-FFF2-40B4-BE49-F238E27FC236}">
+                <a16:creationId xmlns:a16="http://schemas.microsoft.com/office/drawing/2014/main" id="{4677D95F-6F42-7642-8850-CDBDD3EDCCDD}"/>
+              </a:ext>
+            </a:extLst>
+          </p:cNvPr>
           <p:cNvPicPr>
             <a:picLocks noChangeAspect="1"/>
           </p:cNvPicPr>
@@ -9929,8 +9212,8 @@
         </p:blipFill>
         <p:spPr>
           <a:xfrm>
-            <a:off x="372464" y="3429000"/>
-            <a:ext cx="3818536" cy="1820465"/>
+            <a:off x="457200" y="3414465"/>
+            <a:ext cx="4724400" cy="1843335"/>
           </a:xfrm>
           <a:prstGeom prst="rect">
             <a:avLst/>
@@ -9942,9 +9225,101 @@
           </a:ln>
         </p:spPr>
       </p:pic>
+      <p:sp>
+        <p:nvSpPr>
+          <p:cNvPr id="8" name="Left Arrow 7">
+            <a:extLst>
+              <a:ext uri="{FF2B5EF4-FFF2-40B4-BE49-F238E27FC236}">
+                <a16:creationId xmlns:a16="http://schemas.microsoft.com/office/drawing/2014/main" id="{1218ED00-F616-2944-B8EB-A97465492F37}"/>
+              </a:ext>
+            </a:extLst>
+          </p:cNvPr>
+          <p:cNvSpPr/>
+          <p:nvPr/>
+        </p:nvSpPr>
+        <p:spPr bwMode="auto">
+          <a:xfrm>
+            <a:off x="2819400" y="3962400"/>
+            <a:ext cx="329167" cy="195943"/>
+          </a:xfrm>
+          <a:prstGeom prst="leftArrow">
+            <a:avLst/>
+          </a:prstGeom>
+          <a:solidFill>
+            <a:srgbClr val="FF0000"/>
+          </a:solidFill>
+          <a:ln w="9525" cap="flat" cmpd="sng" algn="ctr">
+            <a:solidFill>
+              <a:schemeClr val="tx1"/>
+            </a:solidFill>
+            <a:prstDash val="solid"/>
+            <a:round/>
+            <a:headEnd type="none" w="med" len="med"/>
+            <a:tailEnd type="none" w="med" len="med"/>
+          </a:ln>
+          <a:effectLst/>
+          <a:extLst>
+            <a:ext uri="{AF507438-7753-43e0-B8FC-AC1667EBCBE1}">
+              <a14:hiddenEffects xmlns:a14="http://schemas.microsoft.com/office/drawing/2010/main" xmlns="">
+                <a:effectLst>
+                  <a:outerShdw blurRad="63500" dist="38099" dir="2700000" algn="ctr" rotWithShape="0">
+                    <a:schemeClr val="bg2">
+                      <a:alpha val="74998"/>
+                    </a:schemeClr>
+                  </a:outerShdw>
+                </a:effectLst>
+              </a14:hiddenEffects>
+            </a:ext>
+          </a:extLst>
+        </p:spPr>
+        <p:txBody>
+          <a:bodyPr vert="horz" wrap="square" lIns="91440" tIns="45720" rIns="91440" bIns="45720" numCol="1" rtlCol="0" anchor="t" anchorCtr="0" compatLnSpc="1">
+            <a:prstTxWarp prst="textNoShape">
+              <a:avLst/>
+            </a:prstTxWarp>
+          </a:bodyPr>
+          <a:lstStyle/>
+          <a:p>
+            <a:pPr marL="0" marR="0" indent="0" algn="l" defTabSz="914400" rtl="0" eaLnBrk="0" fontAlgn="base" latinLnBrk="0" hangingPunct="0">
+              <a:lnSpc>
+                <a:spcPct val="100000"/>
+              </a:lnSpc>
+              <a:spcBef>
+                <a:spcPct val="0"/>
+              </a:spcBef>
+              <a:spcAft>
+                <a:spcPct val="0"/>
+              </a:spcAft>
+              <a:buClrTx/>
+              <a:buSzTx/>
+              <a:buFontTx/>
+              <a:buNone/>
+              <a:tabLst/>
+            </a:pPr>
+            <a:endParaRPr kumimoji="0" lang="en-US" sz="2400" b="0" i="0" u="none" strike="noStrike" cap="none" normalizeH="0" baseline="0">
+              <a:ln>
+                <a:noFill/>
+              </a:ln>
+              <a:solidFill>
+                <a:srgbClr val="000000"/>
+              </a:solidFill>
+              <a:effectLst/>
+              <a:latin typeface="Arial" charset="0"/>
+              <a:ea typeface="ＭＳ Ｐゴシック" charset="0"/>
+              <a:cs typeface="ＭＳ Ｐゴシック" charset="0"/>
+            </a:endParaRPr>
+          </a:p>
+        </p:txBody>
+      </p:sp>
       <p:pic>
         <p:nvPicPr>
-          <p:cNvPr id="2" name="Picture 1"/>
+          <p:cNvPr id="4" name="Picture 3">
+            <a:extLst>
+              <a:ext uri="{FF2B5EF4-FFF2-40B4-BE49-F238E27FC236}">
+                <a16:creationId xmlns:a16="http://schemas.microsoft.com/office/drawing/2014/main" id="{380AF5F8-00CA-2040-B68E-C164CC4901CE}"/>
+              </a:ext>
+            </a:extLst>
+          </p:cNvPr>
           <p:cNvPicPr>
             <a:picLocks noChangeAspect="1"/>
           </p:cNvPicPr>
@@ -9958,8 +9333,8 @@
         </p:blipFill>
         <p:spPr>
           <a:xfrm>
-            <a:off x="5181600" y="3412761"/>
-            <a:ext cx="2571750" cy="2273968"/>
+            <a:off x="5519511" y="3893517"/>
+            <a:ext cx="2679700" cy="1397000"/>
           </a:xfrm>
           <a:prstGeom prst="rect">
             <a:avLst/>
@@ -9971,9 +9346,101 @@
           </a:ln>
         </p:spPr>
       </p:pic>
+      <p:sp>
+        <p:nvSpPr>
+          <p:cNvPr id="10" name="Left Arrow 9">
+            <a:extLst>
+              <a:ext uri="{FF2B5EF4-FFF2-40B4-BE49-F238E27FC236}">
+                <a16:creationId xmlns:a16="http://schemas.microsoft.com/office/drawing/2014/main" id="{348DD10C-7F77-EF4C-A005-8289462AFFE2}"/>
+              </a:ext>
+            </a:extLst>
+          </p:cNvPr>
+          <p:cNvSpPr/>
+          <p:nvPr/>
+        </p:nvSpPr>
+        <p:spPr bwMode="auto">
+          <a:xfrm>
+            <a:off x="7086600" y="4494045"/>
+            <a:ext cx="329167" cy="195943"/>
+          </a:xfrm>
+          <a:prstGeom prst="leftArrow">
+            <a:avLst/>
+          </a:prstGeom>
+          <a:solidFill>
+            <a:srgbClr val="FF0000"/>
+          </a:solidFill>
+          <a:ln w="9525" cap="flat" cmpd="sng" algn="ctr">
+            <a:solidFill>
+              <a:schemeClr val="tx1"/>
+            </a:solidFill>
+            <a:prstDash val="solid"/>
+            <a:round/>
+            <a:headEnd type="none" w="med" len="med"/>
+            <a:tailEnd type="none" w="med" len="med"/>
+          </a:ln>
+          <a:effectLst/>
+          <a:extLst>
+            <a:ext uri="{AF507438-7753-43e0-B8FC-AC1667EBCBE1}">
+              <a14:hiddenEffects xmlns:a14="http://schemas.microsoft.com/office/drawing/2010/main" xmlns="">
+                <a:effectLst>
+                  <a:outerShdw blurRad="63500" dist="38099" dir="2700000" algn="ctr" rotWithShape="0">
+                    <a:schemeClr val="bg2">
+                      <a:alpha val="74998"/>
+                    </a:schemeClr>
+                  </a:outerShdw>
+                </a:effectLst>
+              </a14:hiddenEffects>
+            </a:ext>
+          </a:extLst>
+        </p:spPr>
+        <p:txBody>
+          <a:bodyPr vert="horz" wrap="square" lIns="91440" tIns="45720" rIns="91440" bIns="45720" numCol="1" rtlCol="0" anchor="t" anchorCtr="0" compatLnSpc="1">
+            <a:prstTxWarp prst="textNoShape">
+              <a:avLst/>
+            </a:prstTxWarp>
+          </a:bodyPr>
+          <a:lstStyle/>
+          <a:p>
+            <a:pPr marL="0" marR="0" indent="0" algn="l" defTabSz="914400" rtl="0" eaLnBrk="0" fontAlgn="base" latinLnBrk="0" hangingPunct="0">
+              <a:lnSpc>
+                <a:spcPct val="100000"/>
+              </a:lnSpc>
+              <a:spcBef>
+                <a:spcPct val="0"/>
+              </a:spcBef>
+              <a:spcAft>
+                <a:spcPct val="0"/>
+              </a:spcAft>
+              <a:buClrTx/>
+              <a:buSzTx/>
+              <a:buFontTx/>
+              <a:buNone/>
+              <a:tabLst/>
+            </a:pPr>
+            <a:endParaRPr kumimoji="0" lang="en-US" sz="2400" b="0" i="0" u="none" strike="noStrike" cap="none" normalizeH="0" baseline="0">
+              <a:ln>
+                <a:noFill/>
+              </a:ln>
+              <a:solidFill>
+                <a:srgbClr val="000000"/>
+              </a:solidFill>
+              <a:effectLst/>
+              <a:latin typeface="Arial" charset="0"/>
+              <a:ea typeface="ＭＳ Ｐゴシック" charset="0"/>
+              <a:cs typeface="ＭＳ Ｐゴシック" charset="0"/>
+            </a:endParaRPr>
+          </a:p>
+        </p:txBody>
+      </p:sp>
       <p:pic>
         <p:nvPicPr>
-          <p:cNvPr id="3" name="Picture 2"/>
+          <p:cNvPr id="6" name="Picture 5">
+            <a:extLst>
+              <a:ext uri="{FF2B5EF4-FFF2-40B4-BE49-F238E27FC236}">
+                <a16:creationId xmlns:a16="http://schemas.microsoft.com/office/drawing/2014/main" id="{56ABECB4-81DF-CE4B-ACEA-9438F60FC40A}"/>
+              </a:ext>
+            </a:extLst>
+          </p:cNvPr>
           <p:cNvPicPr>
             <a:picLocks noChangeAspect="1"/>
           </p:cNvPicPr>
@@ -9987,8 +9454,8 @@
         </p:blipFill>
         <p:spPr>
           <a:xfrm>
-            <a:off x="1306226" y="5682981"/>
-            <a:ext cx="2959100" cy="622300"/>
+            <a:off x="1676400" y="5638800"/>
+            <a:ext cx="3403600" cy="609600"/>
           </a:xfrm>
           <a:prstGeom prst="rect">
             <a:avLst/>
@@ -10005,17 +9472,154 @@
   <p:clrMapOvr>
     <a:masterClrMapping/>
   </p:clrMapOvr>
-  <p:timing>
-    <p:tnLst>
-      <p:par>
-        <p:cTn id="1" dur="indefinite" restart="never" nodeType="tmRoot"/>
-      </p:par>
-    </p:tnLst>
-  </p:timing>
 </p:sld>
 </file>
 
 <file path=ppt/slides/slide4.xml><?xml version="1.0" encoding="utf-8"?>
+<p:sld xmlns:a="http://schemas.openxmlformats.org/drawingml/2006/main" xmlns:r="http://schemas.openxmlformats.org/officeDocument/2006/relationships" xmlns:p="http://schemas.openxmlformats.org/presentationml/2006/main">
+  <p:cSld>
+    <p:spTree>
+      <p:nvGrpSpPr>
+        <p:cNvPr id="1" name=""/>
+        <p:cNvGrpSpPr/>
+        <p:nvPr/>
+      </p:nvGrpSpPr>
+      <p:grpSpPr>
+        <a:xfrm>
+          <a:off x="0" y="0"/>
+          <a:ext cx="0" cy="0"/>
+          <a:chOff x="0" y="0"/>
+          <a:chExt cx="0" cy="0"/>
+        </a:xfrm>
+      </p:grpSpPr>
+      <p:sp>
+        <p:nvSpPr>
+          <p:cNvPr id="2" name="Title 1">
+            <a:extLst>
+              <a:ext uri="{FF2B5EF4-FFF2-40B4-BE49-F238E27FC236}">
+                <a16:creationId xmlns:a16="http://schemas.microsoft.com/office/drawing/2014/main" id="{FCF8B8A1-E670-194E-A4EE-72CFB7ACF268}"/>
+              </a:ext>
+            </a:extLst>
+          </p:cNvPr>
+          <p:cNvSpPr>
+            <a:spLocks noGrp="1"/>
+          </p:cNvSpPr>
+          <p:nvPr>
+            <p:ph type="title"/>
+          </p:nvPr>
+        </p:nvSpPr>
+        <p:spPr/>
+        <p:txBody>
+          <a:bodyPr/>
+          <a:lstStyle/>
+          <a:p>
+            <a:r>
+              <a:rPr lang="en-US" dirty="0"/>
+              <a:t>The </a:t>
+            </a:r>
+            <a:br>
+              <a:rPr lang="en-US" dirty="0"/>
+            </a:br>
+            <a:r>
+              <a:rPr lang="en-US" dirty="0"/>
+              <a:t>Frontend</a:t>
+            </a:r>
+          </a:p>
+        </p:txBody>
+      </p:sp>
+      <p:pic>
+        <p:nvPicPr>
+          <p:cNvPr id="4" name="Picture 3">
+            <a:extLst>
+              <a:ext uri="{FF2B5EF4-FFF2-40B4-BE49-F238E27FC236}">
+                <a16:creationId xmlns:a16="http://schemas.microsoft.com/office/drawing/2014/main" id="{24CA9A5B-DFC1-A04C-B613-2BF0C6D76749}"/>
+              </a:ext>
+            </a:extLst>
+          </p:cNvPr>
+          <p:cNvPicPr>
+            <a:picLocks noChangeAspect="1"/>
+          </p:cNvPicPr>
+          <p:nvPr/>
+        </p:nvPicPr>
+        <p:blipFill>
+          <a:blip r:embed="rId2"/>
+          <a:stretch>
+            <a:fillRect/>
+          </a:stretch>
+        </p:blipFill>
+        <p:spPr>
+          <a:xfrm>
+            <a:off x="3421487" y="0"/>
+            <a:ext cx="5570113" cy="6858000"/>
+          </a:xfrm>
+          <a:prstGeom prst="rect">
+            <a:avLst/>
+          </a:prstGeom>
+        </p:spPr>
+      </p:pic>
+      <p:sp>
+        <p:nvSpPr>
+          <p:cNvPr id="5" name="TextBox 4">
+            <a:extLst>
+              <a:ext uri="{FF2B5EF4-FFF2-40B4-BE49-F238E27FC236}">
+                <a16:creationId xmlns:a16="http://schemas.microsoft.com/office/drawing/2014/main" id="{DE2FD91D-3257-8D40-AA41-99AFD6674388}"/>
+              </a:ext>
+            </a:extLst>
+          </p:cNvPr>
+          <p:cNvSpPr txBox="1"/>
+          <p:nvPr/>
+        </p:nvSpPr>
+        <p:spPr>
+          <a:xfrm>
+            <a:off x="431800" y="2146300"/>
+            <a:ext cx="2924198" cy="830997"/>
+          </a:xfrm>
+          <a:prstGeom prst="rect">
+            <a:avLst/>
+          </a:prstGeom>
+          <a:noFill/>
+        </p:spPr>
+        <p:txBody>
+          <a:bodyPr wrap="none" rtlCol="0">
+            <a:spAutoFit/>
+          </a:bodyPr>
+          <a:lstStyle/>
+          <a:p>
+            <a:r>
+              <a:rPr lang="en-US" dirty="0"/>
+              <a:t>This grammar can easily</a:t>
+            </a:r>
+            <a:br>
+              <a:rPr lang="en-US" dirty="0"/>
+            </a:br>
+            <a:r>
+              <a:rPr lang="en-US" dirty="0"/>
+              <a:t>be transformed into an LL(1)</a:t>
+            </a:r>
+            <a:br>
+              <a:rPr lang="en-US" dirty="0"/>
+            </a:br>
+            <a:r>
+              <a:rPr lang="en-US" dirty="0"/>
+              <a:t>by factoring common prefixes.</a:t>
+            </a:r>
+          </a:p>
+        </p:txBody>
+      </p:sp>
+    </p:spTree>
+    <p:extLst>
+      <p:ext uri="{BB962C8B-B14F-4D97-AF65-F5344CB8AC3E}">
+        <p14:creationId xmlns:p14="http://schemas.microsoft.com/office/powerpoint/2010/main" val="3627880703"/>
+      </p:ext>
+    </p:extLst>
+  </p:cSld>
+  <p:clrMapOvr>
+    <a:masterClrMapping/>
+  </p:clrMapOvr>
+</p:sld>
+</file>
+
+<file path=ppt/slides/slide5.xml><?xml version="1.0" encoding="utf-8"?>
 <p:sld xmlns:a="http://schemas.openxmlformats.org/drawingml/2006/main" xmlns:r="http://schemas.openxmlformats.org/officeDocument/2006/relationships" xmlns:p="http://schemas.openxmlformats.org/presentationml/2006/main">
   <p:cSld>
     <p:spTree>
@@ -10048,8 +9652,8 @@
           <a:lstStyle/>
           <a:p>
             <a:r>
-              <a:rPr lang="en-US"/>
-              <a:t>Type Descriptors</a:t>
+              <a:rPr lang="en-US" dirty="0"/>
+              <a:t>Array Types</a:t>
             </a:r>
           </a:p>
         </p:txBody>
@@ -10076,7 +9680,7 @@
             </a:pPr>
             <a:r>
               <a:rPr lang="en-US" sz="2600" dirty="0"/>
-              <a:t>Up to now we were able to describe our types with tokens such as INTEGER or FLOAT</a:t>
+              <a:t>We expand our notion of type tuples with the introduction of array types.</a:t>
             </a:r>
           </a:p>
           <a:p>
@@ -10087,22 +9691,14 @@
             </a:pPr>
             <a:r>
               <a:rPr lang="en-US" sz="2600" dirty="0"/>
-              <a:t>With the introduction of arrays this is no longer true, the type</a:t>
+              <a:t>We have to capture the nuances of array types, the type</a:t>
             </a:r>
             <a:br>
               <a:rPr lang="en-US" sz="2600" dirty="0"/>
             </a:br>
             <a:r>
               <a:rPr lang="en-US" sz="2600" dirty="0"/>
-              <a:t>    </a:t>
-            </a:r>
-            <a:r>
-              <a:rPr lang="en-US" sz="2600" dirty="0" err="1"/>
-              <a:t>int</a:t>
-            </a:r>
-            <a:r>
-              <a:rPr lang="en-US" sz="2600" dirty="0"/>
-              <a:t>[10]</a:t>
+              <a:t>    int[10]</a:t>
             </a:r>
             <a:br>
               <a:rPr lang="en-US" sz="2600" dirty="0"/>
@@ -10116,15 +9712,7 @@
             </a:br>
             <a:r>
               <a:rPr lang="en-US" sz="2600" dirty="0"/>
-              <a:t>    </a:t>
-            </a:r>
-            <a:r>
-              <a:rPr lang="en-US" sz="2600" dirty="0" err="1"/>
-              <a:t>int</a:t>
-            </a:r>
-            <a:r>
-              <a:rPr lang="en-US" sz="2600" dirty="0"/>
-              <a:t>[20]</a:t>
+              <a:t>    int[20]</a:t>
             </a:r>
             <a:br>
               <a:rPr lang="en-US" sz="2600" dirty="0"/>
@@ -10138,31 +9726,7 @@
             </a:br>
             <a:r>
               <a:rPr lang="en-US" sz="2600" dirty="0"/>
-              <a:t>    </a:t>
-            </a:r>
-            <a:r>
-              <a:rPr lang="en-US" sz="2600" dirty="0" err="1"/>
-              <a:t>int</a:t>
-            </a:r>
-            <a:endParaRPr lang="en-US" sz="2600" dirty="0"/>
-          </a:p>
-          <a:p>
-            <a:pPr>
-              <a:lnSpc>
-                <a:spcPct val="90000"/>
-              </a:lnSpc>
-            </a:pPr>
-            <a:r>
-              <a:rPr lang="en-US" sz="2600" dirty="0"/>
-              <a:t>In order to describe structured types in our AST we need </a:t>
-            </a:r>
-            <a:r>
-              <a:rPr lang="en-US" sz="2600" u="sng" dirty="0"/>
-              <a:t>type descriptors</a:t>
-            </a:r>
-            <a:r>
-              <a:rPr lang="en-US" sz="2600" dirty="0"/>
-              <a:t>, that is, structural descriptions of the type at hand.</a:t>
+              <a:t>    int</a:t>
             </a:r>
           </a:p>
         </p:txBody>
@@ -10172,149 +9736,6 @@
   <p:clrMapOvr>
     <a:masterClrMapping/>
   </p:clrMapOvr>
-  <p:timing>
-    <p:tnLst>
-      <p:par>
-        <p:cTn id="1" dur="indefinite" restart="never" nodeType="tmRoot"/>
-      </p:par>
-    </p:tnLst>
-  </p:timing>
-</p:sld>
-</file>
-
-<file path=ppt/slides/slide5.xml><?xml version="1.0" encoding="utf-8"?>
-<p:sld xmlns:a="http://schemas.openxmlformats.org/drawingml/2006/main" xmlns:r="http://schemas.openxmlformats.org/officeDocument/2006/relationships" xmlns:p="http://schemas.openxmlformats.org/presentationml/2006/main">
-  <p:cSld>
-    <p:spTree>
-      <p:nvGrpSpPr>
-        <p:cNvPr id="1" name=""/>
-        <p:cNvGrpSpPr/>
-        <p:nvPr/>
-      </p:nvGrpSpPr>
-      <p:grpSpPr>
-        <a:xfrm>
-          <a:off x="0" y="0"/>
-          <a:ext cx="0" cy="0"/>
-          <a:chOff x="0" y="0"/>
-          <a:chExt cx="0" cy="0"/>
-        </a:xfrm>
-      </p:grpSpPr>
-      <p:sp>
-        <p:nvSpPr>
-          <p:cNvPr id="18434" name="Rectangle 2"/>
-          <p:cNvSpPr>
-            <a:spLocks noGrp="1" noChangeArrowheads="1"/>
-          </p:cNvSpPr>
-          <p:nvPr>
-            <p:ph type="title"/>
-          </p:nvPr>
-        </p:nvSpPr>
-        <p:spPr/>
-        <p:txBody>
-          <a:bodyPr/>
-          <a:lstStyle/>
-          <a:p>
-            <a:r>
-              <a:rPr lang="en-US"/>
-              <a:t>Type Descriptors</a:t>
-            </a:r>
-          </a:p>
-        </p:txBody>
-      </p:sp>
-      <p:sp>
-        <p:nvSpPr>
-          <p:cNvPr id="2" name="Content Placeholder 1"/>
-          <p:cNvSpPr>
-            <a:spLocks noGrp="1"/>
-          </p:cNvSpPr>
-          <p:nvPr>
-            <p:ph idx="1"/>
-          </p:nvPr>
-        </p:nvSpPr>
-        <p:spPr/>
-        <p:txBody>
-          <a:bodyPr/>
-          <a:lstStyle/>
-          <a:p>
-            <a:r>
-              <a:rPr lang="en-US" dirty="0" smtClean="0"/>
-              <a:t>In our implementation type descriptors are tuples</a:t>
-            </a:r>
-          </a:p>
-          <a:p>
-            <a:r>
-              <a:rPr lang="en-US" dirty="0" smtClean="0"/>
-              <a:t>For the primitive types the type descriptors are </a:t>
-            </a:r>
-            <a:r>
-              <a:rPr lang="en-US" u="sng" dirty="0" smtClean="0"/>
-              <a:t>one tuples</a:t>
-            </a:r>
-            <a:r>
-              <a:rPr lang="en-US" dirty="0" smtClean="0"/>
-              <a:t>,</a:t>
-            </a:r>
-          </a:p>
-          <a:p>
-            <a:pPr lvl="1"/>
-            <a:r>
-              <a:rPr lang="en-US" dirty="0" smtClean="0"/>
-              <a:t>(‘integer’,)</a:t>
-            </a:r>
-          </a:p>
-          <a:p>
-            <a:pPr lvl="1"/>
-            <a:r>
-              <a:rPr lang="en-US" dirty="0" smtClean="0"/>
-              <a:t>(‘float’,)</a:t>
-            </a:r>
-          </a:p>
-          <a:p>
-            <a:pPr lvl="1"/>
-            <a:r>
-              <a:rPr lang="en-US" dirty="0" smtClean="0"/>
-              <a:t>(‘string’,)</a:t>
-            </a:r>
-          </a:p>
-          <a:p>
-            <a:r>
-              <a:rPr lang="en-US" dirty="0" smtClean="0"/>
-              <a:t>For arrays we have the ‘array-type’ tuple,</a:t>
-            </a:r>
-          </a:p>
-          <a:p>
-            <a:pPr lvl="1"/>
-            <a:r>
-              <a:rPr lang="en-US" dirty="0" smtClean="0"/>
-              <a:t>(‘array-type’, &lt;size&gt;, &lt;</a:t>
-            </a:r>
-            <a:r>
-              <a:rPr lang="en-US" dirty="0" err="1" smtClean="0"/>
-              <a:t>elem</a:t>
-            </a:r>
-            <a:r>
-              <a:rPr lang="en-US" dirty="0" smtClean="0"/>
-              <a:t>-type&gt;)</a:t>
-            </a:r>
-          </a:p>
-          <a:p>
-            <a:pPr lvl="1"/>
-            <a:endParaRPr lang="en-US" dirty="0" smtClean="0"/>
-          </a:p>
-        </p:txBody>
-      </p:sp>
-    </p:spTree>
-  </p:cSld>
-  <p:clrMapOvr>
-    <a:masterClrMapping/>
-  </p:clrMapOvr>
-  <p:timing>
-    <p:tnLst>
-      <p:par>
-        <p:cTn id="1" dur="indefinite" restart="never" nodeType="tmRoot"/>
-      </p:par>
-    </p:tnLst>
-  </p:timing>
 </p:sld>
 </file>
 
@@ -10351,8 +9772,8 @@
           <a:lstStyle/>
           <a:p>
             <a:r>
-              <a:rPr lang="en-US"/>
-              <a:t>Type Descriptors</a:t>
+              <a:rPr lang="en-US" dirty="0"/>
+              <a:t>Array Types</a:t>
             </a:r>
           </a:p>
         </p:txBody>
@@ -10370,67 +9791,89 @@
         <p:spPr>
           <a:xfrm>
             <a:off x="457200" y="1719263"/>
-            <a:ext cx="2667000" cy="4411662"/>
+            <a:ext cx="8229600" cy="3157537"/>
           </a:xfrm>
         </p:spPr>
         <p:txBody>
-          <a:bodyPr/>
+          <a:bodyPr>
+            <a:normAutofit fontScale="92500" lnSpcReduction="20000"/>
+          </a:bodyPr>
           <a:lstStyle/>
           <a:p>
+            <a:r>
+              <a:rPr lang="en-US" dirty="0"/>
+              <a:t>Adding array types to our type system gives us</a:t>
+            </a:r>
+          </a:p>
+          <a:p>
             <a:pPr lvl="1"/>
             <a:r>
-              <a:rPr lang="en-US" sz="1800" dirty="0" smtClean="0"/>
-              <a:t>These type descriptors show up in the front end</a:t>
-            </a:r>
+              <a:rPr lang="en-US" dirty="0"/>
+              <a:t>(‘INTEGER_TYPE’,)</a:t>
+            </a:r>
+          </a:p>
+          <a:p>
+            <a:pPr lvl="1"/>
+            <a:r>
+              <a:rPr lang="en-US" dirty="0"/>
+              <a:t>(‘FLOAT_TYPE’,)</a:t>
+            </a:r>
+          </a:p>
+          <a:p>
+            <a:pPr lvl="1"/>
+            <a:r>
+              <a:rPr lang="en-US" dirty="0"/>
+              <a:t>(‘STRING_TYPE’,)</a:t>
+            </a:r>
+          </a:p>
+          <a:p>
+            <a:pPr lvl="1"/>
+            <a:r>
+              <a:rPr lang="en-US" dirty="0"/>
+              <a:t>(‘VOID_TYPE’,)</a:t>
+            </a:r>
+          </a:p>
+          <a:p>
+            <a:pPr lvl="1"/>
+            <a:r>
+              <a:rPr lang="en-US" dirty="0"/>
+              <a:t>(‘FUNCTION_TYPE, &lt;return-type&gt;, &lt;list-of-formal-</a:t>
+            </a:r>
+            <a:r>
+              <a:rPr lang="en-US" dirty="0" err="1"/>
+              <a:t>arg</a:t>
+            </a:r>
+            <a:r>
+              <a:rPr lang="en-US" dirty="0"/>
+              <a:t>-types&gt;)</a:t>
+            </a:r>
+          </a:p>
+          <a:p>
+            <a:pPr lvl="1"/>
+            <a:r>
+              <a:rPr lang="en-US" dirty="0"/>
+              <a:t>(‘ARRAY_TYPE’, &lt;</a:t>
+            </a:r>
+            <a:r>
+              <a:rPr lang="en-US" dirty="0" err="1"/>
+              <a:t>elem</a:t>
+            </a:r>
+            <a:r>
+              <a:rPr lang="en-US" dirty="0"/>
+              <a:t>-type&gt;, &lt;size&gt;)</a:t>
+            </a:r>
+          </a:p>
+          <a:p>
+            <a:pPr lvl="1"/>
+            <a:endParaRPr lang="en-US" dirty="0"/>
           </a:p>
         </p:txBody>
       </p:sp>
-      <p:pic>
-        <p:nvPicPr>
-          <p:cNvPr id="3" name="Picture 2"/>
-          <p:cNvPicPr>
-            <a:picLocks noChangeAspect="1"/>
-          </p:cNvPicPr>
-          <p:nvPr/>
-        </p:nvPicPr>
-        <p:blipFill>
-          <a:blip r:embed="rId3"/>
-          <a:stretch>
-            <a:fillRect/>
-          </a:stretch>
-        </p:blipFill>
-        <p:spPr>
-          <a:xfrm>
-            <a:off x="3657600" y="1277144"/>
-            <a:ext cx="4156276" cy="5295900"/>
-          </a:xfrm>
-          <a:prstGeom prst="rect">
-            <a:avLst/>
-          </a:prstGeom>
-          <a:ln>
-            <a:solidFill>
-              <a:schemeClr val="tx1"/>
-            </a:solidFill>
-          </a:ln>
-        </p:spPr>
-      </p:pic>
     </p:spTree>
-    <p:extLst>
-      <p:ext uri="{BB962C8B-B14F-4D97-AF65-F5344CB8AC3E}">
-        <p14:creationId xmlns:p14="http://schemas.microsoft.com/office/powerpoint/2010/main" val="1922436829"/>
-      </p:ext>
-    </p:extLst>
   </p:cSld>
   <p:clrMapOvr>
     <a:masterClrMapping/>
   </p:clrMapOvr>
-  <p:timing>
-    <p:tnLst>
-      <p:par>
-        <p:cTn id="1" dur="indefinite" restart="never" nodeType="tmRoot"/>
-      </p:par>
-    </p:tnLst>
-  </p:timing>
 </p:sld>
 </file>
 
@@ -10453,9 +9896,15 @@
       </p:grpSpPr>
       <p:sp>
         <p:nvSpPr>
-          <p:cNvPr id="19458" name="Rectangle 2"/>
+          <p:cNvPr id="2" name="Title 1">
+            <a:extLst>
+              <a:ext uri="{FF2B5EF4-FFF2-40B4-BE49-F238E27FC236}">
+                <a16:creationId xmlns:a16="http://schemas.microsoft.com/office/drawing/2014/main" id="{085D0494-FDA6-F249-91A3-002016D13148}"/>
+              </a:ext>
+            </a:extLst>
+          </p:cNvPr>
           <p:cNvSpPr>
-            <a:spLocks noGrp="1" noChangeArrowheads="1"/>
+            <a:spLocks noGrp="1"/>
           </p:cNvSpPr>
           <p:nvPr>
             <p:ph type="title"/>
@@ -10467,191 +9916,99 @@
           <a:lstStyle/>
           <a:p>
             <a:r>
-              <a:rPr lang="en-US"/>
-              <a:t>Type Descriptors	</a:t>
+              <a:rPr lang="en-US" dirty="0"/>
+              <a:t>Array Types &amp; </a:t>
+            </a:r>
+            <a:br>
+              <a:rPr lang="en-US" dirty="0"/>
+            </a:br>
+            <a:r>
+              <a:rPr lang="en-US" dirty="0"/>
+              <a:t>the Frontend</a:t>
             </a:r>
           </a:p>
         </p:txBody>
       </p:sp>
-      <p:sp>
-        <p:nvSpPr>
-          <p:cNvPr id="19459" name="Rectangle 3"/>
-          <p:cNvSpPr>
-            <a:spLocks noGrp="1" noChangeArrowheads="1"/>
-          </p:cNvSpPr>
-          <p:nvPr>
-            <p:ph type="body" idx="1"/>
-          </p:nvPr>
-        </p:nvSpPr>
+      <p:pic>
+        <p:nvPicPr>
+          <p:cNvPr id="4" name="Picture 3">
+            <a:extLst>
+              <a:ext uri="{FF2B5EF4-FFF2-40B4-BE49-F238E27FC236}">
+                <a16:creationId xmlns:a16="http://schemas.microsoft.com/office/drawing/2014/main" id="{6B06E546-588D-8B48-9059-A4C163E40FEE}"/>
+              </a:ext>
+            </a:extLst>
+          </p:cNvPr>
+          <p:cNvPicPr>
+            <a:picLocks noChangeAspect="1"/>
+          </p:cNvPicPr>
+          <p:nvPr/>
+        </p:nvPicPr>
+        <p:blipFill>
+          <a:blip r:embed="rId2"/>
+          <a:stretch>
+            <a:fillRect/>
+          </a:stretch>
+        </p:blipFill>
         <p:spPr>
           <a:xfrm>
-            <a:off x="457200" y="1719263"/>
-            <a:ext cx="8229600" cy="3157537"/>
-          </a:xfrm>
-        </p:spPr>
-        <p:txBody>
-          <a:bodyPr/>
-          <a:lstStyle/>
-          <a:p>
-            <a:r>
-              <a:rPr lang="en-US" sz="2600"/>
-              <a:t>Going from a token based type system to type descriptors has ramification for the type checker:</a:t>
-            </a:r>
-          </a:p>
-          <a:p>
-            <a:pPr lvl="1"/>
-            <a:r>
-              <a:rPr lang="en-US" sz="2200"/>
-              <a:t>Checking for compatible types is more complicated because we have to do a structural comparison</a:t>
-            </a:r>
-          </a:p>
-          <a:p>
-            <a:pPr lvl="1"/>
-            <a:r>
-              <a:rPr lang="en-US" sz="2200"/>
-              <a:t>Type promotions (widening conversions) should only be applied to scalar types</a:t>
-            </a:r>
-          </a:p>
-          <a:p>
-            <a:pPr lvl="2"/>
-            <a:r>
-              <a:rPr lang="en-US" sz="2100"/>
-              <a:t>This is a design decision, we could also allow for code like this if we so choose:</a:t>
-            </a:r>
-          </a:p>
-        </p:txBody>
-      </p:sp>
-      <p:sp>
-        <p:nvSpPr>
-          <p:cNvPr id="19460" name="Text Box 4"/>
-          <p:cNvSpPr txBox="1">
-            <a:spLocks noChangeArrowheads="1"/>
-          </p:cNvSpPr>
-          <p:nvPr/>
-        </p:nvSpPr>
-        <p:spPr bwMode="auto">
-          <a:xfrm>
-            <a:off x="3124200" y="4941888"/>
-            <a:ext cx="4164013" cy="1079500"/>
+            <a:off x="609600" y="1752600"/>
+            <a:ext cx="1612900" cy="431800"/>
           </a:xfrm>
           <a:prstGeom prst="rect">
             <a:avLst/>
           </a:prstGeom>
-          <a:noFill/>
-          <a:ln w="9525">
+          <a:ln>
             <a:solidFill>
               <a:schemeClr val="tx1"/>
             </a:solidFill>
-            <a:miter lim="800000"/>
-            <a:headEnd/>
-            <a:tailEnd/>
           </a:ln>
-          <a:extLst>
-            <a:ext uri="{909E8E84-426E-40dd-AFC4-6F175D3DCCD1}">
-              <a14:hiddenFill xmlns:a14="http://schemas.microsoft.com/office/drawing/2010/main" xmlns="">
-                <a:solidFill>
-                  <a:schemeClr val="accent1"/>
-                </a:solidFill>
-              </a14:hiddenFill>
-            </a:ext>
-          </a:extLst>
         </p:spPr>
-        <p:txBody>
-          <a:bodyPr wrap="none">
-            <a:spAutoFit/>
-          </a:bodyPr>
-          <a:lstStyle/>
-          <a:p>
-            <a:r>
-              <a:rPr lang="en-US"/>
-              <a:t>int[3] a = {1,2,3};</a:t>
-            </a:r>
-          </a:p>
-          <a:p>
-            <a:r>
-              <a:rPr lang="en-US"/>
-              <a:t>float[3] b;</a:t>
-            </a:r>
-          </a:p>
-          <a:p>
-            <a:r>
-              <a:rPr lang="en-US"/>
-              <a:t>b = a;  // element by element type promotion</a:t>
-            </a:r>
-          </a:p>
-          <a:p>
-            <a:r>
-              <a:rPr lang="en-US"/>
-              <a:t>put b;</a:t>
-            </a:r>
-          </a:p>
-        </p:txBody>
-      </p:sp>
-      <p:sp>
-        <p:nvSpPr>
-          <p:cNvPr id="19461" name="Text Box 5"/>
-          <p:cNvSpPr txBox="1">
-            <a:spLocks noChangeArrowheads="1"/>
-          </p:cNvSpPr>
+      </p:pic>
+      <p:pic>
+        <p:nvPicPr>
+          <p:cNvPr id="5" name="Picture 4">
+            <a:extLst>
+              <a:ext uri="{FF2B5EF4-FFF2-40B4-BE49-F238E27FC236}">
+                <a16:creationId xmlns:a16="http://schemas.microsoft.com/office/drawing/2014/main" id="{16AB1B92-1207-6849-A537-2444E4624F4C}"/>
+              </a:ext>
+            </a:extLst>
+          </p:cNvPr>
+          <p:cNvPicPr>
+            <a:picLocks noChangeAspect="1"/>
+          </p:cNvPicPr>
           <p:nvPr/>
-        </p:nvSpPr>
-        <p:spPr bwMode="auto">
+        </p:nvPicPr>
+        <p:blipFill>
+          <a:blip r:embed="rId3"/>
+          <a:stretch>
+            <a:fillRect/>
+          </a:stretch>
+        </p:blipFill>
+        <p:spPr>
           <a:xfrm>
-            <a:off x="3565525" y="6237288"/>
-            <a:ext cx="2116138" cy="336550"/>
+            <a:off x="4419600" y="1143000"/>
+            <a:ext cx="3048000" cy="5067300"/>
           </a:xfrm>
           <a:prstGeom prst="rect">
             <a:avLst/>
           </a:prstGeom>
-          <a:noFill/>
           <a:ln>
-            <a:noFill/>
+            <a:solidFill>
+              <a:schemeClr val="tx1"/>
+            </a:solidFill>
           </a:ln>
-          <a:extLst>
-            <a:ext uri="{909E8E84-426E-40dd-AFC4-6F175D3DCCD1}">
-              <a14:hiddenFill xmlns:a14="http://schemas.microsoft.com/office/drawing/2010/main" xmlns="">
-                <a:solidFill>
-                  <a:schemeClr val="accent1"/>
-                </a:solidFill>
-              </a14:hiddenFill>
-            </a:ext>
-            <a:ext uri="{91240B29-F687-4f45-9708-019B960494DF}">
-              <a14:hiddenLine xmlns:a14="http://schemas.microsoft.com/office/drawing/2010/main" xmlns="" w="9525">
-                <a:solidFill>
-                  <a:schemeClr val="tx1"/>
-                </a:solidFill>
-                <a:miter lim="800000"/>
-                <a:headEnd/>
-                <a:tailEnd/>
-              </a14:hiddenLine>
-            </a:ext>
-          </a:extLst>
         </p:spPr>
-        <p:txBody>
-          <a:bodyPr wrap="none">
-            <a:spAutoFit/>
-          </a:bodyPr>
-          <a:lstStyle/>
-          <a:p>
-            <a:r>
-              <a:rPr lang="en-US"/>
-              <a:t>Output: {1.0, 2.0, 3.0}</a:t>
-            </a:r>
-          </a:p>
-        </p:txBody>
-      </p:sp>
+      </p:pic>
     </p:spTree>
+    <p:extLst>
+      <p:ext uri="{BB962C8B-B14F-4D97-AF65-F5344CB8AC3E}">
+        <p14:creationId xmlns:p14="http://schemas.microsoft.com/office/powerpoint/2010/main" val="841625472"/>
+      </p:ext>
+    </p:extLst>
   </p:cSld>
   <p:clrMapOvr>
     <a:masterClrMapping/>
   </p:clrMapOvr>
-  <p:timing>
-    <p:tnLst>
-      <p:par>
-        <p:cTn id="1" dur="indefinite" restart="never" nodeType="tmRoot"/>
-      </p:par>
-    </p:tnLst>
-  </p:timing>
 </p:sld>
 </file>
 
@@ -10674,9 +10031,15 @@
       </p:grpSpPr>
       <p:sp>
         <p:nvSpPr>
-          <p:cNvPr id="20482" name="Rectangle 2"/>
+          <p:cNvPr id="3" name="Title 2">
+            <a:extLst>
+              <a:ext uri="{FF2B5EF4-FFF2-40B4-BE49-F238E27FC236}">
+                <a16:creationId xmlns:a16="http://schemas.microsoft.com/office/drawing/2014/main" id="{777523C7-7560-264F-BA50-9A8A524B9222}"/>
+              </a:ext>
+            </a:extLst>
+          </p:cNvPr>
           <p:cNvSpPr>
-            <a:spLocks noGrp="1" noChangeArrowheads="1"/>
+            <a:spLocks noGrp="1"/>
           </p:cNvSpPr>
           <p:nvPr>
             <p:ph type="title"/>
@@ -10688,26 +10051,32 @@
           <a:lstStyle/>
           <a:p>
             <a:r>
-              <a:rPr lang="en-US"/>
-              <a:t>Type Descriptors vs. Values</a:t>
+              <a:rPr lang="en-US" dirty="0"/>
+              <a:t>Type Checking</a:t>
             </a:r>
           </a:p>
         </p:txBody>
       </p:sp>
       <p:sp>
         <p:nvSpPr>
-          <p:cNvPr id="20483" name="Rectangle 3"/>
+          <p:cNvPr id="4" name="Content Placeholder 3">
+            <a:extLst>
+              <a:ext uri="{FF2B5EF4-FFF2-40B4-BE49-F238E27FC236}">
+                <a16:creationId xmlns:a16="http://schemas.microsoft.com/office/drawing/2014/main" id="{38A33652-00BC-7C41-BC12-FE539636496C}"/>
+              </a:ext>
+            </a:extLst>
+          </p:cNvPr>
           <p:cNvSpPr>
-            <a:spLocks noGrp="1" noChangeArrowheads="1"/>
+            <a:spLocks noGrp="1"/>
           </p:cNvSpPr>
           <p:nvPr>
-            <p:ph type="body" idx="1"/>
+            <p:ph idx="1"/>
           </p:nvPr>
         </p:nvSpPr>
         <p:spPr>
           <a:xfrm>
             <a:off x="457200" y="1719263"/>
-            <a:ext cx="8229600" cy="2090737"/>
+            <a:ext cx="8229600" cy="1023938"/>
           </a:xfrm>
         </p:spPr>
         <p:txBody>
@@ -10715,108 +10084,57 @@
           <a:lstStyle/>
           <a:p>
             <a:r>
-              <a:rPr lang="en-US"/>
-              <a:t>Type descriptors are structural descriptions of types in the AST</a:t>
-            </a:r>
-          </a:p>
-          <a:p>
-            <a:r>
-              <a:rPr lang="en-US"/>
-              <a:t>The type descriptions are used in variable declarations</a:t>
+              <a:rPr lang="en-US" dirty="0"/>
+              <a:t>We have to extend our Cuppa4 type checker in order to include arrays.</a:t>
             </a:r>
           </a:p>
         </p:txBody>
       </p:sp>
-      <p:sp>
-        <p:nvSpPr>
-          <p:cNvPr id="20484" name="Text Box 4"/>
-          <p:cNvSpPr txBox="1">
-            <a:spLocks noChangeArrowheads="1"/>
-          </p:cNvSpPr>
+      <p:pic>
+        <p:nvPicPr>
+          <p:cNvPr id="5" name="Picture 4">
+            <a:extLst>
+              <a:ext uri="{FF2B5EF4-FFF2-40B4-BE49-F238E27FC236}">
+                <a16:creationId xmlns:a16="http://schemas.microsoft.com/office/drawing/2014/main" id="{D023F61A-3CB6-A84A-A5A4-5857C4A71B6C}"/>
+              </a:ext>
+            </a:extLst>
+          </p:cNvPr>
+          <p:cNvPicPr>
+            <a:picLocks noChangeAspect="1"/>
+          </p:cNvPicPr>
           <p:nvPr/>
-        </p:nvSpPr>
-        <p:spPr bwMode="auto">
+        </p:nvPicPr>
+        <p:blipFill>
+          <a:blip r:embed="rId2"/>
+          <a:stretch>
+            <a:fillRect/>
+          </a:stretch>
+        </p:blipFill>
+        <p:spPr>
           <a:xfrm>
-            <a:off x="762000" y="4483100"/>
-            <a:ext cx="7772400" cy="1016000"/>
+            <a:off x="1358900" y="3044826"/>
+            <a:ext cx="6426200" cy="3390900"/>
           </a:xfrm>
           <a:prstGeom prst="rect">
             <a:avLst/>
           </a:prstGeom>
-          <a:noFill/>
-          <a:ln w="9525">
+          <a:ln>
             <a:solidFill>
               <a:schemeClr val="tx1"/>
             </a:solidFill>
-            <a:miter lim="800000"/>
-            <a:headEnd/>
-            <a:tailEnd/>
           </a:ln>
-          <a:extLst>
-            <a:ext uri="{909E8E84-426E-40dd-AFC4-6F175D3DCCD1}">
-              <a14:hiddenFill xmlns:a14="http://schemas.microsoft.com/office/drawing/2010/main" xmlns="">
-                <a:solidFill>
-                  <a:schemeClr val="accent1"/>
-                </a:solidFill>
-              </a14:hiddenFill>
-            </a:ext>
-          </a:extLst>
         </p:spPr>
-        <p:txBody>
-          <a:bodyPr>
-            <a:spAutoFit/>
-          </a:bodyPr>
-          <a:lstStyle/>
-          <a:p>
-            <a:r>
-              <a:rPr lang="en-US" sz="1000"/>
-              <a:t>stmt returns [Stmt ast]</a:t>
-            </a:r>
-          </a:p>
-          <a:p>
-            <a:r>
-              <a:rPr lang="en-US" sz="1000"/>
-              <a:t>	:	…</a:t>
-            </a:r>
-          </a:p>
-          <a:p>
-            <a:r>
-              <a:rPr lang="en-US" sz="1000"/>
-              <a:t>	|	dt=dataType VAR '=' initializer ';'	      { $ast = new VarDeclStmt($dt.type,$VAR.text,$initializer.ast); }</a:t>
-            </a:r>
-          </a:p>
-          <a:p>
-            <a:r>
-              <a:rPr lang="en-US" sz="1000"/>
-              <a:t>	|	…</a:t>
-            </a:r>
-          </a:p>
-          <a:p>
-            <a:r>
-              <a:rPr lang="en-US" sz="1000"/>
-              <a:t>	;</a:t>
-            </a:r>
-          </a:p>
-          <a:p>
-            <a:r>
-              <a:rPr lang="en-US" sz="1000"/>
-              <a:t>	</a:t>
-            </a:r>
-          </a:p>
-        </p:txBody>
-      </p:sp>
+      </p:pic>
     </p:spTree>
+    <p:extLst>
+      <p:ext uri="{BB962C8B-B14F-4D97-AF65-F5344CB8AC3E}">
+        <p14:creationId xmlns:p14="http://schemas.microsoft.com/office/powerpoint/2010/main" val="823743203"/>
+      </p:ext>
+    </p:extLst>
   </p:cSld>
   <p:clrMapOvr>
     <a:masterClrMapping/>
   </p:clrMapOvr>
-  <p:timing>
-    <p:tnLst>
-      <p:par>
-        <p:cTn id="1" dur="indefinite" restart="never" nodeType="tmRoot"/>
-      </p:par>
-    </p:tnLst>
-  </p:timing>
 </p:sld>
 </file>
 
@@ -10839,9 +10157,15 @@
       </p:grpSpPr>
       <p:sp>
         <p:nvSpPr>
-          <p:cNvPr id="21506" name="Rectangle 2"/>
+          <p:cNvPr id="2" name="Title 1">
+            <a:extLst>
+              <a:ext uri="{FF2B5EF4-FFF2-40B4-BE49-F238E27FC236}">
+                <a16:creationId xmlns:a16="http://schemas.microsoft.com/office/drawing/2014/main" id="{022F3E78-8DAC-FA49-9B1A-6CA2B72277E1}"/>
+              </a:ext>
+            </a:extLst>
+          </p:cNvPr>
           <p:cNvSpPr>
-            <a:spLocks noGrp="1" noChangeArrowheads="1"/>
+            <a:spLocks noGrp="1"/>
           </p:cNvSpPr>
           <p:nvPr>
             <p:ph type="title"/>
@@ -10853,581 +10177,57 @@
           <a:lstStyle/>
           <a:p>
             <a:r>
-              <a:rPr lang="en-US"/>
-              <a:t>Type Descriptors vs. Values</a:t>
+              <a:rPr lang="en-US" dirty="0"/>
+              <a:t>Type Checking</a:t>
             </a:r>
           </a:p>
         </p:txBody>
       </p:sp>
-      <p:sp>
-        <p:nvSpPr>
-          <p:cNvPr id="21507" name="Rectangle 3"/>
-          <p:cNvSpPr>
-            <a:spLocks noGrp="1" noChangeArrowheads="1"/>
-          </p:cNvSpPr>
-          <p:nvPr>
-            <p:ph type="body" idx="1"/>
-          </p:nvPr>
-        </p:nvSpPr>
+      <p:pic>
+        <p:nvPicPr>
+          <p:cNvPr id="4" name="Picture 3">
+            <a:extLst>
+              <a:ext uri="{FF2B5EF4-FFF2-40B4-BE49-F238E27FC236}">
+                <a16:creationId xmlns:a16="http://schemas.microsoft.com/office/drawing/2014/main" id="{8A859A5E-09DD-2D4B-8D7D-7F377879E40E}"/>
+              </a:ext>
+            </a:extLst>
+          </p:cNvPr>
+          <p:cNvPicPr>
+            <a:picLocks noChangeAspect="1"/>
+          </p:cNvPicPr>
+          <p:nvPr/>
+        </p:nvPicPr>
+        <p:blipFill>
+          <a:blip r:embed="rId2"/>
+          <a:stretch>
+            <a:fillRect/>
+          </a:stretch>
+        </p:blipFill>
         <p:spPr>
           <a:xfrm>
-            <a:off x="457200" y="1719263"/>
-            <a:ext cx="8229600" cy="2090737"/>
-          </a:xfrm>
-        </p:spPr>
-        <p:txBody>
-          <a:bodyPr/>
-          <a:lstStyle/>
-          <a:p>
-            <a:pPr>
-              <a:lnSpc>
-                <a:spcPct val="90000"/>
-              </a:lnSpc>
-            </a:pPr>
-            <a:r>
-              <a:rPr lang="en-US" sz="2400"/>
-              <a:t>Values are objects that we associate with variables in the symbol table</a:t>
-            </a:r>
-          </a:p>
-          <a:p>
-            <a:pPr>
-              <a:lnSpc>
-                <a:spcPct val="90000"/>
-              </a:lnSpc>
-            </a:pPr>
-            <a:r>
-              <a:rPr lang="en-US" sz="2400"/>
-              <a:t>Values represent actual values such as integer values that can be copied and with which we can compute.</a:t>
-            </a:r>
-          </a:p>
-          <a:p>
-            <a:pPr>
-              <a:lnSpc>
-                <a:spcPct val="90000"/>
-              </a:lnSpc>
-            </a:pPr>
-            <a:r>
-              <a:rPr lang="en-US" sz="2400"/>
-              <a:t>In our language values are represented by the following class hierarchy</a:t>
-            </a:r>
-          </a:p>
-        </p:txBody>
-      </p:sp>
-      <p:sp>
-        <p:nvSpPr>
-          <p:cNvPr id="21509" name="Text Box 5"/>
-          <p:cNvSpPr txBox="1">
-            <a:spLocks noChangeArrowheads="1"/>
-          </p:cNvSpPr>
-          <p:nvPr/>
-        </p:nvSpPr>
-        <p:spPr bwMode="auto">
-          <a:xfrm>
-            <a:off x="3870325" y="4103688"/>
-            <a:ext cx="703263" cy="336550"/>
+            <a:off x="815873" y="1600200"/>
+            <a:ext cx="6826453" cy="4514850"/>
           </a:xfrm>
           <a:prstGeom prst="rect">
             <a:avLst/>
           </a:prstGeom>
-          <a:noFill/>
           <a:ln>
-            <a:noFill/>
-          </a:ln>
-          <a:extLst>
-            <a:ext uri="{909E8E84-426E-40dd-AFC4-6F175D3DCCD1}">
-              <a14:hiddenFill xmlns:a14="http://schemas.microsoft.com/office/drawing/2010/main" xmlns="">
-                <a:solidFill>
-                  <a:schemeClr val="accent1"/>
-                </a:solidFill>
-              </a14:hiddenFill>
-            </a:ext>
-            <a:ext uri="{91240B29-F687-4f45-9708-019B960494DF}">
-              <a14:hiddenLine xmlns:a14="http://schemas.microsoft.com/office/drawing/2010/main" xmlns="" w="9525">
-                <a:solidFill>
-                  <a:schemeClr val="tx1"/>
-                </a:solidFill>
-                <a:miter lim="800000"/>
-                <a:headEnd/>
-                <a:tailEnd/>
-              </a14:hiddenLine>
-            </a:ext>
-          </a:extLst>
-        </p:spPr>
-        <p:txBody>
-          <a:bodyPr wrap="none">
-            <a:spAutoFit/>
-          </a:bodyPr>
-          <a:lstStyle/>
-          <a:p>
-            <a:r>
-              <a:rPr lang="en-US"/>
-              <a:t>Value</a:t>
-            </a:r>
-          </a:p>
-        </p:txBody>
-      </p:sp>
-      <p:sp>
-        <p:nvSpPr>
-          <p:cNvPr id="21510" name="Text Box 6"/>
-          <p:cNvSpPr txBox="1">
-            <a:spLocks noChangeArrowheads="1"/>
-          </p:cNvSpPr>
-          <p:nvPr/>
-        </p:nvSpPr>
-        <p:spPr bwMode="auto">
-          <a:xfrm>
-            <a:off x="1508125" y="4865688"/>
-            <a:ext cx="922348" cy="338554"/>
-          </a:xfrm>
-          <a:prstGeom prst="rect">
-            <a:avLst/>
-          </a:prstGeom>
-          <a:noFill/>
-          <a:ln>
-            <a:noFill/>
-          </a:ln>
-          <a:extLst>
-            <a:ext uri="{909E8E84-426E-40dd-AFC4-6F175D3DCCD1}">
-              <a14:hiddenFill xmlns:a14="http://schemas.microsoft.com/office/drawing/2010/main" xmlns="">
-                <a:solidFill>
-                  <a:schemeClr val="accent1"/>
-                </a:solidFill>
-              </a14:hiddenFill>
-            </a:ext>
-            <a:ext uri="{91240B29-F687-4f45-9708-019B960494DF}">
-              <a14:hiddenLine xmlns:a14="http://schemas.microsoft.com/office/drawing/2010/main" xmlns="" w="9525">
-                <a:solidFill>
-                  <a:schemeClr val="tx1"/>
-                </a:solidFill>
-                <a:miter lim="800000"/>
-                <a:headEnd/>
-                <a:tailEnd/>
-              </a14:hiddenLine>
-            </a:ext>
-          </a:extLst>
-        </p:spPr>
-        <p:txBody>
-          <a:bodyPr wrap="none">
-            <a:spAutoFit/>
-          </a:bodyPr>
-          <a:lstStyle/>
-          <a:p>
-            <a:r>
-              <a:rPr lang="en-US" dirty="0" err="1" smtClean="0"/>
-              <a:t>IntValue</a:t>
-            </a:r>
-            <a:endParaRPr lang="en-US" dirty="0"/>
-          </a:p>
-        </p:txBody>
-      </p:sp>
-      <p:sp>
-        <p:nvSpPr>
-          <p:cNvPr id="21511" name="Text Box 7"/>
-          <p:cNvSpPr txBox="1">
-            <a:spLocks noChangeArrowheads="1"/>
-          </p:cNvSpPr>
-          <p:nvPr/>
-        </p:nvSpPr>
-        <p:spPr bwMode="auto">
-          <a:xfrm>
-            <a:off x="2879725" y="4865688"/>
-            <a:ext cx="1150375" cy="338554"/>
-          </a:xfrm>
-          <a:prstGeom prst="rect">
-            <a:avLst/>
-          </a:prstGeom>
-          <a:noFill/>
-          <a:ln>
-            <a:noFill/>
-          </a:ln>
-          <a:extLst>
-            <a:ext uri="{909E8E84-426E-40dd-AFC4-6F175D3DCCD1}">
-              <a14:hiddenFill xmlns:a14="http://schemas.microsoft.com/office/drawing/2010/main" xmlns="">
-                <a:solidFill>
-                  <a:schemeClr val="accent1"/>
-                </a:solidFill>
-              </a14:hiddenFill>
-            </a:ext>
-            <a:ext uri="{91240B29-F687-4f45-9708-019B960494DF}">
-              <a14:hiddenLine xmlns:a14="http://schemas.microsoft.com/office/drawing/2010/main" xmlns="" w="9525">
-                <a:solidFill>
-                  <a:schemeClr val="tx1"/>
-                </a:solidFill>
-                <a:miter lim="800000"/>
-                <a:headEnd/>
-                <a:tailEnd/>
-              </a14:hiddenLine>
-            </a:ext>
-          </a:extLst>
-        </p:spPr>
-        <p:txBody>
-          <a:bodyPr wrap="none">
-            <a:spAutoFit/>
-          </a:bodyPr>
-          <a:lstStyle/>
-          <a:p>
-            <a:r>
-              <a:rPr lang="en-US" dirty="0" err="1" smtClean="0"/>
-              <a:t>FloatValue</a:t>
-            </a:r>
-            <a:endParaRPr lang="en-US" dirty="0"/>
-          </a:p>
-        </p:txBody>
-      </p:sp>
-      <p:sp>
-        <p:nvSpPr>
-          <p:cNvPr id="21512" name="Text Box 8"/>
-          <p:cNvSpPr txBox="1">
-            <a:spLocks noChangeArrowheads="1"/>
-          </p:cNvSpPr>
-          <p:nvPr/>
-        </p:nvSpPr>
-        <p:spPr bwMode="auto">
-          <a:xfrm>
-            <a:off x="4479925" y="4865688"/>
-            <a:ext cx="1230225" cy="338554"/>
-          </a:xfrm>
-          <a:prstGeom prst="rect">
-            <a:avLst/>
-          </a:prstGeom>
-          <a:noFill/>
-          <a:ln>
-            <a:noFill/>
-          </a:ln>
-          <a:extLst>
-            <a:ext uri="{909E8E84-426E-40dd-AFC4-6F175D3DCCD1}">
-              <a14:hiddenFill xmlns:a14="http://schemas.microsoft.com/office/drawing/2010/main" xmlns="">
-                <a:solidFill>
-                  <a:schemeClr val="accent1"/>
-                </a:solidFill>
-              </a14:hiddenFill>
-            </a:ext>
-            <a:ext uri="{91240B29-F687-4f45-9708-019B960494DF}">
-              <a14:hiddenLine xmlns:a14="http://schemas.microsoft.com/office/drawing/2010/main" xmlns="" w="9525">
-                <a:solidFill>
-                  <a:schemeClr val="tx1"/>
-                </a:solidFill>
-                <a:miter lim="800000"/>
-                <a:headEnd/>
-                <a:tailEnd/>
-              </a14:hiddenLine>
-            </a:ext>
-          </a:extLst>
-        </p:spPr>
-        <p:txBody>
-          <a:bodyPr wrap="none">
-            <a:spAutoFit/>
-          </a:bodyPr>
-          <a:lstStyle/>
-          <a:p>
-            <a:r>
-              <a:rPr lang="en-US" dirty="0" err="1" smtClean="0"/>
-              <a:t>StringValue</a:t>
-            </a:r>
-            <a:endParaRPr lang="en-US" dirty="0"/>
-          </a:p>
-        </p:txBody>
-      </p:sp>
-      <p:sp>
-        <p:nvSpPr>
-          <p:cNvPr id="21513" name="Text Box 9"/>
-          <p:cNvSpPr txBox="1">
-            <a:spLocks noChangeArrowheads="1"/>
-          </p:cNvSpPr>
-          <p:nvPr/>
-        </p:nvSpPr>
-        <p:spPr bwMode="auto">
-          <a:xfrm>
-            <a:off x="6384925" y="4865688"/>
-            <a:ext cx="1184439" cy="338554"/>
-          </a:xfrm>
-          <a:prstGeom prst="rect">
-            <a:avLst/>
-          </a:prstGeom>
-          <a:noFill/>
-          <a:ln>
-            <a:noFill/>
-          </a:ln>
-          <a:extLst>
-            <a:ext uri="{909E8E84-426E-40dd-AFC4-6F175D3DCCD1}">
-              <a14:hiddenFill xmlns:a14="http://schemas.microsoft.com/office/drawing/2010/main" xmlns="">
-                <a:solidFill>
-                  <a:schemeClr val="accent1"/>
-                </a:solidFill>
-              </a14:hiddenFill>
-            </a:ext>
-            <a:ext uri="{91240B29-F687-4f45-9708-019B960494DF}">
-              <a14:hiddenLine xmlns:a14="http://schemas.microsoft.com/office/drawing/2010/main" xmlns="" w="9525">
-                <a:solidFill>
-                  <a:schemeClr val="tx1"/>
-                </a:solidFill>
-                <a:miter lim="800000"/>
-                <a:headEnd/>
-                <a:tailEnd/>
-              </a14:hiddenLine>
-            </a:ext>
-          </a:extLst>
-        </p:spPr>
-        <p:txBody>
-          <a:bodyPr wrap="none">
-            <a:spAutoFit/>
-          </a:bodyPr>
-          <a:lstStyle/>
-          <a:p>
-            <a:r>
-              <a:rPr lang="en-US" dirty="0" err="1" smtClean="0"/>
-              <a:t>ArrayValue</a:t>
-            </a:r>
-            <a:endParaRPr lang="en-US" dirty="0"/>
-          </a:p>
-        </p:txBody>
-      </p:sp>
-      <p:sp>
-        <p:nvSpPr>
-          <p:cNvPr id="21514" name="Text Box 10"/>
-          <p:cNvSpPr txBox="1">
-            <a:spLocks noChangeArrowheads="1"/>
-          </p:cNvSpPr>
-          <p:nvPr/>
-        </p:nvSpPr>
-        <p:spPr bwMode="auto">
-          <a:xfrm>
-            <a:off x="7604125" y="4876800"/>
-            <a:ext cx="1481195" cy="338554"/>
-          </a:xfrm>
-          <a:prstGeom prst="rect">
-            <a:avLst/>
-          </a:prstGeom>
-          <a:noFill/>
-          <a:ln>
-            <a:noFill/>
-          </a:ln>
-          <a:extLst>
-            <a:ext uri="{909E8E84-426E-40dd-AFC4-6F175D3DCCD1}">
-              <a14:hiddenFill xmlns:a14="http://schemas.microsoft.com/office/drawing/2010/main" xmlns="">
-                <a:solidFill>
-                  <a:schemeClr val="accent1"/>
-                </a:solidFill>
-              </a14:hiddenFill>
-            </a:ext>
-            <a:ext uri="{91240B29-F687-4f45-9708-019B960494DF}">
-              <a14:hiddenLine xmlns:a14="http://schemas.microsoft.com/office/drawing/2010/main" xmlns="" w="9525">
-                <a:solidFill>
-                  <a:schemeClr val="tx1"/>
-                </a:solidFill>
-                <a:miter lim="800000"/>
-                <a:headEnd/>
-                <a:tailEnd/>
-              </a14:hiddenLine>
-            </a:ext>
-          </a:extLst>
-        </p:spPr>
-        <p:txBody>
-          <a:bodyPr wrap="none">
-            <a:spAutoFit/>
-          </a:bodyPr>
-          <a:lstStyle/>
-          <a:p>
-            <a:r>
-              <a:rPr lang="en-US" dirty="0" err="1" smtClean="0"/>
-              <a:t>FunctionValue</a:t>
-            </a:r>
-            <a:endParaRPr lang="en-US" dirty="0"/>
-          </a:p>
-        </p:txBody>
-      </p:sp>
-      <p:cxnSp>
-        <p:nvCxnSpPr>
-          <p:cNvPr id="21515" name="AutoShape 11"/>
-          <p:cNvCxnSpPr>
-            <a:cxnSpLocks noChangeShapeType="1"/>
-            <a:stCxn id="21510" idx="0"/>
-            <a:endCxn id="21509" idx="2"/>
-          </p:cNvCxnSpPr>
-          <p:nvPr/>
-        </p:nvCxnSpPr>
-        <p:spPr bwMode="auto">
-          <a:xfrm flipV="1">
-            <a:off x="1969299" y="4440238"/>
-            <a:ext cx="2252658" cy="425450"/>
-          </a:xfrm>
-          <a:prstGeom prst="straightConnector1">
-            <a:avLst/>
-          </a:prstGeom>
-          <a:noFill/>
-          <a:ln w="9525">
             <a:solidFill>
               <a:schemeClr val="tx1"/>
             </a:solidFill>
-            <a:round/>
-            <a:headEnd/>
-            <a:tailEnd/>
           </a:ln>
-          <a:extLst>
-            <a:ext uri="{909E8E84-426E-40dd-AFC4-6F175D3DCCD1}">
-              <a14:hiddenFill xmlns:a14="http://schemas.microsoft.com/office/drawing/2010/main" xmlns="">
-                <a:noFill/>
-              </a14:hiddenFill>
-            </a:ext>
-          </a:extLst>
         </p:spPr>
-      </p:cxnSp>
-      <p:cxnSp>
-        <p:nvCxnSpPr>
-          <p:cNvPr id="21516" name="AutoShape 12"/>
-          <p:cNvCxnSpPr>
-            <a:cxnSpLocks noChangeShapeType="1"/>
-            <a:stCxn id="21511" idx="0"/>
-            <a:endCxn id="21509" idx="2"/>
-          </p:cNvCxnSpPr>
-          <p:nvPr/>
-        </p:nvCxnSpPr>
-        <p:spPr bwMode="auto">
-          <a:xfrm flipV="1">
-            <a:off x="3454913" y="4440238"/>
-            <a:ext cx="767044" cy="425450"/>
-          </a:xfrm>
-          <a:prstGeom prst="straightConnector1">
-            <a:avLst/>
-          </a:prstGeom>
-          <a:noFill/>
-          <a:ln w="9525">
-            <a:solidFill>
-              <a:schemeClr val="tx1"/>
-            </a:solidFill>
-            <a:round/>
-            <a:headEnd/>
-            <a:tailEnd/>
-          </a:ln>
-          <a:extLst>
-            <a:ext uri="{909E8E84-426E-40dd-AFC4-6F175D3DCCD1}">
-              <a14:hiddenFill xmlns:a14="http://schemas.microsoft.com/office/drawing/2010/main" xmlns="">
-                <a:noFill/>
-              </a14:hiddenFill>
-            </a:ext>
-          </a:extLst>
-        </p:spPr>
-      </p:cxnSp>
-      <p:cxnSp>
-        <p:nvCxnSpPr>
-          <p:cNvPr id="21517" name="AutoShape 13"/>
-          <p:cNvCxnSpPr>
-            <a:cxnSpLocks noChangeShapeType="1"/>
-            <a:stCxn id="21512" idx="0"/>
-            <a:endCxn id="21509" idx="2"/>
-          </p:cNvCxnSpPr>
-          <p:nvPr/>
-        </p:nvCxnSpPr>
-        <p:spPr bwMode="auto">
-          <a:xfrm flipH="1" flipV="1">
-            <a:off x="4221957" y="4440238"/>
-            <a:ext cx="873081" cy="425450"/>
-          </a:xfrm>
-          <a:prstGeom prst="straightConnector1">
-            <a:avLst/>
-          </a:prstGeom>
-          <a:noFill/>
-          <a:ln w="9525">
-            <a:solidFill>
-              <a:schemeClr val="tx1"/>
-            </a:solidFill>
-            <a:round/>
-            <a:headEnd/>
-            <a:tailEnd/>
-          </a:ln>
-          <a:extLst>
-            <a:ext uri="{909E8E84-426E-40dd-AFC4-6F175D3DCCD1}">
-              <a14:hiddenFill xmlns:a14="http://schemas.microsoft.com/office/drawing/2010/main" xmlns="">
-                <a:noFill/>
-              </a14:hiddenFill>
-            </a:ext>
-          </a:extLst>
-        </p:spPr>
-      </p:cxnSp>
-      <p:cxnSp>
-        <p:nvCxnSpPr>
-          <p:cNvPr id="21518" name="AutoShape 14"/>
-          <p:cNvCxnSpPr>
-            <a:cxnSpLocks noChangeShapeType="1"/>
-            <a:stCxn id="21509" idx="2"/>
-            <a:endCxn id="21513" idx="0"/>
-          </p:cNvCxnSpPr>
-          <p:nvPr/>
-        </p:nvCxnSpPr>
-        <p:spPr bwMode="auto">
-          <a:xfrm>
-            <a:off x="4221957" y="4440238"/>
-            <a:ext cx="2755188" cy="425450"/>
-          </a:xfrm>
-          <a:prstGeom prst="straightConnector1">
-            <a:avLst/>
-          </a:prstGeom>
-          <a:noFill/>
-          <a:ln w="9525">
-            <a:solidFill>
-              <a:schemeClr val="tx1"/>
-            </a:solidFill>
-            <a:round/>
-            <a:headEnd/>
-            <a:tailEnd/>
-          </a:ln>
-          <a:extLst>
-            <a:ext uri="{909E8E84-426E-40dd-AFC4-6F175D3DCCD1}">
-              <a14:hiddenFill xmlns:a14="http://schemas.microsoft.com/office/drawing/2010/main" xmlns="">
-                <a:noFill/>
-              </a14:hiddenFill>
-            </a:ext>
-          </a:extLst>
-        </p:spPr>
-      </p:cxnSp>
-      <p:cxnSp>
-        <p:nvCxnSpPr>
-          <p:cNvPr id="21519" name="AutoShape 15"/>
-          <p:cNvCxnSpPr>
-            <a:cxnSpLocks noChangeShapeType="1"/>
-            <a:stCxn id="21509" idx="2"/>
-            <a:endCxn id="21514" idx="0"/>
-          </p:cNvCxnSpPr>
-          <p:nvPr/>
-        </p:nvCxnSpPr>
-        <p:spPr bwMode="auto">
-          <a:xfrm>
-            <a:off x="4221957" y="4440238"/>
-            <a:ext cx="4122766" cy="436562"/>
-          </a:xfrm>
-          <a:prstGeom prst="straightConnector1">
-            <a:avLst/>
-          </a:prstGeom>
-          <a:noFill/>
-          <a:ln w="9525">
-            <a:solidFill>
-              <a:schemeClr val="tx1"/>
-            </a:solidFill>
-            <a:round/>
-            <a:headEnd/>
-            <a:tailEnd/>
-          </a:ln>
-          <a:extLst>
-            <a:ext uri="{909E8E84-426E-40dd-AFC4-6F175D3DCCD1}">
-              <a14:hiddenFill xmlns:a14="http://schemas.microsoft.com/office/drawing/2010/main" xmlns="">
-                <a:noFill/>
-              </a14:hiddenFill>
-            </a:ext>
-          </a:extLst>
-        </p:spPr>
-      </p:cxnSp>
+      </p:pic>
     </p:spTree>
+    <p:extLst>
+      <p:ext uri="{BB962C8B-B14F-4D97-AF65-F5344CB8AC3E}">
+        <p14:creationId xmlns:p14="http://schemas.microsoft.com/office/powerpoint/2010/main" val="2393198624"/>
+      </p:ext>
+    </p:extLst>
   </p:cSld>
   <p:clrMapOvr>
     <a:masterClrMapping/>
   </p:clrMapOvr>
-  <p:timing>
-    <p:tnLst>
-      <p:par>
-        <p:cTn id="1" dur="indefinite" restart="never" nodeType="tmRoot"/>
-      </p:par>
-    </p:tnLst>
-  </p:timing>
 </p:sld>
 </file>
 
@@ -11677,7 +10477,7 @@
         <a:effectLst/>
         <a:extLst>
           <a:ext uri="{AF507438-7753-43e0-B8FC-AC1667EBCBE1}">
-            <a14:hiddenEffects xmlns:a14="http://schemas.microsoft.com/office/drawing/2010/main" xmlns="">
+            <a14:hiddenEffects xmlns="" xmlns:a14="http://schemas.microsoft.com/office/drawing/2010/main">
               <a:effectLst>
                 <a:outerShdw blurRad="63500" dist="38099" dir="2700000" algn="ctr" rotWithShape="0">
                   <a:schemeClr val="bg2">
@@ -11754,7 +10554,7 @@
         <a:effectLst/>
         <a:extLst>
           <a:ext uri="{AF507438-7753-43e0-B8FC-AC1667EBCBE1}">
-            <a14:hiddenEffects xmlns:a14="http://schemas.microsoft.com/office/drawing/2010/main" xmlns="">
+            <a14:hiddenEffects xmlns="" xmlns:a14="http://schemas.microsoft.com/office/drawing/2010/main">
               <a:effectLst>
                 <a:outerShdw blurRad="63500" dist="38099" dir="2700000" algn="ctr" rotWithShape="0">
                   <a:schemeClr val="bg2">
